--- a/Figure.pptx
+++ b/Figure.pptx
@@ -6,6 +6,7 @@
   </p:sldMasterIdLst>
   <p:sldIdLst>
     <p:sldId id="257" r:id="rId2"/>
+    <p:sldId id="258" r:id="rId3"/>
   </p:sldIdLst>
   <p:sldSz cx="12192000" cy="6858000"/>
   <p:notesSz cx="6858000" cy="9144000"/>
@@ -241,7 +242,7 @@
           <a:p>
             <a:fld id="{D997B5FA-0921-464F-AAE1-844C04324D75}" type="datetimeFigureOut">
               <a:rPr lang="zh-CN" altLang="en-US" smtClean="0"/>
-              <a:t>2021/10/27</a:t>
+              <a:t>2021/10/28</a:t>
             </a:fld>
             <a:endParaRPr lang="zh-CN" altLang="en-US"/>
           </a:p>
@@ -409,7 +410,7 @@
           <a:p>
             <a:fld id="{D997B5FA-0921-464F-AAE1-844C04324D75}" type="datetimeFigureOut">
               <a:rPr lang="zh-CN" altLang="en-US" smtClean="0"/>
-              <a:t>2021/10/27</a:t>
+              <a:t>2021/10/28</a:t>
             </a:fld>
             <a:endParaRPr lang="zh-CN" altLang="en-US"/>
           </a:p>
@@ -587,7 +588,7 @@
           <a:p>
             <a:fld id="{D997B5FA-0921-464F-AAE1-844C04324D75}" type="datetimeFigureOut">
               <a:rPr lang="zh-CN" altLang="en-US" smtClean="0"/>
-              <a:t>2021/10/27</a:t>
+              <a:t>2021/10/28</a:t>
             </a:fld>
             <a:endParaRPr lang="zh-CN" altLang="en-US"/>
           </a:p>
@@ -755,7 +756,7 @@
           <a:p>
             <a:fld id="{D997B5FA-0921-464F-AAE1-844C04324D75}" type="datetimeFigureOut">
               <a:rPr lang="zh-CN" altLang="en-US" smtClean="0"/>
-              <a:t>2021/10/27</a:t>
+              <a:t>2021/10/28</a:t>
             </a:fld>
             <a:endParaRPr lang="zh-CN" altLang="en-US"/>
           </a:p>
@@ -1000,7 +1001,7 @@
           <a:p>
             <a:fld id="{D997B5FA-0921-464F-AAE1-844C04324D75}" type="datetimeFigureOut">
               <a:rPr lang="zh-CN" altLang="en-US" smtClean="0"/>
-              <a:t>2021/10/27</a:t>
+              <a:t>2021/10/28</a:t>
             </a:fld>
             <a:endParaRPr lang="zh-CN" altLang="en-US"/>
           </a:p>
@@ -1229,7 +1230,7 @@
           <a:p>
             <a:fld id="{D997B5FA-0921-464F-AAE1-844C04324D75}" type="datetimeFigureOut">
               <a:rPr lang="zh-CN" altLang="en-US" smtClean="0"/>
-              <a:t>2021/10/27</a:t>
+              <a:t>2021/10/28</a:t>
             </a:fld>
             <a:endParaRPr lang="zh-CN" altLang="en-US"/>
           </a:p>
@@ -1593,7 +1594,7 @@
           <a:p>
             <a:fld id="{D997B5FA-0921-464F-AAE1-844C04324D75}" type="datetimeFigureOut">
               <a:rPr lang="zh-CN" altLang="en-US" smtClean="0"/>
-              <a:t>2021/10/27</a:t>
+              <a:t>2021/10/28</a:t>
             </a:fld>
             <a:endParaRPr lang="zh-CN" altLang="en-US"/>
           </a:p>
@@ -1710,7 +1711,7 @@
           <a:p>
             <a:fld id="{D997B5FA-0921-464F-AAE1-844C04324D75}" type="datetimeFigureOut">
               <a:rPr lang="zh-CN" altLang="en-US" smtClean="0"/>
-              <a:t>2021/10/27</a:t>
+              <a:t>2021/10/28</a:t>
             </a:fld>
             <a:endParaRPr lang="zh-CN" altLang="en-US"/>
           </a:p>
@@ -1805,7 +1806,7 @@
           <a:p>
             <a:fld id="{D997B5FA-0921-464F-AAE1-844C04324D75}" type="datetimeFigureOut">
               <a:rPr lang="zh-CN" altLang="en-US" smtClean="0"/>
-              <a:t>2021/10/27</a:t>
+              <a:t>2021/10/28</a:t>
             </a:fld>
             <a:endParaRPr lang="zh-CN" altLang="en-US"/>
           </a:p>
@@ -2080,7 +2081,7 @@
           <a:p>
             <a:fld id="{D997B5FA-0921-464F-AAE1-844C04324D75}" type="datetimeFigureOut">
               <a:rPr lang="zh-CN" altLang="en-US" smtClean="0"/>
-              <a:t>2021/10/27</a:t>
+              <a:t>2021/10/28</a:t>
             </a:fld>
             <a:endParaRPr lang="zh-CN" altLang="en-US"/>
           </a:p>
@@ -2332,7 +2333,7 @@
           <a:p>
             <a:fld id="{D997B5FA-0921-464F-AAE1-844C04324D75}" type="datetimeFigureOut">
               <a:rPr lang="zh-CN" altLang="en-US" smtClean="0"/>
-              <a:t>2021/10/27</a:t>
+              <a:t>2021/10/28</a:t>
             </a:fld>
             <a:endParaRPr lang="zh-CN" altLang="en-US"/>
           </a:p>
@@ -2543,7 +2544,7 @@
           <a:p>
             <a:fld id="{D997B5FA-0921-464F-AAE1-844C04324D75}" type="datetimeFigureOut">
               <a:rPr lang="zh-CN" altLang="en-US" smtClean="0"/>
-              <a:t>2021/10/27</a:t>
+              <a:t>2021/10/28</a:t>
             </a:fld>
             <a:endParaRPr lang="zh-CN" altLang="en-US"/>
           </a:p>
@@ -2963,9 +2964,9 @@
         <p:grpSpPr>
           <a:xfrm>
             <a:off x="1899719" y="951497"/>
-            <a:ext cx="3681234" cy="1791703"/>
+            <a:ext cx="3385263" cy="1745983"/>
             <a:chOff x="1899719" y="951497"/>
-            <a:chExt cx="3681234" cy="1791703"/>
+            <a:chExt cx="3385263" cy="1745983"/>
           </a:xfrm>
         </p:grpSpPr>
         <p:sp>
@@ -3008,10 +3009,6 @@
             <a:lstStyle/>
             <a:p>
               <a:pPr algn="ctr"/>
-              <a:r>
-                <a:rPr lang="en-US" altLang="zh-CN" dirty="0"/>
-                <a:t>h</a:t>
-              </a:r>
               <a:endParaRPr lang="zh-CN" altLang="en-US" dirty="0"/>
             </a:p>
           </p:txBody>
@@ -3514,10 +3511,6 @@
               <a:lstStyle/>
               <a:p>
                 <a:pPr algn="ctr"/>
-                <a:r>
-                  <a:rPr lang="en-US" altLang="zh-CN" dirty="0"/>
-                  <a:t>a</a:t>
-                </a:r>
                 <a:endParaRPr lang="zh-CN" altLang="en-US" dirty="0"/>
               </a:p>
             </p:txBody>
@@ -3687,9 +3680,9 @@
             <p:nvPr/>
           </p:nvCxnSpPr>
           <p:spPr>
-            <a:xfrm flipH="1">
-              <a:off x="3491694" y="1040535"/>
-              <a:ext cx="35562" cy="1618689"/>
+            <a:xfrm>
+              <a:off x="3527256" y="1040535"/>
+              <a:ext cx="15849" cy="1572969"/>
             </a:xfrm>
             <a:prstGeom prst="line">
               <a:avLst/>
@@ -3969,113 +3962,50 @@
             </p:style>
           </p:cxnSp>
         </p:grpSp>
-        <p:grpSp>
-          <p:nvGrpSpPr>
-            <p:cNvPr id="40" name="组合 39">
+        <p:sp>
+          <p:nvSpPr>
+            <p:cNvPr id="41" name="矩形 40">
               <a:extLst>
                 <a:ext uri="{FF2B5EF4-FFF2-40B4-BE49-F238E27FC236}">
-                  <a16:creationId xmlns:a16="http://schemas.microsoft.com/office/drawing/2014/main" id="{37351E0C-D937-4F04-B7A2-05008C6E5C9A}"/>
+                  <a16:creationId xmlns:a16="http://schemas.microsoft.com/office/drawing/2014/main" id="{B80F10DB-C741-42B3-A790-8013F8517824}"/>
                 </a:ext>
               </a:extLst>
             </p:cNvPr>
-            <p:cNvGrpSpPr/>
+            <p:cNvSpPr/>
             <p:nvPr/>
-          </p:nvGrpSpPr>
-          <p:grpSpPr>
+          </p:nvSpPr>
+          <p:spPr>
             <a:xfrm>
               <a:off x="4959506" y="1895770"/>
-              <a:ext cx="411060" cy="234892"/>
-              <a:chOff x="1040235" y="1426128"/>
-              <a:chExt cx="754282" cy="310393"/>
+              <a:ext cx="214871" cy="234892"/>
             </a:xfrm>
-          </p:grpSpPr>
-          <p:sp>
-            <p:nvSpPr>
-              <p:cNvPr id="41" name="矩形 40">
-                <a:extLst>
-                  <a:ext uri="{FF2B5EF4-FFF2-40B4-BE49-F238E27FC236}">
-                    <a16:creationId xmlns:a16="http://schemas.microsoft.com/office/drawing/2014/main" id="{B80F10DB-C741-42B3-A790-8013F8517824}"/>
-                  </a:ext>
-                </a:extLst>
-              </p:cNvPr>
-              <p:cNvSpPr/>
-              <p:nvPr/>
-            </p:nvSpPr>
-            <p:spPr>
-              <a:xfrm>
-                <a:off x="1040235" y="1426128"/>
-                <a:ext cx="394282" cy="310393"/>
-              </a:xfrm>
-              <a:prstGeom prst="rect">
-                <a:avLst/>
-              </a:prstGeom>
-            </p:spPr>
-            <p:style>
-              <a:lnRef idx="1">
-                <a:schemeClr val="accent2"/>
-              </a:lnRef>
-              <a:fillRef idx="2">
-                <a:schemeClr val="accent2"/>
-              </a:fillRef>
-              <a:effectRef idx="1">
-                <a:schemeClr val="accent2"/>
-              </a:effectRef>
-              <a:fontRef idx="minor">
-                <a:schemeClr val="dk1"/>
-              </a:fontRef>
-            </p:style>
-            <p:txBody>
-              <a:bodyPr rtlCol="0" anchor="ctr"/>
-              <a:lstStyle/>
-              <a:p>
-                <a:pPr algn="ctr"/>
-                <a:endParaRPr lang="zh-CN" altLang="en-US"/>
-              </a:p>
-            </p:txBody>
-          </p:sp>
-          <p:cxnSp>
-            <p:nvCxnSpPr>
-              <p:cNvPr id="42" name="直接箭头连接符 41">
-                <a:extLst>
-                  <a:ext uri="{FF2B5EF4-FFF2-40B4-BE49-F238E27FC236}">
-                    <a16:creationId xmlns:a16="http://schemas.microsoft.com/office/drawing/2014/main" id="{21B6F120-4C1D-4B8A-BB17-BCEAB4C794B0}"/>
-                  </a:ext>
-                </a:extLst>
-              </p:cNvPr>
-              <p:cNvCxnSpPr>
-                <a:cxnSpLocks/>
-                <a:endCxn id="41" idx="3"/>
-              </p:cNvCxnSpPr>
-              <p:nvPr/>
-            </p:nvCxnSpPr>
-            <p:spPr>
-              <a:xfrm flipH="1">
-                <a:off x="1434517" y="1581325"/>
-                <a:ext cx="360000" cy="0"/>
-              </a:xfrm>
-              <a:prstGeom prst="straightConnector1">
-                <a:avLst/>
-              </a:prstGeom>
-              <a:ln>
-                <a:tailEnd type="triangle"/>
-              </a:ln>
-            </p:spPr>
-            <p:style>
-              <a:lnRef idx="1">
-                <a:schemeClr val="dk1"/>
-              </a:lnRef>
-              <a:fillRef idx="0">
-                <a:schemeClr val="dk1"/>
-              </a:fillRef>
-              <a:effectRef idx="0">
-                <a:schemeClr val="dk1"/>
-              </a:effectRef>
-              <a:fontRef idx="minor">
-                <a:schemeClr val="tx1"/>
-              </a:fontRef>
-            </p:style>
-          </p:cxnSp>
-        </p:grpSp>
+            <a:prstGeom prst="rect">
+              <a:avLst/>
+            </a:prstGeom>
+          </p:spPr>
+          <p:style>
+            <a:lnRef idx="1">
+              <a:schemeClr val="accent2"/>
+            </a:lnRef>
+            <a:fillRef idx="2">
+              <a:schemeClr val="accent2"/>
+            </a:fillRef>
+            <a:effectRef idx="1">
+              <a:schemeClr val="accent2"/>
+            </a:effectRef>
+            <a:fontRef idx="minor">
+              <a:schemeClr val="dk1"/>
+            </a:fontRef>
+          </p:style>
+          <p:txBody>
+            <a:bodyPr rtlCol="0" anchor="ctr"/>
+            <a:lstStyle/>
+            <a:p>
+              <a:pPr algn="ctr"/>
+              <a:endParaRPr lang="zh-CN" altLang="en-US"/>
+            </a:p>
+          </p:txBody>
+        </p:sp>
         <p:grpSp>
           <p:nvGrpSpPr>
             <p:cNvPr id="43" name="组合 42">
@@ -4310,50 +4240,6 @@
             </p:style>
           </p:cxnSp>
         </p:grpSp>
-        <p:sp>
-          <p:nvSpPr>
-            <p:cNvPr id="53" name="矩形 52">
-              <a:extLst>
-                <a:ext uri="{FF2B5EF4-FFF2-40B4-BE49-F238E27FC236}">
-                  <a16:creationId xmlns:a16="http://schemas.microsoft.com/office/drawing/2014/main" id="{A7086DB6-DCD4-4A42-94A6-1EFFA2604CDA}"/>
-                </a:ext>
-              </a:extLst>
-            </p:cNvPr>
-            <p:cNvSpPr/>
-            <p:nvPr/>
-          </p:nvSpPr>
-          <p:spPr>
-            <a:xfrm>
-              <a:off x="5366082" y="1895770"/>
-              <a:ext cx="214871" cy="234892"/>
-            </a:xfrm>
-            <a:prstGeom prst="rect">
-              <a:avLst/>
-            </a:prstGeom>
-          </p:spPr>
-          <p:style>
-            <a:lnRef idx="1">
-              <a:schemeClr val="accent2"/>
-            </a:lnRef>
-            <a:fillRef idx="2">
-              <a:schemeClr val="accent2"/>
-            </a:fillRef>
-            <a:effectRef idx="1">
-              <a:schemeClr val="accent2"/>
-            </a:effectRef>
-            <a:fontRef idx="minor">
-              <a:schemeClr val="dk1"/>
-            </a:fontRef>
-          </p:style>
-          <p:txBody>
-            <a:bodyPr rtlCol="0" anchor="ctr"/>
-            <a:lstStyle/>
-            <a:p>
-              <a:pPr algn="ctr"/>
-              <a:endParaRPr lang="zh-CN" altLang="en-US"/>
-            </a:p>
-          </p:txBody>
-        </p:sp>
         <p:sp>
           <p:nvSpPr>
             <p:cNvPr id="56" name="左中括号 55">
@@ -4464,8 +4350,8 @@
           </p:nvSpPr>
           <p:spPr>
             <a:xfrm rot="16200000">
-              <a:off x="4560936" y="1312530"/>
-              <a:ext cx="73861" cy="1814378"/>
+              <a:off x="4368522" y="1504944"/>
+              <a:ext cx="45719" cy="1401407"/>
             </a:xfrm>
             <a:prstGeom prst="leftBracket">
               <a:avLst/>
@@ -4563,7 +4449,7 @@
           <p:spPr>
             <a:xfrm>
               <a:off x="5284982" y="1068939"/>
-              <a:ext cx="19730" cy="1674261"/>
+              <a:ext cx="0" cy="1628541"/>
             </a:xfrm>
             <a:prstGeom prst="line">
               <a:avLst/>
@@ -6038,6 +5924,7409 @@
 </p:sld>
 </file>
 
+<file path=ppt/slides/slide2.xml><?xml version="1.0" encoding="utf-8"?>
+<p:sld xmlns:a="http://schemas.openxmlformats.org/drawingml/2006/main" xmlns:r="http://schemas.openxmlformats.org/officeDocument/2006/relationships" xmlns:p="http://schemas.openxmlformats.org/presentationml/2006/main">
+  <p:cSld>
+    <p:spTree>
+      <p:nvGrpSpPr>
+        <p:cNvPr id="1" name=""/>
+        <p:cNvGrpSpPr/>
+        <p:nvPr/>
+      </p:nvGrpSpPr>
+      <p:grpSpPr>
+        <a:xfrm>
+          <a:off x="0" y="0"/>
+          <a:ext cx="0" cy="0"/>
+          <a:chOff x="0" y="0"/>
+          <a:chExt cx="0" cy="0"/>
+        </a:xfrm>
+      </p:grpSpPr>
+      <p:sp>
+        <p:nvSpPr>
+          <p:cNvPr id="45" name="矩形 44">
+            <a:extLst>
+              <a:ext uri="{FF2B5EF4-FFF2-40B4-BE49-F238E27FC236}">
+                <a16:creationId xmlns:a16="http://schemas.microsoft.com/office/drawing/2014/main" id="{0DF21F5A-5D26-494E-AFFF-91FE6262FB2D}"/>
+              </a:ext>
+            </a:extLst>
+          </p:cNvPr>
+          <p:cNvSpPr/>
+          <p:nvPr/>
+        </p:nvSpPr>
+        <p:spPr>
+          <a:xfrm>
+            <a:off x="310393" y="1298431"/>
+            <a:ext cx="1327372" cy="5463095"/>
+          </a:xfrm>
+          <a:prstGeom prst="rect">
+            <a:avLst/>
+          </a:prstGeom>
+        </p:spPr>
+        <p:style>
+          <a:lnRef idx="2">
+            <a:schemeClr val="accent1"/>
+          </a:lnRef>
+          <a:fillRef idx="1">
+            <a:schemeClr val="lt1"/>
+          </a:fillRef>
+          <a:effectRef idx="0">
+            <a:schemeClr val="accent1"/>
+          </a:effectRef>
+          <a:fontRef idx="minor">
+            <a:schemeClr val="dk1"/>
+          </a:fontRef>
+        </p:style>
+        <p:txBody>
+          <a:bodyPr rtlCol="0" anchor="ctr"/>
+          <a:lstStyle/>
+          <a:p>
+            <a:pPr marL="228600" indent="-228600">
+              <a:buAutoNum type="arabicPeriod"/>
+            </a:pPr>
+            <a:r>
+              <a:rPr lang="zh-CN" altLang="en-US" sz="1200" dirty="0">
+                <a:latin typeface="楷体" panose="02010609060101010101" pitchFamily="49" charset="-122"/>
+                <a:ea typeface="楷体" panose="02010609060101010101" pitchFamily="49" charset="-122"/>
+              </a:rPr>
+              <a:t>在交易发出之后立即攻击，交易被打包进区块就算是被确认。若攻击链长于诚实链则攻击成功；</a:t>
+            </a:r>
+            <a:endParaRPr lang="en-US" altLang="zh-CN" sz="1200" dirty="0">
+              <a:latin typeface="楷体" panose="02010609060101010101" pitchFamily="49" charset="-122"/>
+              <a:ea typeface="楷体" panose="02010609060101010101" pitchFamily="49" charset="-122"/>
+            </a:endParaRPr>
+          </a:p>
+          <a:p>
+            <a:pPr marL="228600" indent="-228600">
+              <a:buAutoNum type="arabicPeriod"/>
+            </a:pPr>
+            <a:r>
+              <a:rPr lang="zh-CN" altLang="en-US" sz="1200" dirty="0">
+                <a:latin typeface="楷体" panose="02010609060101010101" pitchFamily="49" charset="-122"/>
+                <a:ea typeface="楷体" panose="02010609060101010101" pitchFamily="49" charset="-122"/>
+              </a:rPr>
+              <a:t>交易发出后立即被打包进入区块，并且需要生成一定数量区块才能确认交易。在交易被确认后若欺诈链长于诚实链则攻击成功；</a:t>
+            </a:r>
+            <a:endParaRPr lang="en-US" altLang="zh-CN" sz="1200" dirty="0">
+              <a:latin typeface="楷体" panose="02010609060101010101" pitchFamily="49" charset="-122"/>
+              <a:ea typeface="楷体" panose="02010609060101010101" pitchFamily="49" charset="-122"/>
+            </a:endParaRPr>
+          </a:p>
+          <a:p>
+            <a:pPr marL="228600" indent="-228600">
+              <a:buAutoNum type="arabicPeriod"/>
+            </a:pPr>
+            <a:r>
+              <a:rPr lang="zh-CN" altLang="en-US" sz="1200" dirty="0">
+                <a:latin typeface="楷体" panose="02010609060101010101" pitchFamily="49" charset="-122"/>
+                <a:ea typeface="楷体" panose="02010609060101010101" pitchFamily="49" charset="-122"/>
+              </a:rPr>
+              <a:t>在交易生成后，经过几个区块生成后才打包进入区块</a:t>
+            </a:r>
+            <a:endParaRPr lang="en-US" altLang="zh-CN" sz="1200" dirty="0">
+              <a:latin typeface="楷体" panose="02010609060101010101" pitchFamily="49" charset="-122"/>
+              <a:ea typeface="楷体" panose="02010609060101010101" pitchFamily="49" charset="-122"/>
+            </a:endParaRPr>
+          </a:p>
+          <a:p>
+            <a:pPr marL="228600" indent="-228600">
+              <a:buAutoNum type="arabicPeriod"/>
+            </a:pPr>
+            <a:endParaRPr lang="en-US" altLang="zh-CN" sz="1200" dirty="0">
+              <a:latin typeface="楷体" panose="02010609060101010101" pitchFamily="49" charset="-122"/>
+              <a:ea typeface="楷体" panose="02010609060101010101" pitchFamily="49" charset="-122"/>
+            </a:endParaRPr>
+          </a:p>
+        </p:txBody>
+      </p:sp>
+      <p:grpSp>
+        <p:nvGrpSpPr>
+          <p:cNvPr id="86" name="组合 85">
+            <a:extLst>
+              <a:ext uri="{FF2B5EF4-FFF2-40B4-BE49-F238E27FC236}">
+                <a16:creationId xmlns:a16="http://schemas.microsoft.com/office/drawing/2014/main" id="{8D754A64-CA93-474B-BC04-0C1E2669933B}"/>
+              </a:ext>
+            </a:extLst>
+          </p:cNvPr>
+          <p:cNvGrpSpPr/>
+          <p:nvPr/>
+        </p:nvGrpSpPr>
+        <p:grpSpPr>
+          <a:xfrm>
+            <a:off x="2261566" y="4778831"/>
+            <a:ext cx="3033103" cy="1791703"/>
+            <a:chOff x="2337463" y="951497"/>
+            <a:chExt cx="3033103" cy="1791703"/>
+          </a:xfrm>
+        </p:grpSpPr>
+        <p:sp>
+          <p:nvSpPr>
+            <p:cNvPr id="87" name="矩形 86">
+              <a:extLst>
+                <a:ext uri="{FF2B5EF4-FFF2-40B4-BE49-F238E27FC236}">
+                  <a16:creationId xmlns:a16="http://schemas.microsoft.com/office/drawing/2014/main" id="{B39D04FA-060F-4036-B56D-79C1F56D5906}"/>
+                </a:ext>
+              </a:extLst>
+            </p:cNvPr>
+            <p:cNvSpPr/>
+            <p:nvPr/>
+          </p:nvSpPr>
+          <p:spPr>
+            <a:xfrm>
+              <a:off x="4984648" y="1421136"/>
+              <a:ext cx="214871" cy="234892"/>
+            </a:xfrm>
+            <a:prstGeom prst="rect">
+              <a:avLst/>
+            </a:prstGeom>
+          </p:spPr>
+          <p:style>
+            <a:lnRef idx="1">
+              <a:schemeClr val="accent1"/>
+            </a:lnRef>
+            <a:fillRef idx="2">
+              <a:schemeClr val="accent1"/>
+            </a:fillRef>
+            <a:effectRef idx="1">
+              <a:schemeClr val="accent1"/>
+            </a:effectRef>
+            <a:fontRef idx="minor">
+              <a:schemeClr val="dk1"/>
+            </a:fontRef>
+          </p:style>
+          <p:txBody>
+            <a:bodyPr rtlCol="0" anchor="ctr"/>
+            <a:lstStyle/>
+            <a:p>
+              <a:pPr algn="ctr"/>
+              <a:r>
+                <a:rPr lang="en-US" altLang="zh-CN" dirty="0"/>
+                <a:t>h</a:t>
+              </a:r>
+              <a:endParaRPr lang="zh-CN" altLang="en-US" dirty="0"/>
+            </a:p>
+          </p:txBody>
+        </p:sp>
+        <p:grpSp>
+          <p:nvGrpSpPr>
+            <p:cNvPr id="88" name="组合 87">
+              <a:extLst>
+                <a:ext uri="{FF2B5EF4-FFF2-40B4-BE49-F238E27FC236}">
+                  <a16:creationId xmlns:a16="http://schemas.microsoft.com/office/drawing/2014/main" id="{5DE31CDB-A65F-460D-8B30-8AC227BCBEC0}"/>
+                </a:ext>
+              </a:extLst>
+            </p:cNvPr>
+            <p:cNvGrpSpPr/>
+            <p:nvPr/>
+          </p:nvGrpSpPr>
+          <p:grpSpPr>
+            <a:xfrm>
+              <a:off x="2337463" y="1426129"/>
+              <a:ext cx="411061" cy="234892"/>
+              <a:chOff x="1040235" y="1426128"/>
+              <a:chExt cx="754283" cy="310393"/>
+            </a:xfrm>
+          </p:grpSpPr>
+          <p:sp>
+            <p:nvSpPr>
+              <p:cNvPr id="124" name="矩形 123">
+                <a:extLst>
+                  <a:ext uri="{FF2B5EF4-FFF2-40B4-BE49-F238E27FC236}">
+                    <a16:creationId xmlns:a16="http://schemas.microsoft.com/office/drawing/2014/main" id="{F536A53A-BC53-4B36-8312-5676059D34EF}"/>
+                  </a:ext>
+                </a:extLst>
+              </p:cNvPr>
+              <p:cNvSpPr/>
+              <p:nvPr/>
+            </p:nvSpPr>
+            <p:spPr>
+              <a:xfrm>
+                <a:off x="1040235" y="1426128"/>
+                <a:ext cx="394283" cy="310393"/>
+              </a:xfrm>
+              <a:prstGeom prst="rect">
+                <a:avLst/>
+              </a:prstGeom>
+              <a:ln>
+                <a:noFill/>
+              </a:ln>
+            </p:spPr>
+            <p:style>
+              <a:lnRef idx="2">
+                <a:schemeClr val="accent1"/>
+              </a:lnRef>
+              <a:fillRef idx="1">
+                <a:schemeClr val="lt1"/>
+              </a:fillRef>
+              <a:effectRef idx="0">
+                <a:schemeClr val="accent1"/>
+              </a:effectRef>
+              <a:fontRef idx="minor">
+                <a:schemeClr val="dk1"/>
+              </a:fontRef>
+            </p:style>
+            <p:txBody>
+              <a:bodyPr rtlCol="0" anchor="ctr"/>
+              <a:lstStyle/>
+              <a:p>
+                <a:pPr algn="ctr"/>
+                <a:r>
+                  <a:rPr lang="en-US" altLang="zh-CN" dirty="0"/>
+                  <a:t>…</a:t>
+                </a:r>
+              </a:p>
+              <a:p>
+                <a:pPr algn="ctr"/>
+                <a:endParaRPr lang="zh-CN" altLang="en-US" dirty="0"/>
+              </a:p>
+            </p:txBody>
+          </p:sp>
+          <p:cxnSp>
+            <p:nvCxnSpPr>
+              <p:cNvPr id="125" name="直接箭头连接符 124">
+                <a:extLst>
+                  <a:ext uri="{FF2B5EF4-FFF2-40B4-BE49-F238E27FC236}">
+                    <a16:creationId xmlns:a16="http://schemas.microsoft.com/office/drawing/2014/main" id="{FD1847C6-EA27-422F-875F-1054EB4809AA}"/>
+                  </a:ext>
+                </a:extLst>
+              </p:cNvPr>
+              <p:cNvCxnSpPr>
+                <a:cxnSpLocks/>
+                <a:endCxn id="124" idx="3"/>
+              </p:cNvCxnSpPr>
+              <p:nvPr/>
+            </p:nvCxnSpPr>
+            <p:spPr>
+              <a:xfrm flipH="1">
+                <a:off x="1434518" y="1581325"/>
+                <a:ext cx="360000" cy="0"/>
+              </a:xfrm>
+              <a:prstGeom prst="straightConnector1">
+                <a:avLst/>
+              </a:prstGeom>
+              <a:ln>
+                <a:tailEnd type="triangle"/>
+              </a:ln>
+            </p:spPr>
+            <p:style>
+              <a:lnRef idx="1">
+                <a:schemeClr val="dk1"/>
+              </a:lnRef>
+              <a:fillRef idx="0">
+                <a:schemeClr val="dk1"/>
+              </a:fillRef>
+              <a:effectRef idx="0">
+                <a:schemeClr val="dk1"/>
+              </a:effectRef>
+              <a:fontRef idx="minor">
+                <a:schemeClr val="tx1"/>
+              </a:fontRef>
+            </p:style>
+          </p:cxnSp>
+        </p:grpSp>
+        <p:grpSp>
+          <p:nvGrpSpPr>
+            <p:cNvPr id="89" name="组合 88">
+              <a:extLst>
+                <a:ext uri="{FF2B5EF4-FFF2-40B4-BE49-F238E27FC236}">
+                  <a16:creationId xmlns:a16="http://schemas.microsoft.com/office/drawing/2014/main" id="{E859F2C5-15AE-410F-8E11-464D677BBEAA}"/>
+                </a:ext>
+              </a:extLst>
+            </p:cNvPr>
+            <p:cNvGrpSpPr/>
+            <p:nvPr/>
+          </p:nvGrpSpPr>
+          <p:grpSpPr>
+            <a:xfrm>
+              <a:off x="2775208" y="1426129"/>
+              <a:ext cx="411060" cy="234892"/>
+              <a:chOff x="1040235" y="1426128"/>
+              <a:chExt cx="754282" cy="310393"/>
+            </a:xfrm>
+          </p:grpSpPr>
+          <p:sp>
+            <p:nvSpPr>
+              <p:cNvPr id="122" name="矩形 121">
+                <a:extLst>
+                  <a:ext uri="{FF2B5EF4-FFF2-40B4-BE49-F238E27FC236}">
+                    <a16:creationId xmlns:a16="http://schemas.microsoft.com/office/drawing/2014/main" id="{0F4F0E76-90C4-440B-8599-546D0C3723D5}"/>
+                  </a:ext>
+                </a:extLst>
+              </p:cNvPr>
+              <p:cNvSpPr/>
+              <p:nvPr/>
+            </p:nvSpPr>
+            <p:spPr>
+              <a:xfrm>
+                <a:off x="1040235" y="1426128"/>
+                <a:ext cx="394282" cy="310393"/>
+              </a:xfrm>
+              <a:prstGeom prst="rect">
+                <a:avLst/>
+              </a:prstGeom>
+            </p:spPr>
+            <p:style>
+              <a:lnRef idx="1">
+                <a:schemeClr val="accent1"/>
+              </a:lnRef>
+              <a:fillRef idx="2">
+                <a:schemeClr val="accent1"/>
+              </a:fillRef>
+              <a:effectRef idx="1">
+                <a:schemeClr val="accent1"/>
+              </a:effectRef>
+              <a:fontRef idx="minor">
+                <a:schemeClr val="dk1"/>
+              </a:fontRef>
+            </p:style>
+            <p:txBody>
+              <a:bodyPr rtlCol="0" anchor="ctr"/>
+              <a:lstStyle/>
+              <a:p>
+                <a:pPr algn="ctr"/>
+                <a:endParaRPr lang="zh-CN" altLang="en-US"/>
+              </a:p>
+            </p:txBody>
+          </p:sp>
+          <p:cxnSp>
+            <p:nvCxnSpPr>
+              <p:cNvPr id="123" name="直接箭头连接符 122">
+                <a:extLst>
+                  <a:ext uri="{FF2B5EF4-FFF2-40B4-BE49-F238E27FC236}">
+                    <a16:creationId xmlns:a16="http://schemas.microsoft.com/office/drawing/2014/main" id="{02A6C38D-B97F-46B0-95E6-2A9ED55D7DC7}"/>
+                  </a:ext>
+                </a:extLst>
+              </p:cNvPr>
+              <p:cNvCxnSpPr>
+                <a:cxnSpLocks/>
+                <a:endCxn id="122" idx="3"/>
+              </p:cNvCxnSpPr>
+              <p:nvPr/>
+            </p:nvCxnSpPr>
+            <p:spPr>
+              <a:xfrm flipH="1">
+                <a:off x="1434517" y="1581325"/>
+                <a:ext cx="360000" cy="0"/>
+              </a:xfrm>
+              <a:prstGeom prst="straightConnector1">
+                <a:avLst/>
+              </a:prstGeom>
+              <a:ln>
+                <a:tailEnd type="triangle"/>
+              </a:ln>
+            </p:spPr>
+            <p:style>
+              <a:lnRef idx="1">
+                <a:schemeClr val="dk1"/>
+              </a:lnRef>
+              <a:fillRef idx="0">
+                <a:schemeClr val="dk1"/>
+              </a:fillRef>
+              <a:effectRef idx="0">
+                <a:schemeClr val="dk1"/>
+              </a:effectRef>
+              <a:fontRef idx="minor">
+                <a:schemeClr val="tx1"/>
+              </a:fontRef>
+            </p:style>
+          </p:cxnSp>
+        </p:grpSp>
+        <p:grpSp>
+          <p:nvGrpSpPr>
+            <p:cNvPr id="90" name="组合 89">
+              <a:extLst>
+                <a:ext uri="{FF2B5EF4-FFF2-40B4-BE49-F238E27FC236}">
+                  <a16:creationId xmlns:a16="http://schemas.microsoft.com/office/drawing/2014/main" id="{26C89B02-2599-4CC9-B2D2-EF213B30ADF1}"/>
+                </a:ext>
+              </a:extLst>
+            </p:cNvPr>
+            <p:cNvGrpSpPr/>
+            <p:nvPr/>
+          </p:nvGrpSpPr>
+          <p:grpSpPr>
+            <a:xfrm>
+              <a:off x="3204950" y="1426129"/>
+              <a:ext cx="411060" cy="234892"/>
+              <a:chOff x="1040235" y="1426128"/>
+              <a:chExt cx="754282" cy="310393"/>
+            </a:xfrm>
+          </p:grpSpPr>
+          <p:sp>
+            <p:nvSpPr>
+              <p:cNvPr id="120" name="矩形 119">
+                <a:extLst>
+                  <a:ext uri="{FF2B5EF4-FFF2-40B4-BE49-F238E27FC236}">
+                    <a16:creationId xmlns:a16="http://schemas.microsoft.com/office/drawing/2014/main" id="{AF89171E-ED38-4B4B-85AF-FD7943D42837}"/>
+                  </a:ext>
+                </a:extLst>
+              </p:cNvPr>
+              <p:cNvSpPr/>
+              <p:nvPr/>
+            </p:nvSpPr>
+            <p:spPr>
+              <a:xfrm>
+                <a:off x="1040235" y="1426128"/>
+                <a:ext cx="394282" cy="310393"/>
+              </a:xfrm>
+              <a:prstGeom prst="rect">
+                <a:avLst/>
+              </a:prstGeom>
+            </p:spPr>
+            <p:style>
+              <a:lnRef idx="1">
+                <a:schemeClr val="accent1"/>
+              </a:lnRef>
+              <a:fillRef idx="2">
+                <a:schemeClr val="accent1"/>
+              </a:fillRef>
+              <a:effectRef idx="1">
+                <a:schemeClr val="accent1"/>
+              </a:effectRef>
+              <a:fontRef idx="minor">
+                <a:schemeClr val="dk1"/>
+              </a:fontRef>
+            </p:style>
+            <p:txBody>
+              <a:bodyPr rtlCol="0" anchor="ctr"/>
+              <a:lstStyle/>
+              <a:p>
+                <a:pPr algn="ctr"/>
+                <a:endParaRPr lang="zh-CN" altLang="en-US"/>
+              </a:p>
+            </p:txBody>
+          </p:sp>
+          <p:cxnSp>
+            <p:nvCxnSpPr>
+              <p:cNvPr id="121" name="直接箭头连接符 120">
+                <a:extLst>
+                  <a:ext uri="{FF2B5EF4-FFF2-40B4-BE49-F238E27FC236}">
+                    <a16:creationId xmlns:a16="http://schemas.microsoft.com/office/drawing/2014/main" id="{5A05A4C3-8271-4F1E-922D-7348F8F9ECDE}"/>
+                  </a:ext>
+                </a:extLst>
+              </p:cNvPr>
+              <p:cNvCxnSpPr>
+                <a:cxnSpLocks/>
+                <a:endCxn id="120" idx="3"/>
+              </p:cNvCxnSpPr>
+              <p:nvPr/>
+            </p:nvCxnSpPr>
+            <p:spPr>
+              <a:xfrm flipH="1">
+                <a:off x="1434517" y="1581325"/>
+                <a:ext cx="360000" cy="0"/>
+              </a:xfrm>
+              <a:prstGeom prst="straightConnector1">
+                <a:avLst/>
+              </a:prstGeom>
+              <a:ln>
+                <a:tailEnd type="triangle"/>
+              </a:ln>
+            </p:spPr>
+            <p:style>
+              <a:lnRef idx="1">
+                <a:schemeClr val="dk1"/>
+              </a:lnRef>
+              <a:fillRef idx="0">
+                <a:schemeClr val="dk1"/>
+              </a:fillRef>
+              <a:effectRef idx="0">
+                <a:schemeClr val="dk1"/>
+              </a:effectRef>
+              <a:fontRef idx="minor">
+                <a:schemeClr val="tx1"/>
+              </a:fontRef>
+            </p:style>
+          </p:cxnSp>
+        </p:grpSp>
+        <p:grpSp>
+          <p:nvGrpSpPr>
+            <p:cNvPr id="91" name="组合 90">
+              <a:extLst>
+                <a:ext uri="{FF2B5EF4-FFF2-40B4-BE49-F238E27FC236}">
+                  <a16:creationId xmlns:a16="http://schemas.microsoft.com/office/drawing/2014/main" id="{CFD3853B-0FEC-498A-8367-DD99AAB42E30}"/>
+                </a:ext>
+              </a:extLst>
+            </p:cNvPr>
+            <p:cNvGrpSpPr/>
+            <p:nvPr/>
+          </p:nvGrpSpPr>
+          <p:grpSpPr>
+            <a:xfrm>
+              <a:off x="3634692" y="1895770"/>
+              <a:ext cx="411060" cy="234892"/>
+              <a:chOff x="1040235" y="1426128"/>
+              <a:chExt cx="754282" cy="310393"/>
+            </a:xfrm>
+          </p:grpSpPr>
+          <p:sp>
+            <p:nvSpPr>
+              <p:cNvPr id="118" name="矩形 117">
+                <a:extLst>
+                  <a:ext uri="{FF2B5EF4-FFF2-40B4-BE49-F238E27FC236}">
+                    <a16:creationId xmlns:a16="http://schemas.microsoft.com/office/drawing/2014/main" id="{9575CD7D-23C6-4E51-9265-B86A5C4DBFBA}"/>
+                  </a:ext>
+                </a:extLst>
+              </p:cNvPr>
+              <p:cNvSpPr/>
+              <p:nvPr/>
+            </p:nvSpPr>
+            <p:spPr>
+              <a:xfrm>
+                <a:off x="1040235" y="1426128"/>
+                <a:ext cx="394282" cy="310393"/>
+              </a:xfrm>
+              <a:prstGeom prst="rect">
+                <a:avLst/>
+              </a:prstGeom>
+            </p:spPr>
+            <p:style>
+              <a:lnRef idx="1">
+                <a:schemeClr val="accent2"/>
+              </a:lnRef>
+              <a:fillRef idx="2">
+                <a:schemeClr val="accent2"/>
+              </a:fillRef>
+              <a:effectRef idx="1">
+                <a:schemeClr val="accent2"/>
+              </a:effectRef>
+              <a:fontRef idx="minor">
+                <a:schemeClr val="dk1"/>
+              </a:fontRef>
+            </p:style>
+            <p:txBody>
+              <a:bodyPr rtlCol="0" anchor="ctr"/>
+              <a:lstStyle/>
+              <a:p>
+                <a:pPr algn="ctr"/>
+                <a:r>
+                  <a:rPr lang="en-US" altLang="zh-CN" dirty="0"/>
+                  <a:t>a</a:t>
+                </a:r>
+                <a:endParaRPr lang="zh-CN" altLang="en-US" dirty="0"/>
+              </a:p>
+            </p:txBody>
+          </p:sp>
+          <p:cxnSp>
+            <p:nvCxnSpPr>
+              <p:cNvPr id="119" name="直接箭头连接符 118">
+                <a:extLst>
+                  <a:ext uri="{FF2B5EF4-FFF2-40B4-BE49-F238E27FC236}">
+                    <a16:creationId xmlns:a16="http://schemas.microsoft.com/office/drawing/2014/main" id="{E552BA19-BD2D-4AC3-AA92-7C3578B01573}"/>
+                  </a:ext>
+                </a:extLst>
+              </p:cNvPr>
+              <p:cNvCxnSpPr>
+                <a:cxnSpLocks/>
+                <a:endCxn id="118" idx="3"/>
+              </p:cNvCxnSpPr>
+              <p:nvPr/>
+            </p:nvCxnSpPr>
+            <p:spPr>
+              <a:xfrm flipH="1">
+                <a:off x="1434517" y="1581325"/>
+                <a:ext cx="360000" cy="0"/>
+              </a:xfrm>
+              <a:prstGeom prst="straightConnector1">
+                <a:avLst/>
+              </a:prstGeom>
+              <a:ln>
+                <a:tailEnd type="triangle"/>
+              </a:ln>
+            </p:spPr>
+            <p:style>
+              <a:lnRef idx="1">
+                <a:schemeClr val="dk1"/>
+              </a:lnRef>
+              <a:fillRef idx="0">
+                <a:schemeClr val="dk1"/>
+              </a:fillRef>
+              <a:effectRef idx="0">
+                <a:schemeClr val="dk1"/>
+              </a:effectRef>
+              <a:fontRef idx="minor">
+                <a:schemeClr val="tx1"/>
+              </a:fontRef>
+            </p:style>
+          </p:cxnSp>
+        </p:grpSp>
+        <p:grpSp>
+          <p:nvGrpSpPr>
+            <p:cNvPr id="92" name="组合 91">
+              <a:extLst>
+                <a:ext uri="{FF2B5EF4-FFF2-40B4-BE49-F238E27FC236}">
+                  <a16:creationId xmlns:a16="http://schemas.microsoft.com/office/drawing/2014/main" id="{5A72263D-7E74-48F6-9342-0D040D29E208}"/>
+                </a:ext>
+              </a:extLst>
+            </p:cNvPr>
+            <p:cNvGrpSpPr/>
+            <p:nvPr/>
+          </p:nvGrpSpPr>
+          <p:grpSpPr>
+            <a:xfrm>
+              <a:off x="3634692" y="1426129"/>
+              <a:ext cx="411060" cy="234892"/>
+              <a:chOff x="1040235" y="1426128"/>
+              <a:chExt cx="754282" cy="310393"/>
+            </a:xfrm>
+          </p:grpSpPr>
+          <p:sp>
+            <p:nvSpPr>
+              <p:cNvPr id="116" name="矩形 115">
+                <a:extLst>
+                  <a:ext uri="{FF2B5EF4-FFF2-40B4-BE49-F238E27FC236}">
+                    <a16:creationId xmlns:a16="http://schemas.microsoft.com/office/drawing/2014/main" id="{E9867962-3ED6-4ABE-A6D1-465AFC2ED843}"/>
+                  </a:ext>
+                </a:extLst>
+              </p:cNvPr>
+              <p:cNvSpPr/>
+              <p:nvPr/>
+            </p:nvSpPr>
+            <p:spPr>
+              <a:xfrm>
+                <a:off x="1040235" y="1426128"/>
+                <a:ext cx="394282" cy="310393"/>
+              </a:xfrm>
+              <a:prstGeom prst="rect">
+                <a:avLst/>
+              </a:prstGeom>
+            </p:spPr>
+            <p:style>
+              <a:lnRef idx="1">
+                <a:schemeClr val="accent1"/>
+              </a:lnRef>
+              <a:fillRef idx="2">
+                <a:schemeClr val="accent1"/>
+              </a:fillRef>
+              <a:effectRef idx="1">
+                <a:schemeClr val="accent1"/>
+              </a:effectRef>
+              <a:fontRef idx="minor">
+                <a:schemeClr val="dk1"/>
+              </a:fontRef>
+            </p:style>
+            <p:txBody>
+              <a:bodyPr rtlCol="0" anchor="ctr"/>
+              <a:lstStyle/>
+              <a:p>
+                <a:pPr algn="ctr"/>
+                <a:endParaRPr lang="zh-CN" altLang="en-US" dirty="0"/>
+              </a:p>
+            </p:txBody>
+          </p:sp>
+          <p:cxnSp>
+            <p:nvCxnSpPr>
+              <p:cNvPr id="117" name="直接箭头连接符 116">
+                <a:extLst>
+                  <a:ext uri="{FF2B5EF4-FFF2-40B4-BE49-F238E27FC236}">
+                    <a16:creationId xmlns:a16="http://schemas.microsoft.com/office/drawing/2014/main" id="{8AE61B06-A2B5-4619-9982-092CF01AAC5B}"/>
+                  </a:ext>
+                </a:extLst>
+              </p:cNvPr>
+              <p:cNvCxnSpPr>
+                <a:cxnSpLocks/>
+                <a:endCxn id="116" idx="3"/>
+              </p:cNvCxnSpPr>
+              <p:nvPr/>
+            </p:nvCxnSpPr>
+            <p:spPr>
+              <a:xfrm flipH="1">
+                <a:off x="1434517" y="1581325"/>
+                <a:ext cx="360000" cy="0"/>
+              </a:xfrm>
+              <a:prstGeom prst="straightConnector1">
+                <a:avLst/>
+              </a:prstGeom>
+              <a:ln>
+                <a:tailEnd type="triangle"/>
+              </a:ln>
+            </p:spPr>
+            <p:style>
+              <a:lnRef idx="1">
+                <a:schemeClr val="dk1"/>
+              </a:lnRef>
+              <a:fillRef idx="0">
+                <a:schemeClr val="dk1"/>
+              </a:fillRef>
+              <a:effectRef idx="0">
+                <a:schemeClr val="dk1"/>
+              </a:effectRef>
+              <a:fontRef idx="minor">
+                <a:schemeClr val="tx1"/>
+              </a:fontRef>
+            </p:style>
+          </p:cxnSp>
+        </p:grpSp>
+        <p:cxnSp>
+          <p:nvCxnSpPr>
+            <p:cNvPr id="93" name="直接连接符 92">
+              <a:extLst>
+                <a:ext uri="{FF2B5EF4-FFF2-40B4-BE49-F238E27FC236}">
+                  <a16:creationId xmlns:a16="http://schemas.microsoft.com/office/drawing/2014/main" id="{E52408D1-2CCB-4629-9D18-ED627F3C5422}"/>
+                </a:ext>
+              </a:extLst>
+            </p:cNvPr>
+            <p:cNvCxnSpPr>
+              <a:cxnSpLocks/>
+            </p:cNvCxnSpPr>
+            <p:nvPr/>
+          </p:nvCxnSpPr>
+          <p:spPr>
+            <a:xfrm flipH="1">
+              <a:off x="3491694" y="1040535"/>
+              <a:ext cx="35562" cy="1618689"/>
+            </a:xfrm>
+            <a:prstGeom prst="line">
+              <a:avLst/>
+            </a:prstGeom>
+            <a:ln w="25400">
+              <a:prstDash val="dash"/>
+            </a:ln>
+          </p:spPr>
+          <p:style>
+            <a:lnRef idx="1">
+              <a:schemeClr val="dk1"/>
+            </a:lnRef>
+            <a:fillRef idx="0">
+              <a:schemeClr val="dk1"/>
+            </a:fillRef>
+            <a:effectRef idx="0">
+              <a:schemeClr val="dk1"/>
+            </a:effectRef>
+            <a:fontRef idx="minor">
+              <a:schemeClr val="tx1"/>
+            </a:fontRef>
+          </p:style>
+        </p:cxnSp>
+        <p:cxnSp>
+          <p:nvCxnSpPr>
+            <p:cNvPr id="94" name="直接箭头连接符 93">
+              <a:extLst>
+                <a:ext uri="{FF2B5EF4-FFF2-40B4-BE49-F238E27FC236}">
+                  <a16:creationId xmlns:a16="http://schemas.microsoft.com/office/drawing/2014/main" id="{BDDB1A81-5376-4509-85FC-8315AF4F893B}"/>
+                </a:ext>
+              </a:extLst>
+            </p:cNvPr>
+            <p:cNvCxnSpPr>
+              <a:stCxn id="118" idx="1"/>
+              <a:endCxn id="120" idx="3"/>
+            </p:cNvCxnSpPr>
+            <p:nvPr/>
+          </p:nvCxnSpPr>
+          <p:spPr>
+            <a:xfrm flipH="1" flipV="1">
+              <a:off x="3419821" y="1543575"/>
+              <a:ext cx="214871" cy="469641"/>
+            </a:xfrm>
+            <a:prstGeom prst="straightConnector1">
+              <a:avLst/>
+            </a:prstGeom>
+            <a:ln>
+              <a:tailEnd type="triangle"/>
+            </a:ln>
+          </p:spPr>
+          <p:style>
+            <a:lnRef idx="1">
+              <a:schemeClr val="dk1"/>
+            </a:lnRef>
+            <a:fillRef idx="0">
+              <a:schemeClr val="dk1"/>
+            </a:fillRef>
+            <a:effectRef idx="0">
+              <a:schemeClr val="dk1"/>
+            </a:effectRef>
+            <a:fontRef idx="minor">
+              <a:schemeClr val="tx1"/>
+            </a:fontRef>
+          </p:style>
+        </p:cxnSp>
+        <p:grpSp>
+          <p:nvGrpSpPr>
+            <p:cNvPr id="95" name="组合 94">
+              <a:extLst>
+                <a:ext uri="{FF2B5EF4-FFF2-40B4-BE49-F238E27FC236}">
+                  <a16:creationId xmlns:a16="http://schemas.microsoft.com/office/drawing/2014/main" id="{1D41ECA6-AC2D-4074-8D39-BB76F492AC6A}"/>
+                </a:ext>
+              </a:extLst>
+            </p:cNvPr>
+            <p:cNvGrpSpPr/>
+            <p:nvPr/>
+          </p:nvGrpSpPr>
+          <p:grpSpPr>
+            <a:xfrm>
+              <a:off x="4055093" y="1426129"/>
+              <a:ext cx="411060" cy="234892"/>
+              <a:chOff x="1040235" y="1426128"/>
+              <a:chExt cx="754282" cy="310393"/>
+            </a:xfrm>
+          </p:grpSpPr>
+          <p:sp>
+            <p:nvSpPr>
+              <p:cNvPr id="114" name="矩形 113">
+                <a:extLst>
+                  <a:ext uri="{FF2B5EF4-FFF2-40B4-BE49-F238E27FC236}">
+                    <a16:creationId xmlns:a16="http://schemas.microsoft.com/office/drawing/2014/main" id="{83E3EF1E-C059-46A3-8FB1-A43D1DE83778}"/>
+                  </a:ext>
+                </a:extLst>
+              </p:cNvPr>
+              <p:cNvSpPr/>
+              <p:nvPr/>
+            </p:nvSpPr>
+            <p:spPr>
+              <a:xfrm>
+                <a:off x="1040235" y="1426128"/>
+                <a:ext cx="394282" cy="310393"/>
+              </a:xfrm>
+              <a:prstGeom prst="rect">
+                <a:avLst/>
+              </a:prstGeom>
+            </p:spPr>
+            <p:style>
+              <a:lnRef idx="1">
+                <a:schemeClr val="accent1"/>
+              </a:lnRef>
+              <a:fillRef idx="2">
+                <a:schemeClr val="accent1"/>
+              </a:fillRef>
+              <a:effectRef idx="1">
+                <a:schemeClr val="accent1"/>
+              </a:effectRef>
+              <a:fontRef idx="minor">
+                <a:schemeClr val="dk1"/>
+              </a:fontRef>
+            </p:style>
+            <p:txBody>
+              <a:bodyPr rtlCol="0" anchor="ctr"/>
+              <a:lstStyle/>
+              <a:p>
+                <a:pPr algn="ctr"/>
+                <a:endParaRPr lang="zh-CN" altLang="en-US"/>
+              </a:p>
+            </p:txBody>
+          </p:sp>
+          <p:cxnSp>
+            <p:nvCxnSpPr>
+              <p:cNvPr id="115" name="直接箭头连接符 114">
+                <a:extLst>
+                  <a:ext uri="{FF2B5EF4-FFF2-40B4-BE49-F238E27FC236}">
+                    <a16:creationId xmlns:a16="http://schemas.microsoft.com/office/drawing/2014/main" id="{6EA929C6-3DED-47F3-9CD7-798B3DF57B61}"/>
+                  </a:ext>
+                </a:extLst>
+              </p:cNvPr>
+              <p:cNvCxnSpPr>
+                <a:cxnSpLocks/>
+                <a:endCxn id="114" idx="3"/>
+              </p:cNvCxnSpPr>
+              <p:nvPr/>
+            </p:nvCxnSpPr>
+            <p:spPr>
+              <a:xfrm flipH="1">
+                <a:off x="1434517" y="1581325"/>
+                <a:ext cx="360000" cy="0"/>
+              </a:xfrm>
+              <a:prstGeom prst="straightConnector1">
+                <a:avLst/>
+              </a:prstGeom>
+              <a:ln>
+                <a:tailEnd type="triangle"/>
+              </a:ln>
+            </p:spPr>
+            <p:style>
+              <a:lnRef idx="1">
+                <a:schemeClr val="dk1"/>
+              </a:lnRef>
+              <a:fillRef idx="0">
+                <a:schemeClr val="dk1"/>
+              </a:fillRef>
+              <a:effectRef idx="0">
+                <a:schemeClr val="dk1"/>
+              </a:effectRef>
+              <a:fontRef idx="minor">
+                <a:schemeClr val="tx1"/>
+              </a:fontRef>
+            </p:style>
+          </p:cxnSp>
+        </p:grpSp>
+        <p:grpSp>
+          <p:nvGrpSpPr>
+            <p:cNvPr id="96" name="组合 95">
+              <a:extLst>
+                <a:ext uri="{FF2B5EF4-FFF2-40B4-BE49-F238E27FC236}">
+                  <a16:creationId xmlns:a16="http://schemas.microsoft.com/office/drawing/2014/main" id="{F185DC9F-2B53-45E1-AEFC-0F9CABC93CF7}"/>
+                </a:ext>
+              </a:extLst>
+            </p:cNvPr>
+            <p:cNvGrpSpPr/>
+            <p:nvPr/>
+          </p:nvGrpSpPr>
+          <p:grpSpPr>
+            <a:xfrm>
+              <a:off x="4079341" y="1899051"/>
+              <a:ext cx="411060" cy="234892"/>
+              <a:chOff x="1040235" y="1426128"/>
+              <a:chExt cx="754282" cy="310393"/>
+            </a:xfrm>
+          </p:grpSpPr>
+          <p:sp>
+            <p:nvSpPr>
+              <p:cNvPr id="112" name="矩形 111">
+                <a:extLst>
+                  <a:ext uri="{FF2B5EF4-FFF2-40B4-BE49-F238E27FC236}">
+                    <a16:creationId xmlns:a16="http://schemas.microsoft.com/office/drawing/2014/main" id="{CD81B4D2-F528-4F08-BDBC-D31EFBDD38E7}"/>
+                  </a:ext>
+                </a:extLst>
+              </p:cNvPr>
+              <p:cNvSpPr/>
+              <p:nvPr/>
+            </p:nvSpPr>
+            <p:spPr>
+              <a:xfrm>
+                <a:off x="1040235" y="1426128"/>
+                <a:ext cx="394282" cy="310393"/>
+              </a:xfrm>
+              <a:prstGeom prst="rect">
+                <a:avLst/>
+              </a:prstGeom>
+            </p:spPr>
+            <p:style>
+              <a:lnRef idx="1">
+                <a:schemeClr val="accent2"/>
+              </a:lnRef>
+              <a:fillRef idx="2">
+                <a:schemeClr val="accent2"/>
+              </a:fillRef>
+              <a:effectRef idx="1">
+                <a:schemeClr val="accent2"/>
+              </a:effectRef>
+              <a:fontRef idx="minor">
+                <a:schemeClr val="dk1"/>
+              </a:fontRef>
+            </p:style>
+            <p:txBody>
+              <a:bodyPr rtlCol="0" anchor="ctr"/>
+              <a:lstStyle/>
+              <a:p>
+                <a:pPr algn="ctr"/>
+                <a:endParaRPr lang="zh-CN" altLang="en-US"/>
+              </a:p>
+            </p:txBody>
+          </p:sp>
+          <p:cxnSp>
+            <p:nvCxnSpPr>
+              <p:cNvPr id="113" name="直接箭头连接符 112">
+                <a:extLst>
+                  <a:ext uri="{FF2B5EF4-FFF2-40B4-BE49-F238E27FC236}">
+                    <a16:creationId xmlns:a16="http://schemas.microsoft.com/office/drawing/2014/main" id="{4F2EE6F2-5698-49E9-8D7E-6A851EA2EFA6}"/>
+                  </a:ext>
+                </a:extLst>
+              </p:cNvPr>
+              <p:cNvCxnSpPr>
+                <a:cxnSpLocks/>
+                <a:endCxn id="112" idx="3"/>
+              </p:cNvCxnSpPr>
+              <p:nvPr/>
+            </p:nvCxnSpPr>
+            <p:spPr>
+              <a:xfrm flipH="1">
+                <a:off x="1434517" y="1581325"/>
+                <a:ext cx="360000" cy="0"/>
+              </a:xfrm>
+              <a:prstGeom prst="straightConnector1">
+                <a:avLst/>
+              </a:prstGeom>
+              <a:ln>
+                <a:tailEnd type="triangle"/>
+              </a:ln>
+            </p:spPr>
+            <p:style>
+              <a:lnRef idx="1">
+                <a:schemeClr val="dk1"/>
+              </a:lnRef>
+              <a:fillRef idx="0">
+                <a:schemeClr val="dk1"/>
+              </a:fillRef>
+              <a:effectRef idx="0">
+                <a:schemeClr val="dk1"/>
+              </a:effectRef>
+              <a:fontRef idx="minor">
+                <a:schemeClr val="tx1"/>
+              </a:fontRef>
+            </p:style>
+          </p:cxnSp>
+        </p:grpSp>
+        <p:grpSp>
+          <p:nvGrpSpPr>
+            <p:cNvPr id="97" name="组合 96">
+              <a:extLst>
+                <a:ext uri="{FF2B5EF4-FFF2-40B4-BE49-F238E27FC236}">
+                  <a16:creationId xmlns:a16="http://schemas.microsoft.com/office/drawing/2014/main" id="{D5216C23-94A4-462B-A67A-AE5B8E15B370}"/>
+                </a:ext>
+              </a:extLst>
+            </p:cNvPr>
+            <p:cNvGrpSpPr/>
+            <p:nvPr/>
+          </p:nvGrpSpPr>
+          <p:grpSpPr>
+            <a:xfrm>
+              <a:off x="4959506" y="1895770"/>
+              <a:ext cx="411060" cy="234892"/>
+              <a:chOff x="1040235" y="1426128"/>
+              <a:chExt cx="754282" cy="310393"/>
+            </a:xfrm>
+          </p:grpSpPr>
+          <p:sp>
+            <p:nvSpPr>
+              <p:cNvPr id="110" name="矩形 109">
+                <a:extLst>
+                  <a:ext uri="{FF2B5EF4-FFF2-40B4-BE49-F238E27FC236}">
+                    <a16:creationId xmlns:a16="http://schemas.microsoft.com/office/drawing/2014/main" id="{5AD1011D-E39B-4EDF-9D67-DC7E08BC3407}"/>
+                  </a:ext>
+                </a:extLst>
+              </p:cNvPr>
+              <p:cNvSpPr/>
+              <p:nvPr/>
+            </p:nvSpPr>
+            <p:spPr>
+              <a:xfrm>
+                <a:off x="1040235" y="1426128"/>
+                <a:ext cx="394282" cy="310393"/>
+              </a:xfrm>
+              <a:prstGeom prst="rect">
+                <a:avLst/>
+              </a:prstGeom>
+            </p:spPr>
+            <p:style>
+              <a:lnRef idx="1">
+                <a:schemeClr val="accent2"/>
+              </a:lnRef>
+              <a:fillRef idx="2">
+                <a:schemeClr val="accent2"/>
+              </a:fillRef>
+              <a:effectRef idx="1">
+                <a:schemeClr val="accent2"/>
+              </a:effectRef>
+              <a:fontRef idx="minor">
+                <a:schemeClr val="dk1"/>
+              </a:fontRef>
+            </p:style>
+            <p:txBody>
+              <a:bodyPr rtlCol="0" anchor="ctr"/>
+              <a:lstStyle/>
+              <a:p>
+                <a:pPr algn="ctr"/>
+                <a:endParaRPr lang="zh-CN" altLang="en-US"/>
+              </a:p>
+            </p:txBody>
+          </p:sp>
+          <p:cxnSp>
+            <p:nvCxnSpPr>
+              <p:cNvPr id="111" name="直接箭头连接符 110">
+                <a:extLst>
+                  <a:ext uri="{FF2B5EF4-FFF2-40B4-BE49-F238E27FC236}">
+                    <a16:creationId xmlns:a16="http://schemas.microsoft.com/office/drawing/2014/main" id="{9B02D93C-21CE-46E1-B43E-9BFB4CCAE7CD}"/>
+                  </a:ext>
+                </a:extLst>
+              </p:cNvPr>
+              <p:cNvCxnSpPr>
+                <a:cxnSpLocks/>
+                <a:endCxn id="110" idx="3"/>
+              </p:cNvCxnSpPr>
+              <p:nvPr/>
+            </p:nvCxnSpPr>
+            <p:spPr>
+              <a:xfrm flipH="1">
+                <a:off x="1434517" y="1581325"/>
+                <a:ext cx="360000" cy="0"/>
+              </a:xfrm>
+              <a:prstGeom prst="straightConnector1">
+                <a:avLst/>
+              </a:prstGeom>
+              <a:ln>
+                <a:tailEnd type="triangle"/>
+              </a:ln>
+            </p:spPr>
+            <p:style>
+              <a:lnRef idx="1">
+                <a:schemeClr val="dk1"/>
+              </a:lnRef>
+              <a:fillRef idx="0">
+                <a:schemeClr val="dk1"/>
+              </a:fillRef>
+              <a:effectRef idx="0">
+                <a:schemeClr val="dk1"/>
+              </a:effectRef>
+              <a:fontRef idx="minor">
+                <a:schemeClr val="tx1"/>
+              </a:fontRef>
+            </p:style>
+          </p:cxnSp>
+        </p:grpSp>
+        <p:grpSp>
+          <p:nvGrpSpPr>
+            <p:cNvPr id="98" name="组合 97">
+              <a:extLst>
+                <a:ext uri="{FF2B5EF4-FFF2-40B4-BE49-F238E27FC236}">
+                  <a16:creationId xmlns:a16="http://schemas.microsoft.com/office/drawing/2014/main" id="{F6738E55-A1B4-4E06-A465-B33331AECC63}"/>
+                </a:ext>
+              </a:extLst>
+            </p:cNvPr>
+            <p:cNvGrpSpPr/>
+            <p:nvPr/>
+          </p:nvGrpSpPr>
+          <p:grpSpPr>
+            <a:xfrm>
+              <a:off x="4568495" y="1421136"/>
+              <a:ext cx="411061" cy="234892"/>
+              <a:chOff x="1040235" y="1426128"/>
+              <a:chExt cx="754283" cy="310393"/>
+            </a:xfrm>
+          </p:grpSpPr>
+          <p:sp>
+            <p:nvSpPr>
+              <p:cNvPr id="108" name="矩形 107">
+                <a:extLst>
+                  <a:ext uri="{FF2B5EF4-FFF2-40B4-BE49-F238E27FC236}">
+                    <a16:creationId xmlns:a16="http://schemas.microsoft.com/office/drawing/2014/main" id="{07EA0035-5E2B-4886-BC0C-D392E102500D}"/>
+                  </a:ext>
+                </a:extLst>
+              </p:cNvPr>
+              <p:cNvSpPr/>
+              <p:nvPr/>
+            </p:nvSpPr>
+            <p:spPr>
+              <a:xfrm>
+                <a:off x="1040235" y="1426128"/>
+                <a:ext cx="394283" cy="310393"/>
+              </a:xfrm>
+              <a:prstGeom prst="rect">
+                <a:avLst/>
+              </a:prstGeom>
+              <a:ln>
+                <a:noFill/>
+              </a:ln>
+            </p:spPr>
+            <p:style>
+              <a:lnRef idx="2">
+                <a:schemeClr val="accent1"/>
+              </a:lnRef>
+              <a:fillRef idx="1">
+                <a:schemeClr val="lt1"/>
+              </a:fillRef>
+              <a:effectRef idx="0">
+                <a:schemeClr val="accent1"/>
+              </a:effectRef>
+              <a:fontRef idx="minor">
+                <a:schemeClr val="dk1"/>
+              </a:fontRef>
+            </p:style>
+            <p:txBody>
+              <a:bodyPr rtlCol="0" anchor="ctr"/>
+              <a:lstStyle/>
+              <a:p>
+                <a:pPr algn="ctr"/>
+                <a:r>
+                  <a:rPr lang="en-US" altLang="zh-CN" dirty="0"/>
+                  <a:t>…</a:t>
+                </a:r>
+              </a:p>
+              <a:p>
+                <a:pPr algn="ctr"/>
+                <a:endParaRPr lang="zh-CN" altLang="en-US" dirty="0"/>
+              </a:p>
+            </p:txBody>
+          </p:sp>
+          <p:cxnSp>
+            <p:nvCxnSpPr>
+              <p:cNvPr id="109" name="直接箭头连接符 108">
+                <a:extLst>
+                  <a:ext uri="{FF2B5EF4-FFF2-40B4-BE49-F238E27FC236}">
+                    <a16:creationId xmlns:a16="http://schemas.microsoft.com/office/drawing/2014/main" id="{26FDDE74-3361-435D-97B4-873BA5510297}"/>
+                  </a:ext>
+                </a:extLst>
+              </p:cNvPr>
+              <p:cNvCxnSpPr>
+                <a:cxnSpLocks/>
+                <a:endCxn id="108" idx="3"/>
+              </p:cNvCxnSpPr>
+              <p:nvPr/>
+            </p:nvCxnSpPr>
+            <p:spPr>
+              <a:xfrm flipH="1">
+                <a:off x="1434518" y="1581325"/>
+                <a:ext cx="360000" cy="0"/>
+              </a:xfrm>
+              <a:prstGeom prst="straightConnector1">
+                <a:avLst/>
+              </a:prstGeom>
+              <a:ln>
+                <a:tailEnd type="triangle"/>
+              </a:ln>
+            </p:spPr>
+            <p:style>
+              <a:lnRef idx="1">
+                <a:schemeClr val="dk1"/>
+              </a:lnRef>
+              <a:fillRef idx="0">
+                <a:schemeClr val="dk1"/>
+              </a:fillRef>
+              <a:effectRef idx="0">
+                <a:schemeClr val="dk1"/>
+              </a:effectRef>
+              <a:fontRef idx="minor">
+                <a:schemeClr val="tx1"/>
+              </a:fontRef>
+            </p:style>
+          </p:cxnSp>
+        </p:grpSp>
+        <p:grpSp>
+          <p:nvGrpSpPr>
+            <p:cNvPr id="99" name="组合 98">
+              <a:extLst>
+                <a:ext uri="{FF2B5EF4-FFF2-40B4-BE49-F238E27FC236}">
+                  <a16:creationId xmlns:a16="http://schemas.microsoft.com/office/drawing/2014/main" id="{C4BC9E21-163E-4E2C-B681-2776A40352E0}"/>
+                </a:ext>
+              </a:extLst>
+            </p:cNvPr>
+            <p:cNvGrpSpPr/>
+            <p:nvPr/>
+          </p:nvGrpSpPr>
+          <p:grpSpPr>
+            <a:xfrm>
+              <a:off x="4547988" y="1895770"/>
+              <a:ext cx="411061" cy="234892"/>
+              <a:chOff x="1040235" y="1426128"/>
+              <a:chExt cx="754283" cy="310393"/>
+            </a:xfrm>
+          </p:grpSpPr>
+          <p:sp>
+            <p:nvSpPr>
+              <p:cNvPr id="106" name="矩形 105">
+                <a:extLst>
+                  <a:ext uri="{FF2B5EF4-FFF2-40B4-BE49-F238E27FC236}">
+                    <a16:creationId xmlns:a16="http://schemas.microsoft.com/office/drawing/2014/main" id="{D63E026D-6A42-4B40-BDFA-2CFCC3853D76}"/>
+                  </a:ext>
+                </a:extLst>
+              </p:cNvPr>
+              <p:cNvSpPr/>
+              <p:nvPr/>
+            </p:nvSpPr>
+            <p:spPr>
+              <a:xfrm>
+                <a:off x="1040235" y="1426128"/>
+                <a:ext cx="394283" cy="310393"/>
+              </a:xfrm>
+              <a:prstGeom prst="rect">
+                <a:avLst/>
+              </a:prstGeom>
+              <a:ln>
+                <a:noFill/>
+              </a:ln>
+            </p:spPr>
+            <p:style>
+              <a:lnRef idx="2">
+                <a:schemeClr val="accent1"/>
+              </a:lnRef>
+              <a:fillRef idx="1">
+                <a:schemeClr val="lt1"/>
+              </a:fillRef>
+              <a:effectRef idx="0">
+                <a:schemeClr val="accent1"/>
+              </a:effectRef>
+              <a:fontRef idx="minor">
+                <a:schemeClr val="dk1"/>
+              </a:fontRef>
+            </p:style>
+            <p:txBody>
+              <a:bodyPr rtlCol="0" anchor="ctr"/>
+              <a:lstStyle/>
+              <a:p>
+                <a:pPr algn="ctr"/>
+                <a:r>
+                  <a:rPr lang="en-US" altLang="zh-CN" dirty="0"/>
+                  <a:t>…</a:t>
+                </a:r>
+              </a:p>
+              <a:p>
+                <a:pPr algn="ctr"/>
+                <a:endParaRPr lang="zh-CN" altLang="en-US" dirty="0"/>
+              </a:p>
+            </p:txBody>
+          </p:sp>
+          <p:cxnSp>
+            <p:nvCxnSpPr>
+              <p:cNvPr id="107" name="直接箭头连接符 106">
+                <a:extLst>
+                  <a:ext uri="{FF2B5EF4-FFF2-40B4-BE49-F238E27FC236}">
+                    <a16:creationId xmlns:a16="http://schemas.microsoft.com/office/drawing/2014/main" id="{D4E6DD98-CCB3-490C-851A-B44193FD57DE}"/>
+                  </a:ext>
+                </a:extLst>
+              </p:cNvPr>
+              <p:cNvCxnSpPr>
+                <a:cxnSpLocks/>
+                <a:endCxn id="106" idx="3"/>
+              </p:cNvCxnSpPr>
+              <p:nvPr/>
+            </p:nvCxnSpPr>
+            <p:spPr>
+              <a:xfrm flipH="1">
+                <a:off x="1434518" y="1581325"/>
+                <a:ext cx="360000" cy="0"/>
+              </a:xfrm>
+              <a:prstGeom prst="straightConnector1">
+                <a:avLst/>
+              </a:prstGeom>
+              <a:ln>
+                <a:tailEnd type="triangle"/>
+              </a:ln>
+            </p:spPr>
+            <p:style>
+              <a:lnRef idx="1">
+                <a:schemeClr val="dk1"/>
+              </a:lnRef>
+              <a:fillRef idx="0">
+                <a:schemeClr val="dk1"/>
+              </a:fillRef>
+              <a:effectRef idx="0">
+                <a:schemeClr val="dk1"/>
+              </a:effectRef>
+              <a:fontRef idx="minor">
+                <a:schemeClr val="tx1"/>
+              </a:fontRef>
+            </p:style>
+          </p:cxnSp>
+        </p:grpSp>
+        <p:sp>
+          <p:nvSpPr>
+            <p:cNvPr id="101" name="左中括号 100">
+              <a:extLst>
+                <a:ext uri="{FF2B5EF4-FFF2-40B4-BE49-F238E27FC236}">
+                  <a16:creationId xmlns:a16="http://schemas.microsoft.com/office/drawing/2014/main" id="{23DBDC7F-099E-45BB-B26E-9E40CC7CC694}"/>
+                </a:ext>
+              </a:extLst>
+            </p:cNvPr>
+            <p:cNvSpPr/>
+            <p:nvPr/>
+          </p:nvSpPr>
+          <p:spPr>
+            <a:xfrm rot="5400000">
+              <a:off x="4331128" y="680392"/>
+              <a:ext cx="73860" cy="1309940"/>
+            </a:xfrm>
+            <a:prstGeom prst="leftBracket">
+              <a:avLst/>
+            </a:prstGeom>
+            <a:ln w="25400"/>
+          </p:spPr>
+          <p:style>
+            <a:lnRef idx="1">
+              <a:schemeClr val="dk1"/>
+            </a:lnRef>
+            <a:fillRef idx="0">
+              <a:schemeClr val="dk1"/>
+            </a:fillRef>
+            <a:effectRef idx="0">
+              <a:schemeClr val="dk1"/>
+            </a:effectRef>
+            <a:fontRef idx="minor">
+              <a:schemeClr val="tx1"/>
+            </a:fontRef>
+          </p:style>
+          <p:txBody>
+            <a:bodyPr rtlCol="0" anchor="ctr"/>
+            <a:lstStyle/>
+            <a:p>
+              <a:pPr algn="ctr"/>
+              <a:endParaRPr lang="zh-CN" altLang="en-US"/>
+            </a:p>
+          </p:txBody>
+        </p:sp>
+        <mc:AlternateContent xmlns:mc="http://schemas.openxmlformats.org/markup-compatibility/2006">
+          <mc:Choice xmlns:a14="http://schemas.microsoft.com/office/drawing/2010/main" Requires="a14">
+            <p:sp>
+              <p:nvSpPr>
+                <p:cNvPr id="102" name="矩形 101">
+                  <a:extLst>
+                    <a:ext uri="{FF2B5EF4-FFF2-40B4-BE49-F238E27FC236}">
+                      <a16:creationId xmlns:a16="http://schemas.microsoft.com/office/drawing/2014/main" id="{1CE348C4-778B-4A8C-BF6E-F60ADA376187}"/>
+                    </a:ext>
+                  </a:extLst>
+                </p:cNvPr>
+                <p:cNvSpPr/>
+                <p:nvPr/>
+              </p:nvSpPr>
+              <p:spPr>
+                <a:xfrm>
+                  <a:off x="4079341" y="951497"/>
+                  <a:ext cx="765227" cy="234884"/>
+                </a:xfrm>
+                <a:prstGeom prst="rect">
+                  <a:avLst/>
+                </a:prstGeom>
+                <a:ln>
+                  <a:noFill/>
+                </a:ln>
+              </p:spPr>
+              <p:style>
+                <a:lnRef idx="2">
+                  <a:schemeClr val="accent1"/>
+                </a:lnRef>
+                <a:fillRef idx="1">
+                  <a:schemeClr val="lt1"/>
+                </a:fillRef>
+                <a:effectRef idx="0">
+                  <a:schemeClr val="accent1"/>
+                </a:effectRef>
+                <a:fontRef idx="minor">
+                  <a:schemeClr val="dk1"/>
+                </a:fontRef>
+              </p:style>
+              <p:txBody>
+                <a:bodyPr rtlCol="0" anchor="ctr"/>
+                <a:lstStyle/>
+                <a:p>
+                  <a:pPr algn="ctr"/>
+                  <a:r>
+                    <a:rPr lang="zh-CN" altLang="en-US" sz="1200" dirty="0">
+                      <a:latin typeface="楷体" panose="02010609060101010101" pitchFamily="49" charset="-122"/>
+                      <a:ea typeface="楷体" panose="02010609060101010101" pitchFamily="49" charset="-122"/>
+                    </a:rPr>
+                    <a:t>等待区块数量</a:t>
+                  </a:r>
+                  <a14:m>
+                    <m:oMath xmlns:m="http://schemas.openxmlformats.org/officeDocument/2006/math">
+                      <m:r>
+                        <a:rPr lang="en-US" altLang="zh-CN" sz="1200" i="1" dirty="0" smtClean="0">
+                          <a:latin typeface="Cambria Math" panose="02040503050406030204" pitchFamily="18" charset="0"/>
+                          <a:ea typeface="楷体" panose="02010609060101010101" pitchFamily="49" charset="-122"/>
+                        </a:rPr>
+                        <m:t>𝑤</m:t>
+                      </m:r>
+                    </m:oMath>
+                  </a14:m>
+                  <a:endParaRPr lang="zh-CN" altLang="en-US" sz="1200" dirty="0">
+                    <a:latin typeface="楷体" panose="02010609060101010101" pitchFamily="49" charset="-122"/>
+                    <a:ea typeface="楷体" panose="02010609060101010101" pitchFamily="49" charset="-122"/>
+                  </a:endParaRPr>
+                </a:p>
+              </p:txBody>
+            </p:sp>
+          </mc:Choice>
+          <mc:Fallback>
+            <p:sp>
+              <p:nvSpPr>
+                <p:cNvPr id="102" name="矩形 101">
+                  <a:extLst>
+                    <a:ext uri="{FF2B5EF4-FFF2-40B4-BE49-F238E27FC236}">
+                      <a16:creationId xmlns:a16="http://schemas.microsoft.com/office/drawing/2014/main" id="{1CE348C4-778B-4A8C-BF6E-F60ADA376187}"/>
+                    </a:ext>
+                  </a:extLst>
+                </p:cNvPr>
+                <p:cNvSpPr>
+                  <a:spLocks noRot="1" noChangeAspect="1" noMove="1" noResize="1" noEditPoints="1" noAdjustHandles="1" noChangeArrowheads="1" noChangeShapeType="1" noTextEdit="1"/>
+                </p:cNvSpPr>
+                <p:nvPr/>
+              </p:nvSpPr>
+              <p:spPr>
+                <a:xfrm>
+                  <a:off x="4079341" y="951497"/>
+                  <a:ext cx="765227" cy="234884"/>
+                </a:xfrm>
+                <a:prstGeom prst="rect">
+                  <a:avLst/>
+                </a:prstGeom>
+                <a:blipFill>
+                  <a:blip r:embed="rId2"/>
+                  <a:stretch>
+                    <a:fillRect l="-800" t="-47368" b="-71053"/>
+                  </a:stretch>
+                </a:blipFill>
+                <a:ln>
+                  <a:noFill/>
+                </a:ln>
+              </p:spPr>
+              <p:txBody>
+                <a:bodyPr/>
+                <a:lstStyle/>
+                <a:p>
+                  <a:r>
+                    <a:rPr lang="zh-CN" altLang="en-US">
+                      <a:noFill/>
+                    </a:rPr>
+                    <a:t> </a:t>
+                  </a:r>
+                </a:p>
+              </p:txBody>
+            </p:sp>
+          </mc:Fallback>
+        </mc:AlternateContent>
+        <p:sp>
+          <p:nvSpPr>
+            <p:cNvPr id="103" name="左中括号 102">
+              <a:extLst>
+                <a:ext uri="{FF2B5EF4-FFF2-40B4-BE49-F238E27FC236}">
+                  <a16:creationId xmlns:a16="http://schemas.microsoft.com/office/drawing/2014/main" id="{B8EB9641-597F-4A7C-BC26-4FF54E57F59E}"/>
+                </a:ext>
+              </a:extLst>
+            </p:cNvPr>
+            <p:cNvSpPr/>
+            <p:nvPr/>
+          </p:nvSpPr>
+          <p:spPr>
+            <a:xfrm rot="16200000">
+              <a:off x="4341178" y="1537280"/>
+              <a:ext cx="68869" cy="1369869"/>
+            </a:xfrm>
+            <a:prstGeom prst="leftBracket">
+              <a:avLst/>
+            </a:prstGeom>
+            <a:ln w="25400"/>
+          </p:spPr>
+          <p:style>
+            <a:lnRef idx="1">
+              <a:schemeClr val="dk1"/>
+            </a:lnRef>
+            <a:fillRef idx="0">
+              <a:schemeClr val="dk1"/>
+            </a:fillRef>
+            <a:effectRef idx="0">
+              <a:schemeClr val="dk1"/>
+            </a:effectRef>
+            <a:fontRef idx="minor">
+              <a:schemeClr val="tx1"/>
+            </a:fontRef>
+          </p:style>
+          <p:txBody>
+            <a:bodyPr rtlCol="0" anchor="ctr"/>
+            <a:lstStyle/>
+            <a:p>
+              <a:pPr algn="ctr"/>
+              <a:endParaRPr lang="zh-CN" altLang="en-US"/>
+            </a:p>
+          </p:txBody>
+        </p:sp>
+        <mc:AlternateContent xmlns:mc="http://schemas.openxmlformats.org/markup-compatibility/2006">
+          <mc:Choice xmlns:a14="http://schemas.microsoft.com/office/drawing/2010/main" Requires="a14">
+            <p:sp>
+              <p:nvSpPr>
+                <p:cNvPr id="104" name="矩形 103">
+                  <a:extLst>
+                    <a:ext uri="{FF2B5EF4-FFF2-40B4-BE49-F238E27FC236}">
+                      <a16:creationId xmlns:a16="http://schemas.microsoft.com/office/drawing/2014/main" id="{305C6E35-E1C7-43D9-81CD-6DE102614033}"/>
+                    </a:ext>
+                  </a:extLst>
+                </p:cNvPr>
+                <p:cNvSpPr/>
+                <p:nvPr/>
+              </p:nvSpPr>
+              <p:spPr>
+                <a:xfrm>
+                  <a:off x="4169715" y="2315729"/>
+                  <a:ext cx="468647" cy="234884"/>
+                </a:xfrm>
+                <a:prstGeom prst="rect">
+                  <a:avLst/>
+                </a:prstGeom>
+                <a:ln>
+                  <a:noFill/>
+                </a:ln>
+              </p:spPr>
+              <p:style>
+                <a:lnRef idx="2">
+                  <a:schemeClr val="accent1"/>
+                </a:lnRef>
+                <a:fillRef idx="1">
+                  <a:schemeClr val="lt1"/>
+                </a:fillRef>
+                <a:effectRef idx="0">
+                  <a:schemeClr val="accent1"/>
+                </a:effectRef>
+                <a:fontRef idx="minor">
+                  <a:schemeClr val="dk1"/>
+                </a:fontRef>
+              </p:style>
+              <p:txBody>
+                <a:bodyPr rtlCol="0" anchor="ctr"/>
+                <a:lstStyle/>
+                <a:p>
+                  <a:pPr algn="ctr"/>
+                  <a14:m>
+                    <m:oMath xmlns:m="http://schemas.openxmlformats.org/officeDocument/2006/math">
+                      <m:sSub>
+                        <m:sSubPr>
+                          <m:ctrlPr>
+                            <a:rPr lang="en-US" altLang="zh-CN" sz="1200" b="0" i="1" smtClean="0">
+                              <a:latin typeface="Cambria Math" panose="02040503050406030204" pitchFamily="18" charset="0"/>
+                            </a:rPr>
+                          </m:ctrlPr>
+                        </m:sSubPr>
+                        <m:e>
+                          <m:r>
+                            <a:rPr lang="en-US" altLang="zh-CN" sz="1200" b="0" i="1" smtClean="0">
+                              <a:latin typeface="Cambria Math" panose="02040503050406030204" pitchFamily="18" charset="0"/>
+                            </a:rPr>
+                            <m:t>𝑚</m:t>
+                          </m:r>
+                        </m:e>
+                        <m:sub>
+                          <m:r>
+                            <a:rPr lang="en-US" altLang="zh-CN" sz="1200" b="0" i="1" smtClean="0">
+                              <a:latin typeface="Cambria Math" panose="02040503050406030204" pitchFamily="18" charset="0"/>
+                            </a:rPr>
+                            <m:t>1</m:t>
+                          </m:r>
+                        </m:sub>
+                      </m:sSub>
+                    </m:oMath>
+                  </a14:m>
+                  <a:r>
+                    <a:rPr lang="en-US" altLang="zh-CN" sz="1200" dirty="0"/>
+                    <a:t>  </a:t>
+                  </a:r>
+                  <a:endParaRPr lang="zh-CN" altLang="en-US" sz="1200" dirty="0"/>
+                </a:p>
+              </p:txBody>
+            </p:sp>
+          </mc:Choice>
+          <mc:Fallback>
+            <p:sp>
+              <p:nvSpPr>
+                <p:cNvPr id="104" name="矩形 103">
+                  <a:extLst>
+                    <a:ext uri="{FF2B5EF4-FFF2-40B4-BE49-F238E27FC236}">
+                      <a16:creationId xmlns:a16="http://schemas.microsoft.com/office/drawing/2014/main" id="{305C6E35-E1C7-43D9-81CD-6DE102614033}"/>
+                    </a:ext>
+                  </a:extLst>
+                </p:cNvPr>
+                <p:cNvSpPr>
+                  <a:spLocks noRot="1" noChangeAspect="1" noMove="1" noResize="1" noEditPoints="1" noAdjustHandles="1" noChangeArrowheads="1" noChangeShapeType="1" noTextEdit="1"/>
+                </p:cNvSpPr>
+                <p:nvPr/>
+              </p:nvSpPr>
+              <p:spPr>
+                <a:xfrm>
+                  <a:off x="4169715" y="2315729"/>
+                  <a:ext cx="468647" cy="234884"/>
+                </a:xfrm>
+                <a:prstGeom prst="rect">
+                  <a:avLst/>
+                </a:prstGeom>
+                <a:blipFill>
+                  <a:blip r:embed="rId3"/>
+                  <a:stretch>
+                    <a:fillRect/>
+                  </a:stretch>
+                </a:blipFill>
+                <a:ln>
+                  <a:noFill/>
+                </a:ln>
+              </p:spPr>
+              <p:txBody>
+                <a:bodyPr/>
+                <a:lstStyle/>
+                <a:p>
+                  <a:r>
+                    <a:rPr lang="zh-CN" altLang="en-US">
+                      <a:noFill/>
+                    </a:rPr>
+                    <a:t> </a:t>
+                  </a:r>
+                </a:p>
+              </p:txBody>
+            </p:sp>
+          </mc:Fallback>
+        </mc:AlternateContent>
+        <p:cxnSp>
+          <p:nvCxnSpPr>
+            <p:cNvPr id="105" name="直接连接符 104">
+              <a:extLst>
+                <a:ext uri="{FF2B5EF4-FFF2-40B4-BE49-F238E27FC236}">
+                  <a16:creationId xmlns:a16="http://schemas.microsoft.com/office/drawing/2014/main" id="{863BB191-95E5-48A3-9F4D-40E152E3023D}"/>
+                </a:ext>
+              </a:extLst>
+            </p:cNvPr>
+            <p:cNvCxnSpPr>
+              <a:cxnSpLocks/>
+            </p:cNvCxnSpPr>
+            <p:nvPr/>
+          </p:nvCxnSpPr>
+          <p:spPr>
+            <a:xfrm flipH="1">
+              <a:off x="5304712" y="1068939"/>
+              <a:ext cx="28377" cy="1674261"/>
+            </a:xfrm>
+            <a:prstGeom prst="line">
+              <a:avLst/>
+            </a:prstGeom>
+            <a:ln w="25400">
+              <a:prstDash val="dash"/>
+            </a:ln>
+          </p:spPr>
+          <p:style>
+            <a:lnRef idx="1">
+              <a:schemeClr val="dk1"/>
+            </a:lnRef>
+            <a:fillRef idx="0">
+              <a:schemeClr val="dk1"/>
+            </a:fillRef>
+            <a:effectRef idx="0">
+              <a:schemeClr val="dk1"/>
+            </a:effectRef>
+            <a:fontRef idx="minor">
+              <a:schemeClr val="tx1"/>
+            </a:fontRef>
+          </p:style>
+        </p:cxnSp>
+      </p:grpSp>
+      <p:grpSp>
+        <p:nvGrpSpPr>
+          <p:cNvPr id="171" name="组合 170">
+            <a:extLst>
+              <a:ext uri="{FF2B5EF4-FFF2-40B4-BE49-F238E27FC236}">
+                <a16:creationId xmlns:a16="http://schemas.microsoft.com/office/drawing/2014/main" id="{C8F4E8DA-3628-465B-BB41-41455CCA61D0}"/>
+              </a:ext>
+            </a:extLst>
+          </p:cNvPr>
+          <p:cNvGrpSpPr/>
+          <p:nvPr/>
+        </p:nvGrpSpPr>
+        <p:grpSpPr>
+          <a:xfrm>
+            <a:off x="5422005" y="4725433"/>
+            <a:ext cx="1432470" cy="1770600"/>
+            <a:chOff x="5433755" y="4772499"/>
+            <a:chExt cx="1432470" cy="1770600"/>
+          </a:xfrm>
+        </p:grpSpPr>
+        <p:grpSp>
+          <p:nvGrpSpPr>
+            <p:cNvPr id="129" name="组合 128">
+              <a:extLst>
+                <a:ext uri="{FF2B5EF4-FFF2-40B4-BE49-F238E27FC236}">
+                  <a16:creationId xmlns:a16="http://schemas.microsoft.com/office/drawing/2014/main" id="{21305B1A-317F-4B36-B0EE-FACE30ED5F48}"/>
+                </a:ext>
+              </a:extLst>
+            </p:cNvPr>
+            <p:cNvGrpSpPr/>
+            <p:nvPr/>
+          </p:nvGrpSpPr>
+          <p:grpSpPr>
+            <a:xfrm>
+              <a:off x="5433755" y="4772499"/>
+              <a:ext cx="1432470" cy="1770600"/>
+              <a:chOff x="2952328" y="927733"/>
+              <a:chExt cx="1432470" cy="1770600"/>
+            </a:xfrm>
+          </p:grpSpPr>
+          <p:sp>
+            <p:nvSpPr>
+              <p:cNvPr id="167" name="矩形 166">
+                <a:extLst>
+                  <a:ext uri="{FF2B5EF4-FFF2-40B4-BE49-F238E27FC236}">
+                    <a16:creationId xmlns:a16="http://schemas.microsoft.com/office/drawing/2014/main" id="{E2509D42-7EDE-41B0-A61D-C2C3CF82B577}"/>
+                  </a:ext>
+                </a:extLst>
+              </p:cNvPr>
+              <p:cNvSpPr/>
+              <p:nvPr/>
+            </p:nvSpPr>
+            <p:spPr>
+              <a:xfrm>
+                <a:off x="3167789" y="1476821"/>
+                <a:ext cx="214872" cy="234892"/>
+              </a:xfrm>
+              <a:prstGeom prst="rect">
+                <a:avLst/>
+              </a:prstGeom>
+              <a:ln>
+                <a:noFill/>
+              </a:ln>
+            </p:spPr>
+            <p:style>
+              <a:lnRef idx="2">
+                <a:schemeClr val="accent1"/>
+              </a:lnRef>
+              <a:fillRef idx="1">
+                <a:schemeClr val="lt1"/>
+              </a:fillRef>
+              <a:effectRef idx="0">
+                <a:schemeClr val="accent1"/>
+              </a:effectRef>
+              <a:fontRef idx="minor">
+                <a:schemeClr val="dk1"/>
+              </a:fontRef>
+            </p:style>
+            <p:txBody>
+              <a:bodyPr rtlCol="0" anchor="ctr"/>
+              <a:lstStyle/>
+              <a:p>
+                <a:pPr algn="ctr"/>
+                <a:r>
+                  <a:rPr lang="en-US" altLang="zh-CN" dirty="0"/>
+                  <a:t>…</a:t>
+                </a:r>
+              </a:p>
+              <a:p>
+                <a:pPr algn="ctr"/>
+                <a:endParaRPr lang="en-US" altLang="zh-CN" dirty="0"/>
+              </a:p>
+            </p:txBody>
+          </p:sp>
+          <p:cxnSp>
+            <p:nvCxnSpPr>
+              <p:cNvPr id="164" name="直接箭头连接符 163">
+                <a:extLst>
+                  <a:ext uri="{FF2B5EF4-FFF2-40B4-BE49-F238E27FC236}">
+                    <a16:creationId xmlns:a16="http://schemas.microsoft.com/office/drawing/2014/main" id="{E4EC323B-3884-41D7-ADAE-1FC7A6ABDB96}"/>
+                  </a:ext>
+                </a:extLst>
+              </p:cNvPr>
+              <p:cNvCxnSpPr>
+                <a:cxnSpLocks/>
+              </p:cNvCxnSpPr>
+              <p:nvPr/>
+            </p:nvCxnSpPr>
+            <p:spPr>
+              <a:xfrm flipH="1">
+                <a:off x="3419821" y="1543575"/>
+                <a:ext cx="196189" cy="0"/>
+              </a:xfrm>
+              <a:prstGeom prst="straightConnector1">
+                <a:avLst/>
+              </a:prstGeom>
+              <a:ln>
+                <a:tailEnd type="triangle"/>
+              </a:ln>
+            </p:spPr>
+            <p:style>
+              <a:lnRef idx="1">
+                <a:schemeClr val="dk1"/>
+              </a:lnRef>
+              <a:fillRef idx="0">
+                <a:schemeClr val="dk1"/>
+              </a:fillRef>
+              <a:effectRef idx="0">
+                <a:schemeClr val="dk1"/>
+              </a:effectRef>
+              <a:fontRef idx="minor">
+                <a:schemeClr val="tx1"/>
+              </a:fontRef>
+            </p:style>
+          </p:cxnSp>
+          <p:grpSp>
+            <p:nvGrpSpPr>
+              <p:cNvPr id="134" name="组合 133">
+                <a:extLst>
+                  <a:ext uri="{FF2B5EF4-FFF2-40B4-BE49-F238E27FC236}">
+                    <a16:creationId xmlns:a16="http://schemas.microsoft.com/office/drawing/2014/main" id="{A39535E1-62E9-4415-BD82-353B3C022CF1}"/>
+                  </a:ext>
+                </a:extLst>
+              </p:cNvPr>
+              <p:cNvGrpSpPr/>
+              <p:nvPr/>
+            </p:nvGrpSpPr>
+            <p:grpSpPr>
+              <a:xfrm>
+                <a:off x="3634692" y="1895770"/>
+                <a:ext cx="411060" cy="234892"/>
+                <a:chOff x="1040235" y="1426128"/>
+                <a:chExt cx="754282" cy="310393"/>
+              </a:xfrm>
+            </p:grpSpPr>
+            <p:sp>
+              <p:nvSpPr>
+                <p:cNvPr id="161" name="矩形 160">
+                  <a:extLst>
+                    <a:ext uri="{FF2B5EF4-FFF2-40B4-BE49-F238E27FC236}">
+                      <a16:creationId xmlns:a16="http://schemas.microsoft.com/office/drawing/2014/main" id="{C0A38A77-B0EA-4DF2-9787-04FBAA6437D0}"/>
+                    </a:ext>
+                  </a:extLst>
+                </p:cNvPr>
+                <p:cNvSpPr/>
+                <p:nvPr/>
+              </p:nvSpPr>
+              <p:spPr>
+                <a:xfrm>
+                  <a:off x="1040235" y="1426128"/>
+                  <a:ext cx="394282" cy="310393"/>
+                </a:xfrm>
+                <a:prstGeom prst="rect">
+                  <a:avLst/>
+                </a:prstGeom>
+              </p:spPr>
+              <p:style>
+                <a:lnRef idx="1">
+                  <a:schemeClr val="accent2"/>
+                </a:lnRef>
+                <a:fillRef idx="2">
+                  <a:schemeClr val="accent2"/>
+                </a:fillRef>
+                <a:effectRef idx="1">
+                  <a:schemeClr val="accent2"/>
+                </a:effectRef>
+                <a:fontRef idx="minor">
+                  <a:schemeClr val="dk1"/>
+                </a:fontRef>
+              </p:style>
+              <p:txBody>
+                <a:bodyPr rtlCol="0" anchor="ctr"/>
+                <a:lstStyle/>
+                <a:p>
+                  <a:pPr algn="ctr"/>
+                  <a:endParaRPr lang="zh-CN" altLang="en-US" dirty="0"/>
+                </a:p>
+              </p:txBody>
+            </p:sp>
+            <p:cxnSp>
+              <p:nvCxnSpPr>
+                <p:cNvPr id="162" name="直接箭头连接符 161">
+                  <a:extLst>
+                    <a:ext uri="{FF2B5EF4-FFF2-40B4-BE49-F238E27FC236}">
+                      <a16:creationId xmlns:a16="http://schemas.microsoft.com/office/drawing/2014/main" id="{1427A7F6-7E05-4908-AB17-12EA10189522}"/>
+                    </a:ext>
+                  </a:extLst>
+                </p:cNvPr>
+                <p:cNvCxnSpPr>
+                  <a:cxnSpLocks/>
+                  <a:endCxn id="161" idx="3"/>
+                </p:cNvCxnSpPr>
+                <p:nvPr/>
+              </p:nvCxnSpPr>
+              <p:spPr>
+                <a:xfrm flipH="1">
+                  <a:off x="1434517" y="1581325"/>
+                  <a:ext cx="360000" cy="0"/>
+                </a:xfrm>
+                <a:prstGeom prst="straightConnector1">
+                  <a:avLst/>
+                </a:prstGeom>
+                <a:ln>
+                  <a:tailEnd type="triangle"/>
+                </a:ln>
+              </p:spPr>
+              <p:style>
+                <a:lnRef idx="1">
+                  <a:schemeClr val="dk1"/>
+                </a:lnRef>
+                <a:fillRef idx="0">
+                  <a:schemeClr val="dk1"/>
+                </a:fillRef>
+                <a:effectRef idx="0">
+                  <a:schemeClr val="dk1"/>
+                </a:effectRef>
+                <a:fontRef idx="minor">
+                  <a:schemeClr val="tx1"/>
+                </a:fontRef>
+              </p:style>
+            </p:cxnSp>
+          </p:grpSp>
+          <p:grpSp>
+            <p:nvGrpSpPr>
+              <p:cNvPr id="135" name="组合 134">
+                <a:extLst>
+                  <a:ext uri="{FF2B5EF4-FFF2-40B4-BE49-F238E27FC236}">
+                    <a16:creationId xmlns:a16="http://schemas.microsoft.com/office/drawing/2014/main" id="{9B063399-575C-4115-9B90-217F68E81854}"/>
+                  </a:ext>
+                </a:extLst>
+              </p:cNvPr>
+              <p:cNvGrpSpPr/>
+              <p:nvPr/>
+            </p:nvGrpSpPr>
+            <p:grpSpPr>
+              <a:xfrm>
+                <a:off x="3634692" y="1426129"/>
+                <a:ext cx="411060" cy="234892"/>
+                <a:chOff x="1040235" y="1426128"/>
+                <a:chExt cx="754282" cy="310393"/>
+              </a:xfrm>
+            </p:grpSpPr>
+            <p:sp>
+              <p:nvSpPr>
+                <p:cNvPr id="159" name="矩形 158">
+                  <a:extLst>
+                    <a:ext uri="{FF2B5EF4-FFF2-40B4-BE49-F238E27FC236}">
+                      <a16:creationId xmlns:a16="http://schemas.microsoft.com/office/drawing/2014/main" id="{9ED19F44-4C78-442F-93BC-56ABE3F85C09}"/>
+                    </a:ext>
+                  </a:extLst>
+                </p:cNvPr>
+                <p:cNvSpPr/>
+                <p:nvPr/>
+              </p:nvSpPr>
+              <p:spPr>
+                <a:xfrm>
+                  <a:off x="1040235" y="1426128"/>
+                  <a:ext cx="394282" cy="310393"/>
+                </a:xfrm>
+                <a:prstGeom prst="rect">
+                  <a:avLst/>
+                </a:prstGeom>
+              </p:spPr>
+              <p:style>
+                <a:lnRef idx="1">
+                  <a:schemeClr val="accent1"/>
+                </a:lnRef>
+                <a:fillRef idx="2">
+                  <a:schemeClr val="accent1"/>
+                </a:fillRef>
+                <a:effectRef idx="1">
+                  <a:schemeClr val="accent1"/>
+                </a:effectRef>
+                <a:fontRef idx="minor">
+                  <a:schemeClr val="dk1"/>
+                </a:fontRef>
+              </p:style>
+              <p:txBody>
+                <a:bodyPr rtlCol="0" anchor="ctr"/>
+                <a:lstStyle/>
+                <a:p>
+                  <a:pPr algn="ctr"/>
+                  <a:endParaRPr lang="zh-CN" altLang="en-US" dirty="0"/>
+                </a:p>
+              </p:txBody>
+            </p:sp>
+            <p:cxnSp>
+              <p:nvCxnSpPr>
+                <p:cNvPr id="160" name="直接箭头连接符 159">
+                  <a:extLst>
+                    <a:ext uri="{FF2B5EF4-FFF2-40B4-BE49-F238E27FC236}">
+                      <a16:creationId xmlns:a16="http://schemas.microsoft.com/office/drawing/2014/main" id="{A258FA07-350B-4EC4-98E9-8D3D334B2A7A}"/>
+                    </a:ext>
+                  </a:extLst>
+                </p:cNvPr>
+                <p:cNvCxnSpPr>
+                  <a:cxnSpLocks/>
+                  <a:endCxn id="159" idx="3"/>
+                </p:cNvCxnSpPr>
+                <p:nvPr/>
+              </p:nvCxnSpPr>
+              <p:spPr>
+                <a:xfrm flipH="1">
+                  <a:off x="1434517" y="1581325"/>
+                  <a:ext cx="360000" cy="0"/>
+                </a:xfrm>
+                <a:prstGeom prst="straightConnector1">
+                  <a:avLst/>
+                </a:prstGeom>
+                <a:ln>
+                  <a:tailEnd type="triangle"/>
+                </a:ln>
+              </p:spPr>
+              <p:style>
+                <a:lnRef idx="1">
+                  <a:schemeClr val="dk1"/>
+                </a:lnRef>
+                <a:fillRef idx="0">
+                  <a:schemeClr val="dk1"/>
+                </a:fillRef>
+                <a:effectRef idx="0">
+                  <a:schemeClr val="dk1"/>
+                </a:effectRef>
+                <a:fontRef idx="minor">
+                  <a:schemeClr val="tx1"/>
+                </a:fontRef>
+              </p:style>
+            </p:cxnSp>
+          </p:grpSp>
+          <p:cxnSp>
+            <p:nvCxnSpPr>
+              <p:cNvPr id="137" name="直接箭头连接符 136">
+                <a:extLst>
+                  <a:ext uri="{FF2B5EF4-FFF2-40B4-BE49-F238E27FC236}">
+                    <a16:creationId xmlns:a16="http://schemas.microsoft.com/office/drawing/2014/main" id="{8F5D191F-F486-404E-B071-973CE57D59D4}"/>
+                  </a:ext>
+                </a:extLst>
+              </p:cNvPr>
+              <p:cNvCxnSpPr>
+                <a:cxnSpLocks/>
+                <a:stCxn id="161" idx="1"/>
+              </p:cNvCxnSpPr>
+              <p:nvPr/>
+            </p:nvCxnSpPr>
+            <p:spPr>
+              <a:xfrm flipH="1">
+                <a:off x="3398457" y="2013216"/>
+                <a:ext cx="236235" cy="0"/>
+              </a:xfrm>
+              <a:prstGeom prst="straightConnector1">
+                <a:avLst/>
+              </a:prstGeom>
+              <a:ln>
+                <a:tailEnd type="triangle"/>
+              </a:ln>
+            </p:spPr>
+            <p:style>
+              <a:lnRef idx="1">
+                <a:schemeClr val="dk1"/>
+              </a:lnRef>
+              <a:fillRef idx="0">
+                <a:schemeClr val="dk1"/>
+              </a:fillRef>
+              <a:effectRef idx="0">
+                <a:schemeClr val="dk1"/>
+              </a:effectRef>
+              <a:fontRef idx="minor">
+                <a:schemeClr val="tx1"/>
+              </a:fontRef>
+            </p:style>
+          </p:cxnSp>
+          <p:sp>
+            <p:nvSpPr>
+              <p:cNvPr id="157" name="矩形 156">
+                <a:extLst>
+                  <a:ext uri="{FF2B5EF4-FFF2-40B4-BE49-F238E27FC236}">
+                    <a16:creationId xmlns:a16="http://schemas.microsoft.com/office/drawing/2014/main" id="{9CD73CAA-C7D8-4DA9-807E-06D9DDB7BFA2}"/>
+                  </a:ext>
+                </a:extLst>
+              </p:cNvPr>
+              <p:cNvSpPr/>
+              <p:nvPr/>
+            </p:nvSpPr>
+            <p:spPr>
+              <a:xfrm>
+                <a:off x="4055093" y="1426129"/>
+                <a:ext cx="214871" cy="234892"/>
+              </a:xfrm>
+              <a:prstGeom prst="rect">
+                <a:avLst/>
+              </a:prstGeom>
+            </p:spPr>
+            <p:style>
+              <a:lnRef idx="1">
+                <a:schemeClr val="accent1"/>
+              </a:lnRef>
+              <a:fillRef idx="2">
+                <a:schemeClr val="accent1"/>
+              </a:fillRef>
+              <a:effectRef idx="1">
+                <a:schemeClr val="accent1"/>
+              </a:effectRef>
+              <a:fontRef idx="minor">
+                <a:schemeClr val="dk1"/>
+              </a:fontRef>
+            </p:style>
+            <p:txBody>
+              <a:bodyPr rtlCol="0" anchor="ctr"/>
+              <a:lstStyle/>
+              <a:p>
+                <a:pPr algn="ctr"/>
+                <a:endParaRPr lang="zh-CN" altLang="en-US"/>
+              </a:p>
+            </p:txBody>
+          </p:sp>
+          <p:sp>
+            <p:nvSpPr>
+              <p:cNvPr id="155" name="矩形 154">
+                <a:extLst>
+                  <a:ext uri="{FF2B5EF4-FFF2-40B4-BE49-F238E27FC236}">
+                    <a16:creationId xmlns:a16="http://schemas.microsoft.com/office/drawing/2014/main" id="{110C7FD3-DC93-4704-89AC-BD936C95B39D}"/>
+                  </a:ext>
+                </a:extLst>
+              </p:cNvPr>
+              <p:cNvSpPr/>
+              <p:nvPr/>
+            </p:nvSpPr>
+            <p:spPr>
+              <a:xfrm>
+                <a:off x="4079342" y="1899051"/>
+                <a:ext cx="214872" cy="234892"/>
+              </a:xfrm>
+              <a:prstGeom prst="rect">
+                <a:avLst/>
+              </a:prstGeom>
+            </p:spPr>
+            <p:style>
+              <a:lnRef idx="1">
+                <a:schemeClr val="accent2"/>
+              </a:lnRef>
+              <a:fillRef idx="2">
+                <a:schemeClr val="accent2"/>
+              </a:fillRef>
+              <a:effectRef idx="1">
+                <a:schemeClr val="accent2"/>
+              </a:effectRef>
+              <a:fontRef idx="minor">
+                <a:schemeClr val="dk1"/>
+              </a:fontRef>
+            </p:style>
+            <p:txBody>
+              <a:bodyPr rtlCol="0" anchor="ctr"/>
+              <a:lstStyle/>
+              <a:p>
+                <a:pPr algn="ctr"/>
+                <a:endParaRPr lang="zh-CN" altLang="en-US"/>
+              </a:p>
+            </p:txBody>
+          </p:sp>
+          <p:sp>
+            <p:nvSpPr>
+              <p:cNvPr id="144" name="左中括号 143">
+                <a:extLst>
+                  <a:ext uri="{FF2B5EF4-FFF2-40B4-BE49-F238E27FC236}">
+                    <a16:creationId xmlns:a16="http://schemas.microsoft.com/office/drawing/2014/main" id="{5419EF24-D982-4DD6-B857-18132B3AFF12}"/>
+                  </a:ext>
+                </a:extLst>
+              </p:cNvPr>
+              <p:cNvSpPr/>
+              <p:nvPr/>
+            </p:nvSpPr>
+            <p:spPr>
+              <a:xfrm rot="5400000">
+                <a:off x="3510550" y="740210"/>
+                <a:ext cx="102887" cy="1219331"/>
+              </a:xfrm>
+              <a:prstGeom prst="leftBracket">
+                <a:avLst/>
+              </a:prstGeom>
+              <a:ln w="25400"/>
+            </p:spPr>
+            <p:style>
+              <a:lnRef idx="1">
+                <a:schemeClr val="dk1"/>
+              </a:lnRef>
+              <a:fillRef idx="0">
+                <a:schemeClr val="dk1"/>
+              </a:fillRef>
+              <a:effectRef idx="0">
+                <a:schemeClr val="dk1"/>
+              </a:effectRef>
+              <a:fontRef idx="minor">
+                <a:schemeClr val="tx1"/>
+              </a:fontRef>
+            </p:style>
+            <p:txBody>
+              <a:bodyPr rtlCol="0" anchor="ctr"/>
+              <a:lstStyle/>
+              <a:p>
+                <a:pPr algn="ctr"/>
+                <a:endParaRPr lang="zh-CN" altLang="en-US"/>
+              </a:p>
+            </p:txBody>
+          </p:sp>
+          <mc:AlternateContent xmlns:mc="http://schemas.openxmlformats.org/markup-compatibility/2006">
+            <mc:Choice xmlns:a14="http://schemas.microsoft.com/office/drawing/2010/main" Requires="a14">
+              <p:sp>
+                <p:nvSpPr>
+                  <p:cNvPr id="145" name="矩形 144">
+                    <a:extLst>
+                      <a:ext uri="{FF2B5EF4-FFF2-40B4-BE49-F238E27FC236}">
+                        <a16:creationId xmlns:a16="http://schemas.microsoft.com/office/drawing/2014/main" id="{038FDCCC-F11D-4507-AF53-7D5219F95E24}"/>
+                      </a:ext>
+                    </a:extLst>
+                  </p:cNvPr>
+                  <p:cNvSpPr/>
+                  <p:nvPr/>
+                </p:nvSpPr>
+                <p:spPr>
+                  <a:xfrm>
+                    <a:off x="3182062" y="927733"/>
+                    <a:ext cx="765227" cy="234884"/>
+                  </a:xfrm>
+                  <a:prstGeom prst="rect">
+                    <a:avLst/>
+                  </a:prstGeom>
+                  <a:ln>
+                    <a:noFill/>
+                  </a:ln>
+                </p:spPr>
+                <p:style>
+                  <a:lnRef idx="2">
+                    <a:schemeClr val="accent1"/>
+                  </a:lnRef>
+                  <a:fillRef idx="1">
+                    <a:schemeClr val="lt1"/>
+                  </a:fillRef>
+                  <a:effectRef idx="0">
+                    <a:schemeClr val="accent1"/>
+                  </a:effectRef>
+                  <a:fontRef idx="minor">
+                    <a:schemeClr val="dk1"/>
+                  </a:fontRef>
+                </p:style>
+                <p:txBody>
+                  <a:bodyPr rtlCol="0" anchor="ctr"/>
+                  <a:lstStyle/>
+                  <a:p>
+                    <a:pPr algn="ctr"/>
+                    <a:r>
+                      <a:rPr lang="zh-CN" altLang="en-US" sz="1200" dirty="0">
+                        <a:latin typeface="楷体" panose="02010609060101010101" pitchFamily="49" charset="-122"/>
+                        <a:ea typeface="楷体" panose="02010609060101010101" pitchFamily="49" charset="-122"/>
+                      </a:rPr>
+                      <a:t>确认区块数量</a:t>
+                    </a:r>
+                    <a14:m>
+                      <m:oMath xmlns:m="http://schemas.openxmlformats.org/officeDocument/2006/math">
+                        <m:r>
+                          <a:rPr lang="en-US" altLang="zh-CN" sz="1200" i="1" dirty="0" smtClean="0">
+                            <a:latin typeface="Cambria Math" panose="02040503050406030204" pitchFamily="18" charset="0"/>
+                            <a:ea typeface="楷体" panose="02010609060101010101" pitchFamily="49" charset="-122"/>
+                          </a:rPr>
+                          <m:t>𝑐</m:t>
+                        </m:r>
+                      </m:oMath>
+                    </a14:m>
+                    <a:endParaRPr lang="zh-CN" altLang="en-US" sz="1200" dirty="0">
+                      <a:latin typeface="楷体" panose="02010609060101010101" pitchFamily="49" charset="-122"/>
+                      <a:ea typeface="楷体" panose="02010609060101010101" pitchFamily="49" charset="-122"/>
+                    </a:endParaRPr>
+                  </a:p>
+                </p:txBody>
+              </p:sp>
+            </mc:Choice>
+            <mc:Fallback>
+              <p:sp>
+                <p:nvSpPr>
+                  <p:cNvPr id="145" name="矩形 144">
+                    <a:extLst>
+                      <a:ext uri="{FF2B5EF4-FFF2-40B4-BE49-F238E27FC236}">
+                        <a16:creationId xmlns:a16="http://schemas.microsoft.com/office/drawing/2014/main" id="{038FDCCC-F11D-4507-AF53-7D5219F95E24}"/>
+                      </a:ext>
+                    </a:extLst>
+                  </p:cNvPr>
+                  <p:cNvSpPr>
+                    <a:spLocks noRot="1" noChangeAspect="1" noMove="1" noResize="1" noEditPoints="1" noAdjustHandles="1" noChangeArrowheads="1" noChangeShapeType="1" noTextEdit="1"/>
+                  </p:cNvSpPr>
+                  <p:nvPr/>
+                </p:nvSpPr>
+                <p:spPr>
+                  <a:xfrm>
+                    <a:off x="3182062" y="927733"/>
+                    <a:ext cx="765227" cy="234884"/>
+                  </a:xfrm>
+                  <a:prstGeom prst="rect">
+                    <a:avLst/>
+                  </a:prstGeom>
+                  <a:blipFill>
+                    <a:blip r:embed="rId4"/>
+                    <a:stretch>
+                      <a:fillRect t="-46154" b="-66667"/>
+                    </a:stretch>
+                  </a:blipFill>
+                  <a:ln>
+                    <a:noFill/>
+                  </a:ln>
+                </p:spPr>
+                <p:txBody>
+                  <a:bodyPr/>
+                  <a:lstStyle/>
+                  <a:p>
+                    <a:r>
+                      <a:rPr lang="zh-CN" altLang="en-US">
+                        <a:noFill/>
+                      </a:rPr>
+                      <a:t> </a:t>
+                    </a:r>
+                  </a:p>
+                </p:txBody>
+              </p:sp>
+            </mc:Fallback>
+          </mc:AlternateContent>
+          <p:sp>
+            <p:nvSpPr>
+              <p:cNvPr id="146" name="左中括号 145">
+                <a:extLst>
+                  <a:ext uri="{FF2B5EF4-FFF2-40B4-BE49-F238E27FC236}">
+                    <a16:creationId xmlns:a16="http://schemas.microsoft.com/office/drawing/2014/main" id="{2CD757DE-DC9D-4E12-A5B5-5D2D8676EA22}"/>
+                  </a:ext>
+                </a:extLst>
+              </p:cNvPr>
+              <p:cNvSpPr/>
+              <p:nvPr/>
+            </p:nvSpPr>
+            <p:spPr>
+              <a:xfrm rot="16200000">
+                <a:off x="3562713" y="1636426"/>
+                <a:ext cx="45719" cy="1203631"/>
+              </a:xfrm>
+              <a:prstGeom prst="leftBracket">
+                <a:avLst/>
+              </a:prstGeom>
+              <a:ln w="25400"/>
+            </p:spPr>
+            <p:style>
+              <a:lnRef idx="1">
+                <a:schemeClr val="dk1"/>
+              </a:lnRef>
+              <a:fillRef idx="0">
+                <a:schemeClr val="dk1"/>
+              </a:fillRef>
+              <a:effectRef idx="0">
+                <a:schemeClr val="dk1"/>
+              </a:effectRef>
+              <a:fontRef idx="minor">
+                <a:schemeClr val="tx1"/>
+              </a:fontRef>
+            </p:style>
+            <p:txBody>
+              <a:bodyPr rtlCol="0" anchor="ctr"/>
+              <a:lstStyle/>
+              <a:p>
+                <a:pPr algn="ctr"/>
+                <a:endParaRPr lang="zh-CN" altLang="en-US"/>
+              </a:p>
+            </p:txBody>
+          </p:sp>
+          <mc:AlternateContent xmlns:mc="http://schemas.openxmlformats.org/markup-compatibility/2006">
+            <mc:Choice xmlns:a14="http://schemas.microsoft.com/office/drawing/2010/main" Requires="a14">
+              <p:sp>
+                <p:nvSpPr>
+                  <p:cNvPr id="147" name="矩形 146">
+                    <a:extLst>
+                      <a:ext uri="{FF2B5EF4-FFF2-40B4-BE49-F238E27FC236}">
+                        <a16:creationId xmlns:a16="http://schemas.microsoft.com/office/drawing/2014/main" id="{9B981F94-85C0-48F9-AC66-46C4294EC1BB}"/>
+                      </a:ext>
+                    </a:extLst>
+                  </p:cNvPr>
+                  <p:cNvSpPr/>
+                  <p:nvPr/>
+                </p:nvSpPr>
+                <p:spPr>
+                  <a:xfrm>
+                    <a:off x="3299490" y="2340373"/>
+                    <a:ext cx="468647" cy="234884"/>
+                  </a:xfrm>
+                  <a:prstGeom prst="rect">
+                    <a:avLst/>
+                  </a:prstGeom>
+                  <a:ln>
+                    <a:noFill/>
+                  </a:ln>
+                </p:spPr>
+                <p:style>
+                  <a:lnRef idx="2">
+                    <a:schemeClr val="accent1"/>
+                  </a:lnRef>
+                  <a:fillRef idx="1">
+                    <a:schemeClr val="lt1"/>
+                  </a:fillRef>
+                  <a:effectRef idx="0">
+                    <a:schemeClr val="accent1"/>
+                  </a:effectRef>
+                  <a:fontRef idx="minor">
+                    <a:schemeClr val="dk1"/>
+                  </a:fontRef>
+                </p:style>
+                <p:txBody>
+                  <a:bodyPr rtlCol="0" anchor="ctr"/>
+                  <a:lstStyle/>
+                  <a:p>
+                    <a:pPr algn="ctr"/>
+                    <a14:m>
+                      <m:oMathPara xmlns:m="http://schemas.openxmlformats.org/officeDocument/2006/math">
+                        <m:oMathParaPr>
+                          <m:jc m:val="centerGroup"/>
+                        </m:oMathParaPr>
+                        <m:oMath xmlns:m="http://schemas.openxmlformats.org/officeDocument/2006/math">
+                          <m:sSub>
+                            <m:sSubPr>
+                              <m:ctrlPr>
+                                <a:rPr lang="en-US" altLang="zh-CN" sz="1200" b="0" i="1" smtClean="0">
+                                  <a:latin typeface="Cambria Math" panose="02040503050406030204" pitchFamily="18" charset="0"/>
+                                </a:rPr>
+                              </m:ctrlPr>
+                            </m:sSubPr>
+                            <m:e>
+                              <m:r>
+                                <a:rPr lang="en-US" altLang="zh-CN" sz="1200" b="0" i="1" smtClean="0">
+                                  <a:latin typeface="Cambria Math" panose="02040503050406030204" pitchFamily="18" charset="0"/>
+                                </a:rPr>
+                                <m:t>𝑚</m:t>
+                              </m:r>
+                            </m:e>
+                            <m:sub>
+                              <m:r>
+                                <a:rPr lang="en-US" altLang="zh-CN" sz="1200" b="0" i="1" smtClean="0">
+                                  <a:latin typeface="Cambria Math" panose="02040503050406030204" pitchFamily="18" charset="0"/>
+                                </a:rPr>
+                                <m:t>2</m:t>
+                              </m:r>
+                            </m:sub>
+                          </m:sSub>
+                        </m:oMath>
+                      </m:oMathPara>
+                    </a14:m>
+                    <a:endParaRPr lang="en-US" altLang="zh-CN" sz="1200" b="0" dirty="0"/>
+                  </a:p>
+                </p:txBody>
+              </p:sp>
+            </mc:Choice>
+            <mc:Fallback>
+              <p:sp>
+                <p:nvSpPr>
+                  <p:cNvPr id="147" name="矩形 146">
+                    <a:extLst>
+                      <a:ext uri="{FF2B5EF4-FFF2-40B4-BE49-F238E27FC236}">
+                        <a16:creationId xmlns:a16="http://schemas.microsoft.com/office/drawing/2014/main" id="{9B981F94-85C0-48F9-AC66-46C4294EC1BB}"/>
+                      </a:ext>
+                    </a:extLst>
+                  </p:cNvPr>
+                  <p:cNvSpPr>
+                    <a:spLocks noRot="1" noChangeAspect="1" noMove="1" noResize="1" noEditPoints="1" noAdjustHandles="1" noChangeArrowheads="1" noChangeShapeType="1" noTextEdit="1"/>
+                  </p:cNvSpPr>
+                  <p:nvPr/>
+                </p:nvSpPr>
+                <p:spPr>
+                  <a:xfrm>
+                    <a:off x="3299490" y="2340373"/>
+                    <a:ext cx="468647" cy="234884"/>
+                  </a:xfrm>
+                  <a:prstGeom prst="rect">
+                    <a:avLst/>
+                  </a:prstGeom>
+                  <a:blipFill>
+                    <a:blip r:embed="rId5"/>
+                    <a:stretch>
+                      <a:fillRect/>
+                    </a:stretch>
+                  </a:blipFill>
+                  <a:ln>
+                    <a:noFill/>
+                  </a:ln>
+                </p:spPr>
+                <p:txBody>
+                  <a:bodyPr/>
+                  <a:lstStyle/>
+                  <a:p>
+                    <a:r>
+                      <a:rPr lang="zh-CN" altLang="en-US">
+                        <a:noFill/>
+                      </a:rPr>
+                      <a:t> </a:t>
+                    </a:r>
+                  </a:p>
+                </p:txBody>
+              </p:sp>
+            </mc:Fallback>
+          </mc:AlternateContent>
+          <p:cxnSp>
+            <p:nvCxnSpPr>
+              <p:cNvPr id="148" name="直接连接符 147">
+                <a:extLst>
+                  <a:ext uri="{FF2B5EF4-FFF2-40B4-BE49-F238E27FC236}">
+                    <a16:creationId xmlns:a16="http://schemas.microsoft.com/office/drawing/2014/main" id="{A5CD1C39-40FC-47A4-AA04-66C52B8C1949}"/>
+                  </a:ext>
+                </a:extLst>
+              </p:cNvPr>
+              <p:cNvCxnSpPr>
+                <a:cxnSpLocks/>
+              </p:cNvCxnSpPr>
+              <p:nvPr/>
+            </p:nvCxnSpPr>
+            <p:spPr>
+              <a:xfrm flipH="1">
+                <a:off x="4356421" y="1024072"/>
+                <a:ext cx="28377" cy="1674261"/>
+              </a:xfrm>
+              <a:prstGeom prst="line">
+                <a:avLst/>
+              </a:prstGeom>
+              <a:ln w="25400">
+                <a:prstDash val="dash"/>
+              </a:ln>
+            </p:spPr>
+            <p:style>
+              <a:lnRef idx="1">
+                <a:schemeClr val="dk1"/>
+              </a:lnRef>
+              <a:fillRef idx="0">
+                <a:schemeClr val="dk1"/>
+              </a:fillRef>
+              <a:effectRef idx="0">
+                <a:schemeClr val="dk1"/>
+              </a:effectRef>
+              <a:fontRef idx="minor">
+                <a:schemeClr val="tx1"/>
+              </a:fontRef>
+            </p:style>
+          </p:cxnSp>
+        </p:grpSp>
+        <p:sp>
+          <p:nvSpPr>
+            <p:cNvPr id="170" name="矩形 169">
+              <a:extLst>
+                <a:ext uri="{FF2B5EF4-FFF2-40B4-BE49-F238E27FC236}">
+                  <a16:creationId xmlns:a16="http://schemas.microsoft.com/office/drawing/2014/main" id="{CD903087-FDD1-4792-A0B7-5D88AA8420DF}"/>
+                </a:ext>
+              </a:extLst>
+            </p:cNvPr>
+            <p:cNvSpPr/>
+            <p:nvPr/>
+          </p:nvSpPr>
+          <p:spPr>
+            <a:xfrm>
+              <a:off x="5586757" y="5826038"/>
+              <a:ext cx="238070" cy="184084"/>
+            </a:xfrm>
+            <a:prstGeom prst="rect">
+              <a:avLst/>
+            </a:prstGeom>
+            <a:ln>
+              <a:noFill/>
+            </a:ln>
+          </p:spPr>
+          <p:style>
+            <a:lnRef idx="2">
+              <a:schemeClr val="accent1"/>
+            </a:lnRef>
+            <a:fillRef idx="1">
+              <a:schemeClr val="lt1"/>
+            </a:fillRef>
+            <a:effectRef idx="0">
+              <a:schemeClr val="accent1"/>
+            </a:effectRef>
+            <a:fontRef idx="minor">
+              <a:schemeClr val="dk1"/>
+            </a:fontRef>
+          </p:style>
+          <p:txBody>
+            <a:bodyPr rtlCol="0" anchor="ctr"/>
+            <a:lstStyle/>
+            <a:p>
+              <a:pPr algn="ctr"/>
+              <a:r>
+                <a:rPr lang="en-US" altLang="zh-CN" dirty="0"/>
+                <a:t>…</a:t>
+              </a:r>
+            </a:p>
+            <a:p>
+              <a:pPr algn="ctr"/>
+              <a:endParaRPr lang="en-US" altLang="zh-CN" dirty="0"/>
+            </a:p>
+          </p:txBody>
+        </p:sp>
+      </p:grpSp>
+      <p:sp>
+        <p:nvSpPr>
+          <p:cNvPr id="172" name="矩形 171">
+            <a:extLst>
+              <a:ext uri="{FF2B5EF4-FFF2-40B4-BE49-F238E27FC236}">
+                <a16:creationId xmlns:a16="http://schemas.microsoft.com/office/drawing/2014/main" id="{63C3162A-7FF0-4F71-AADD-F6F928D35BB8}"/>
+              </a:ext>
+            </a:extLst>
+          </p:cNvPr>
+          <p:cNvSpPr/>
+          <p:nvPr/>
+        </p:nvSpPr>
+        <p:spPr>
+          <a:xfrm>
+            <a:off x="5329919" y="5248470"/>
+            <a:ext cx="214871" cy="234892"/>
+          </a:xfrm>
+          <a:prstGeom prst="rect">
+            <a:avLst/>
+          </a:prstGeom>
+        </p:spPr>
+        <p:style>
+          <a:lnRef idx="1">
+            <a:schemeClr val="accent1"/>
+          </a:lnRef>
+          <a:fillRef idx="2">
+            <a:schemeClr val="accent1"/>
+          </a:fillRef>
+          <a:effectRef idx="1">
+            <a:schemeClr val="accent1"/>
+          </a:effectRef>
+          <a:fontRef idx="minor">
+            <a:schemeClr val="dk1"/>
+          </a:fontRef>
+        </p:style>
+        <p:txBody>
+          <a:bodyPr rtlCol="0" anchor="ctr"/>
+          <a:lstStyle/>
+          <a:p>
+            <a:pPr algn="ctr"/>
+            <a:endParaRPr lang="zh-CN" altLang="en-US" dirty="0"/>
+          </a:p>
+        </p:txBody>
+      </p:sp>
+      <p:cxnSp>
+        <p:nvCxnSpPr>
+          <p:cNvPr id="173" name="直接箭头连接符 172">
+            <a:extLst>
+              <a:ext uri="{FF2B5EF4-FFF2-40B4-BE49-F238E27FC236}">
+                <a16:creationId xmlns:a16="http://schemas.microsoft.com/office/drawing/2014/main" id="{826EFF5E-AD30-4E23-9295-FF454CF7F76B}"/>
+              </a:ext>
+            </a:extLst>
+          </p:cNvPr>
+          <p:cNvCxnSpPr>
+            <a:cxnSpLocks/>
+          </p:cNvCxnSpPr>
+          <p:nvPr/>
+        </p:nvCxnSpPr>
+        <p:spPr>
+          <a:xfrm flipH="1">
+            <a:off x="5128638" y="5365916"/>
+            <a:ext cx="196189" cy="0"/>
+          </a:xfrm>
+          <a:prstGeom prst="straightConnector1">
+            <a:avLst/>
+          </a:prstGeom>
+          <a:ln>
+            <a:tailEnd type="triangle"/>
+          </a:ln>
+        </p:spPr>
+        <p:style>
+          <a:lnRef idx="1">
+            <a:schemeClr val="dk1"/>
+          </a:lnRef>
+          <a:fillRef idx="0">
+            <a:schemeClr val="dk1"/>
+          </a:fillRef>
+          <a:effectRef idx="0">
+            <a:schemeClr val="dk1"/>
+          </a:effectRef>
+          <a:fontRef idx="minor">
+            <a:schemeClr val="tx1"/>
+          </a:fontRef>
+        </p:style>
+      </p:cxnSp>
+      <p:sp>
+        <p:nvSpPr>
+          <p:cNvPr id="174" name="矩形 173">
+            <a:extLst>
+              <a:ext uri="{FF2B5EF4-FFF2-40B4-BE49-F238E27FC236}">
+                <a16:creationId xmlns:a16="http://schemas.microsoft.com/office/drawing/2014/main" id="{2F6F0AFB-1673-4962-BB21-D7895545F3CC}"/>
+              </a:ext>
+            </a:extLst>
+          </p:cNvPr>
+          <p:cNvSpPr/>
+          <p:nvPr/>
+        </p:nvSpPr>
+        <p:spPr>
+          <a:xfrm>
+            <a:off x="5320863" y="5757790"/>
+            <a:ext cx="214871" cy="234892"/>
+          </a:xfrm>
+          <a:prstGeom prst="rect">
+            <a:avLst/>
+          </a:prstGeom>
+        </p:spPr>
+        <p:style>
+          <a:lnRef idx="1">
+            <a:schemeClr val="accent2"/>
+          </a:lnRef>
+          <a:fillRef idx="2">
+            <a:schemeClr val="accent2"/>
+          </a:fillRef>
+          <a:effectRef idx="1">
+            <a:schemeClr val="accent2"/>
+          </a:effectRef>
+          <a:fontRef idx="minor">
+            <a:schemeClr val="dk1"/>
+          </a:fontRef>
+        </p:style>
+        <p:txBody>
+          <a:bodyPr rtlCol="0" anchor="ctr"/>
+          <a:lstStyle/>
+          <a:p>
+            <a:pPr algn="ctr"/>
+            <a:endParaRPr lang="zh-CN" altLang="en-US"/>
+          </a:p>
+        </p:txBody>
+      </p:sp>
+      <mc:AlternateContent xmlns:mc="http://schemas.openxmlformats.org/markup-compatibility/2006">
+        <mc:Choice xmlns:a14="http://schemas.microsoft.com/office/drawing/2010/main" Requires="a14">
+          <p:sp>
+            <p:nvSpPr>
+              <p:cNvPr id="179" name="矩形 178">
+                <a:extLst>
+                  <a:ext uri="{FF2B5EF4-FFF2-40B4-BE49-F238E27FC236}">
+                    <a16:creationId xmlns:a16="http://schemas.microsoft.com/office/drawing/2014/main" id="{1B661C84-6BFC-4E3C-8A5D-BCB252270CB8}"/>
+                  </a:ext>
+                </a:extLst>
+              </p:cNvPr>
+              <p:cNvSpPr/>
+              <p:nvPr/>
+            </p:nvSpPr>
+            <p:spPr>
+              <a:xfrm>
+                <a:off x="8341843" y="4568198"/>
+                <a:ext cx="2645940" cy="1908551"/>
+              </a:xfrm>
+              <a:prstGeom prst="rect">
+                <a:avLst/>
+              </a:prstGeom>
+            </p:spPr>
+            <p:style>
+              <a:lnRef idx="2">
+                <a:schemeClr val="accent1"/>
+              </a:lnRef>
+              <a:fillRef idx="1">
+                <a:schemeClr val="lt1"/>
+              </a:fillRef>
+              <a:effectRef idx="0">
+                <a:schemeClr val="accent1"/>
+              </a:effectRef>
+              <a:fontRef idx="minor">
+                <a:schemeClr val="dk1"/>
+              </a:fontRef>
+            </p:style>
+            <p:txBody>
+              <a:bodyPr rtlCol="0" anchor="ctr"/>
+              <a:lstStyle/>
+              <a:p>
+                <a:r>
+                  <a:rPr lang="zh-CN" altLang="en-US" sz="1200" dirty="0">
+                    <a:latin typeface="宋体" panose="02010600030101010101" pitchFamily="2" charset="-122"/>
+                    <a:ea typeface="宋体" panose="02010600030101010101" pitchFamily="2" charset="-122"/>
+                  </a:rPr>
+                  <a:t>攻击流程：交易发出后被打包到区块，并在生成一定数量的区块后被确认。</a:t>
+                </a:r>
+                <a:endParaRPr lang="en-US" altLang="zh-CN" sz="1200" dirty="0">
+                  <a:latin typeface="宋体" panose="02010600030101010101" pitchFamily="2" charset="-122"/>
+                  <a:ea typeface="宋体" panose="02010600030101010101" pitchFamily="2" charset="-122"/>
+                </a:endParaRPr>
+              </a:p>
+              <a:p>
+                <a:pPr marL="228600" indent="-228600">
+                  <a:buAutoNum type="arabicPeriod"/>
+                </a:pPr>
+                <a:r>
+                  <a:rPr lang="zh-CN" altLang="en-US" sz="1200" dirty="0">
+                    <a:latin typeface="楷体" panose="02010609060101010101" pitchFamily="49" charset="-122"/>
+                    <a:ea typeface="楷体" panose="02010609060101010101" pitchFamily="49" charset="-122"/>
+                  </a:rPr>
+                  <a:t>在确认诚实交易所在区块时，双花攻击成功，即</a:t>
+                </a:r>
+                <a14:m>
+                  <m:oMath xmlns:m="http://schemas.openxmlformats.org/officeDocument/2006/math">
+                    <m:r>
+                      <a:rPr lang="en-US" altLang="zh-CN" sz="1200" b="0" i="1" smtClean="0">
+                        <a:latin typeface="Cambria Math" panose="02040503050406030204" pitchFamily="18" charset="0"/>
+                        <a:ea typeface="楷体" panose="02010609060101010101" pitchFamily="49" charset="-122"/>
+                      </a:rPr>
+                      <m:t>𝑧</m:t>
+                    </m:r>
+                    <m:r>
+                      <a:rPr lang="en-US" altLang="zh-CN" sz="1200" b="0" i="1" smtClean="0">
+                        <a:latin typeface="Cambria Math" panose="02040503050406030204" pitchFamily="18" charset="0"/>
+                        <a:ea typeface="楷体" panose="02010609060101010101" pitchFamily="49" charset="-122"/>
+                      </a:rPr>
+                      <m:t>=</m:t>
+                    </m:r>
+                    <m:r>
+                      <a:rPr lang="en-US" altLang="zh-CN" sz="1200" b="0" i="1" smtClean="0">
+                        <a:latin typeface="Cambria Math" panose="02040503050406030204" pitchFamily="18" charset="0"/>
+                        <a:ea typeface="楷体" panose="02010609060101010101" pitchFamily="49" charset="-122"/>
+                      </a:rPr>
+                      <m:t>𝑐</m:t>
+                    </m:r>
+                    <m:r>
+                      <a:rPr lang="en-US" altLang="zh-CN" sz="1200" b="0" i="1" smtClean="0">
+                        <a:latin typeface="Cambria Math" panose="02040503050406030204" pitchFamily="18" charset="0"/>
+                        <a:ea typeface="楷体" panose="02010609060101010101" pitchFamily="49" charset="-122"/>
+                      </a:rPr>
+                      <m:t> −</m:t>
+                    </m:r>
+                    <m:r>
+                      <a:rPr lang="en-US" altLang="zh-CN" sz="1200" b="0" i="1" smtClean="0">
+                        <a:latin typeface="Cambria Math" panose="02040503050406030204" pitchFamily="18" charset="0"/>
+                        <a:ea typeface="楷体" panose="02010609060101010101" pitchFamily="49" charset="-122"/>
+                      </a:rPr>
+                      <m:t>𝑚</m:t>
+                    </m:r>
+                    <m:r>
+                      <a:rPr lang="en-US" altLang="zh-CN" sz="1200" b="0" i="1" smtClean="0">
+                        <a:latin typeface="Cambria Math" panose="02040503050406030204" pitchFamily="18" charset="0"/>
+                        <a:ea typeface="楷体" panose="02010609060101010101" pitchFamily="49" charset="-122"/>
+                      </a:rPr>
+                      <m:t>&lt;0</m:t>
+                    </m:r>
+                  </m:oMath>
+                </a14:m>
+                <a:r>
+                  <a:rPr lang="zh-CN" altLang="en-US" sz="1200" dirty="0">
+                    <a:latin typeface="楷体" panose="02010609060101010101" pitchFamily="49" charset="-122"/>
+                    <a:ea typeface="楷体" panose="02010609060101010101" pitchFamily="49" charset="-122"/>
+                  </a:rPr>
+                  <a:t>；</a:t>
+                </a:r>
+                <a:endParaRPr lang="en-US" altLang="zh-CN" sz="1200" dirty="0">
+                  <a:latin typeface="楷体" panose="02010609060101010101" pitchFamily="49" charset="-122"/>
+                  <a:ea typeface="楷体" panose="02010609060101010101" pitchFamily="49" charset="-122"/>
+                </a:endParaRPr>
+              </a:p>
+              <a:p>
+                <a:pPr marL="228600" indent="-228600">
+                  <a:buAutoNum type="arabicPeriod"/>
+                </a:pPr>
+                <a:r>
+                  <a:rPr lang="zh-CN" altLang="en-US" sz="1200" dirty="0">
+                    <a:latin typeface="楷体" panose="02010609060101010101" pitchFamily="49" charset="-122"/>
+                    <a:ea typeface="楷体" panose="02010609060101010101" pitchFamily="49" charset="-122"/>
+                  </a:rPr>
+                  <a:t>在确认诚实交易在在区块时，欺诈链落后诚实链</a:t>
+                </a:r>
+                <a14:m>
+                  <m:oMath xmlns:m="http://schemas.openxmlformats.org/officeDocument/2006/math">
+                    <m:r>
+                      <a:rPr lang="en-US" altLang="zh-CN" sz="1200" b="0" i="1" smtClean="0">
+                        <a:latin typeface="Cambria Math" panose="02040503050406030204" pitchFamily="18" charset="0"/>
+                        <a:ea typeface="楷体" panose="02010609060101010101" pitchFamily="49" charset="-122"/>
+                      </a:rPr>
+                      <m:t>𝑧</m:t>
+                    </m:r>
+                    <m:r>
+                      <a:rPr lang="en-US" altLang="zh-CN" sz="1200" b="0" i="1" smtClean="0">
+                        <a:latin typeface="Cambria Math" panose="02040503050406030204" pitchFamily="18" charset="0"/>
+                        <a:ea typeface="楷体" panose="02010609060101010101" pitchFamily="49" charset="-122"/>
+                      </a:rPr>
+                      <m:t>=</m:t>
+                    </m:r>
+                    <m:r>
+                      <a:rPr lang="en-US" altLang="zh-CN" sz="1200" b="0" i="1" smtClean="0">
+                        <a:latin typeface="Cambria Math" panose="02040503050406030204" pitchFamily="18" charset="0"/>
+                        <a:ea typeface="楷体" panose="02010609060101010101" pitchFamily="49" charset="-122"/>
+                      </a:rPr>
+                      <m:t>𝑐</m:t>
+                    </m:r>
+                    <m:r>
+                      <a:rPr lang="en-US" altLang="zh-CN" sz="1200" b="0" i="1" smtClean="0">
+                        <a:latin typeface="Cambria Math" panose="02040503050406030204" pitchFamily="18" charset="0"/>
+                        <a:ea typeface="楷体" panose="02010609060101010101" pitchFamily="49" charset="-122"/>
+                      </a:rPr>
+                      <m:t> −</m:t>
+                    </m:r>
+                    <m:r>
+                      <a:rPr lang="en-US" altLang="zh-CN" sz="1200" b="0" i="1" smtClean="0">
+                        <a:latin typeface="Cambria Math" panose="02040503050406030204" pitchFamily="18" charset="0"/>
+                        <a:ea typeface="楷体" panose="02010609060101010101" pitchFamily="49" charset="-122"/>
+                      </a:rPr>
+                      <m:t>𝑚</m:t>
+                    </m:r>
+                    <m:r>
+                      <a:rPr lang="en-US" altLang="zh-CN" sz="1200" b="0" i="1" smtClean="0">
+                        <a:latin typeface="Cambria Math" panose="02040503050406030204" pitchFamily="18" charset="0"/>
+                        <a:ea typeface="楷体" panose="02010609060101010101" pitchFamily="49" charset="-122"/>
+                      </a:rPr>
+                      <m:t>&gt;0</m:t>
+                    </m:r>
+                    <m:r>
+                      <a:rPr lang="zh-CN" altLang="en-US" sz="1200" i="1">
+                        <a:latin typeface="Cambria Math" panose="02040503050406030204" pitchFamily="18" charset="0"/>
+                        <a:ea typeface="楷体" panose="02010609060101010101" pitchFamily="49" charset="-122"/>
+                      </a:rPr>
+                      <m:t>个</m:t>
+                    </m:r>
+                  </m:oMath>
+                </a14:m>
+                <a:r>
+                  <a:rPr lang="zh-CN" altLang="en-US" sz="1200" dirty="0">
+                    <a:latin typeface="楷体" panose="02010609060101010101" pitchFamily="49" charset="-122"/>
+                    <a:ea typeface="楷体" panose="02010609060101010101" pitchFamily="49" charset="-122"/>
+                  </a:rPr>
+                  <a:t>区块时双花攻击成功的概率为</a:t>
+                </a:r>
+                <a14:m>
+                  <m:oMath xmlns:m="http://schemas.openxmlformats.org/officeDocument/2006/math">
+                    <m:r>
+                      <a:rPr lang="en-US" altLang="zh-CN" sz="1200" b="0" i="1" smtClean="0">
+                        <a:latin typeface="Cambria Math" panose="02040503050406030204" pitchFamily="18" charset="0"/>
+                        <a:ea typeface="楷体" panose="02010609060101010101" pitchFamily="49" charset="-122"/>
+                      </a:rPr>
+                      <m:t>𝑃</m:t>
+                    </m:r>
+                    <m:d>
+                      <m:dPr>
+                        <m:ctrlPr>
+                          <a:rPr lang="en-US" altLang="zh-CN" sz="1200" b="0" i="1" smtClean="0">
+                            <a:latin typeface="Cambria Math" panose="02040503050406030204" pitchFamily="18" charset="0"/>
+                            <a:ea typeface="楷体" panose="02010609060101010101" pitchFamily="49" charset="-122"/>
+                          </a:rPr>
+                        </m:ctrlPr>
+                      </m:dPr>
+                      <m:e>
+                        <m:r>
+                          <a:rPr lang="en-US" altLang="zh-CN" sz="1200" b="0" i="1" smtClean="0">
+                            <a:latin typeface="Cambria Math" panose="02040503050406030204" pitchFamily="18" charset="0"/>
+                            <a:ea typeface="楷体" panose="02010609060101010101" pitchFamily="49" charset="-122"/>
+                          </a:rPr>
+                          <m:t>𝑧</m:t>
+                        </m:r>
+                      </m:e>
+                    </m:d>
+                    <m:r>
+                      <a:rPr lang="en-US" altLang="zh-CN" sz="1200" b="0" i="1" smtClean="0">
+                        <a:latin typeface="Cambria Math" panose="02040503050406030204" pitchFamily="18" charset="0"/>
+                        <a:ea typeface="楷体" panose="02010609060101010101" pitchFamily="49" charset="-122"/>
+                      </a:rPr>
+                      <m:t>=</m:t>
+                    </m:r>
+                    <m:sSup>
+                      <m:sSupPr>
+                        <m:ctrlPr>
+                          <a:rPr lang="en-US" altLang="zh-CN" sz="1200" b="0" i="1" smtClean="0">
+                            <a:latin typeface="Cambria Math" panose="02040503050406030204" pitchFamily="18" charset="0"/>
+                            <a:ea typeface="楷体" panose="02010609060101010101" pitchFamily="49" charset="-122"/>
+                          </a:rPr>
+                        </m:ctrlPr>
+                      </m:sSupPr>
+                      <m:e>
+                        <m:d>
+                          <m:dPr>
+                            <m:ctrlPr>
+                              <a:rPr lang="en-US" altLang="zh-CN" sz="1200" b="0" i="1" smtClean="0">
+                                <a:latin typeface="Cambria Math" panose="02040503050406030204" pitchFamily="18" charset="0"/>
+                                <a:ea typeface="楷体" panose="02010609060101010101" pitchFamily="49" charset="-122"/>
+                              </a:rPr>
+                            </m:ctrlPr>
+                          </m:dPr>
+                          <m:e>
+                            <m:f>
+                              <m:fPr>
+                                <m:ctrlPr>
+                                  <a:rPr lang="en-US" altLang="zh-CN" sz="1200" b="0" i="1" smtClean="0">
+                                    <a:latin typeface="Cambria Math" panose="02040503050406030204" pitchFamily="18" charset="0"/>
+                                    <a:ea typeface="楷体" panose="02010609060101010101" pitchFamily="49" charset="-122"/>
+                                  </a:rPr>
+                                </m:ctrlPr>
+                              </m:fPr>
+                              <m:num>
+                                <m:r>
+                                  <a:rPr lang="en-US" altLang="zh-CN" sz="1200" b="0" i="1" smtClean="0">
+                                    <a:latin typeface="Cambria Math" panose="02040503050406030204" pitchFamily="18" charset="0"/>
+                                    <a:ea typeface="楷体" panose="02010609060101010101" pitchFamily="49" charset="-122"/>
+                                  </a:rPr>
+                                  <m:t>𝑞</m:t>
+                                </m:r>
+                              </m:num>
+                              <m:den>
+                                <m:r>
+                                  <a:rPr lang="en-US" altLang="zh-CN" sz="1200" b="0" i="1" smtClean="0">
+                                    <a:latin typeface="Cambria Math" panose="02040503050406030204" pitchFamily="18" charset="0"/>
+                                    <a:ea typeface="楷体" panose="02010609060101010101" pitchFamily="49" charset="-122"/>
+                                  </a:rPr>
+                                  <m:t>𝑝</m:t>
+                                </m:r>
+                              </m:den>
+                            </m:f>
+                          </m:e>
+                        </m:d>
+                      </m:e>
+                      <m:sup>
+                        <m:r>
+                          <a:rPr lang="en-US" altLang="zh-CN" sz="1200" b="0" i="1" smtClean="0">
+                            <a:latin typeface="Cambria Math" panose="02040503050406030204" pitchFamily="18" charset="0"/>
+                            <a:ea typeface="楷体" panose="02010609060101010101" pitchFamily="49" charset="-122"/>
+                          </a:rPr>
+                          <m:t>𝑧</m:t>
+                        </m:r>
+                        <m:r>
+                          <a:rPr lang="en-US" altLang="zh-CN" sz="1200" b="0" i="1" smtClean="0">
+                            <a:latin typeface="Cambria Math" panose="02040503050406030204" pitchFamily="18" charset="0"/>
+                            <a:ea typeface="楷体" panose="02010609060101010101" pitchFamily="49" charset="-122"/>
+                          </a:rPr>
+                          <m:t>+1</m:t>
+                        </m:r>
+                      </m:sup>
+                    </m:sSup>
+                  </m:oMath>
+                </a14:m>
+                <a:endParaRPr lang="en-US" altLang="zh-CN" sz="1200" dirty="0">
+                  <a:latin typeface="楷体" panose="02010609060101010101" pitchFamily="49" charset="-122"/>
+                  <a:ea typeface="楷体" panose="02010609060101010101" pitchFamily="49" charset="-122"/>
+                </a:endParaRPr>
+              </a:p>
+            </p:txBody>
+          </p:sp>
+        </mc:Choice>
+        <mc:Fallback>
+          <p:sp>
+            <p:nvSpPr>
+              <p:cNvPr id="179" name="矩形 178">
+                <a:extLst>
+                  <a:ext uri="{FF2B5EF4-FFF2-40B4-BE49-F238E27FC236}">
+                    <a16:creationId xmlns:a16="http://schemas.microsoft.com/office/drawing/2014/main" id="{1B661C84-6BFC-4E3C-8A5D-BCB252270CB8}"/>
+                  </a:ext>
+                </a:extLst>
+              </p:cNvPr>
+              <p:cNvSpPr>
+                <a:spLocks noRot="1" noChangeAspect="1" noMove="1" noResize="1" noEditPoints="1" noAdjustHandles="1" noChangeArrowheads="1" noChangeShapeType="1" noTextEdit="1"/>
+              </p:cNvSpPr>
+              <p:nvPr/>
+            </p:nvSpPr>
+            <p:spPr>
+              <a:xfrm>
+                <a:off x="8341843" y="4568198"/>
+                <a:ext cx="2645940" cy="1908551"/>
+              </a:xfrm>
+              <a:prstGeom prst="rect">
+                <a:avLst/>
+              </a:prstGeom>
+              <a:blipFill>
+                <a:blip r:embed="rId6"/>
+                <a:stretch>
+                  <a:fillRect r="-4817"/>
+                </a:stretch>
+              </a:blipFill>
+            </p:spPr>
+            <p:txBody>
+              <a:bodyPr/>
+              <a:lstStyle/>
+              <a:p>
+                <a:r>
+                  <a:rPr lang="zh-CN" altLang="en-US">
+                    <a:noFill/>
+                  </a:rPr>
+                  <a:t> </a:t>
+                </a:r>
+              </a:p>
+            </p:txBody>
+          </p:sp>
+        </mc:Fallback>
+      </mc:AlternateContent>
+      <p:grpSp>
+        <p:nvGrpSpPr>
+          <p:cNvPr id="190" name="组合 189">
+            <a:extLst>
+              <a:ext uri="{FF2B5EF4-FFF2-40B4-BE49-F238E27FC236}">
+                <a16:creationId xmlns:a16="http://schemas.microsoft.com/office/drawing/2014/main" id="{DEDE9826-02F9-40E7-8C80-A08344FBC0C6}"/>
+              </a:ext>
+            </a:extLst>
+          </p:cNvPr>
+          <p:cNvGrpSpPr/>
+          <p:nvPr/>
+        </p:nvGrpSpPr>
+        <p:grpSpPr>
+          <a:xfrm>
+            <a:off x="2273214" y="2629927"/>
+            <a:ext cx="4121740" cy="1938271"/>
+            <a:chOff x="2289943" y="2822538"/>
+            <a:chExt cx="4121740" cy="1938271"/>
+          </a:xfrm>
+        </p:grpSpPr>
+        <p:grpSp>
+          <p:nvGrpSpPr>
+            <p:cNvPr id="46" name="组合 45">
+              <a:extLst>
+                <a:ext uri="{FF2B5EF4-FFF2-40B4-BE49-F238E27FC236}">
+                  <a16:creationId xmlns:a16="http://schemas.microsoft.com/office/drawing/2014/main" id="{E46DA71D-2ED3-498A-8E9C-7CFCBF89B020}"/>
+                </a:ext>
+              </a:extLst>
+            </p:cNvPr>
+            <p:cNvGrpSpPr/>
+            <p:nvPr/>
+          </p:nvGrpSpPr>
+          <p:grpSpPr>
+            <a:xfrm>
+              <a:off x="2289943" y="2953275"/>
+              <a:ext cx="3243490" cy="1807534"/>
+              <a:chOff x="2337463" y="851690"/>
+              <a:chExt cx="3243490" cy="1807534"/>
+            </a:xfrm>
+          </p:grpSpPr>
+          <p:sp>
+            <p:nvSpPr>
+              <p:cNvPr id="47" name="矩形 46">
+                <a:extLst>
+                  <a:ext uri="{FF2B5EF4-FFF2-40B4-BE49-F238E27FC236}">
+                    <a16:creationId xmlns:a16="http://schemas.microsoft.com/office/drawing/2014/main" id="{DD0C1D29-BCB3-44AD-B8E5-BA8E851C384E}"/>
+                  </a:ext>
+                </a:extLst>
+              </p:cNvPr>
+              <p:cNvSpPr/>
+              <p:nvPr/>
+            </p:nvSpPr>
+            <p:spPr>
+              <a:xfrm>
+                <a:off x="4984648" y="1421136"/>
+                <a:ext cx="214871" cy="234892"/>
+              </a:xfrm>
+              <a:prstGeom prst="rect">
+                <a:avLst/>
+              </a:prstGeom>
+            </p:spPr>
+            <p:style>
+              <a:lnRef idx="1">
+                <a:schemeClr val="accent1"/>
+              </a:lnRef>
+              <a:fillRef idx="2">
+                <a:schemeClr val="accent1"/>
+              </a:fillRef>
+              <a:effectRef idx="1">
+                <a:schemeClr val="accent1"/>
+              </a:effectRef>
+              <a:fontRef idx="minor">
+                <a:schemeClr val="dk1"/>
+              </a:fontRef>
+            </p:style>
+            <p:txBody>
+              <a:bodyPr rtlCol="0" anchor="ctr"/>
+              <a:lstStyle/>
+              <a:p>
+                <a:pPr algn="ctr"/>
+                <a:r>
+                  <a:rPr lang="en-US" altLang="zh-CN" dirty="0"/>
+                  <a:t>h</a:t>
+                </a:r>
+                <a:endParaRPr lang="zh-CN" altLang="en-US" dirty="0"/>
+              </a:p>
+            </p:txBody>
+          </p:sp>
+          <p:grpSp>
+            <p:nvGrpSpPr>
+              <p:cNvPr id="48" name="组合 47">
+                <a:extLst>
+                  <a:ext uri="{FF2B5EF4-FFF2-40B4-BE49-F238E27FC236}">
+                    <a16:creationId xmlns:a16="http://schemas.microsoft.com/office/drawing/2014/main" id="{BB200130-4B51-4514-A2C1-C62FB2E4C8ED}"/>
+                  </a:ext>
+                </a:extLst>
+              </p:cNvPr>
+              <p:cNvGrpSpPr/>
+              <p:nvPr/>
+            </p:nvGrpSpPr>
+            <p:grpSpPr>
+              <a:xfrm>
+                <a:off x="2337463" y="1426129"/>
+                <a:ext cx="411061" cy="234892"/>
+                <a:chOff x="1040235" y="1426128"/>
+                <a:chExt cx="754283" cy="310393"/>
+              </a:xfrm>
+            </p:grpSpPr>
+            <p:sp>
+              <p:nvSpPr>
+                <p:cNvPr id="84" name="矩形 83">
+                  <a:extLst>
+                    <a:ext uri="{FF2B5EF4-FFF2-40B4-BE49-F238E27FC236}">
+                      <a16:creationId xmlns:a16="http://schemas.microsoft.com/office/drawing/2014/main" id="{CE56CD25-B165-4FDC-8C19-E32D73FF26E8}"/>
+                    </a:ext>
+                  </a:extLst>
+                </p:cNvPr>
+                <p:cNvSpPr/>
+                <p:nvPr/>
+              </p:nvSpPr>
+              <p:spPr>
+                <a:xfrm>
+                  <a:off x="1040235" y="1426128"/>
+                  <a:ext cx="394283" cy="310393"/>
+                </a:xfrm>
+                <a:prstGeom prst="rect">
+                  <a:avLst/>
+                </a:prstGeom>
+                <a:ln>
+                  <a:noFill/>
+                </a:ln>
+              </p:spPr>
+              <p:style>
+                <a:lnRef idx="2">
+                  <a:schemeClr val="accent1"/>
+                </a:lnRef>
+                <a:fillRef idx="1">
+                  <a:schemeClr val="lt1"/>
+                </a:fillRef>
+                <a:effectRef idx="0">
+                  <a:schemeClr val="accent1"/>
+                </a:effectRef>
+                <a:fontRef idx="minor">
+                  <a:schemeClr val="dk1"/>
+                </a:fontRef>
+              </p:style>
+              <p:txBody>
+                <a:bodyPr rtlCol="0" anchor="ctr"/>
+                <a:lstStyle/>
+                <a:p>
+                  <a:pPr algn="ctr"/>
+                  <a:r>
+                    <a:rPr lang="en-US" altLang="zh-CN" dirty="0"/>
+                    <a:t>…</a:t>
+                  </a:r>
+                </a:p>
+                <a:p>
+                  <a:pPr algn="ctr"/>
+                  <a:endParaRPr lang="zh-CN" altLang="en-US" dirty="0"/>
+                </a:p>
+              </p:txBody>
+            </p:sp>
+            <p:cxnSp>
+              <p:nvCxnSpPr>
+                <p:cNvPr id="85" name="直接箭头连接符 84">
+                  <a:extLst>
+                    <a:ext uri="{FF2B5EF4-FFF2-40B4-BE49-F238E27FC236}">
+                      <a16:creationId xmlns:a16="http://schemas.microsoft.com/office/drawing/2014/main" id="{4EE55A45-6932-42CA-A320-80F49283808D}"/>
+                    </a:ext>
+                  </a:extLst>
+                </p:cNvPr>
+                <p:cNvCxnSpPr>
+                  <a:cxnSpLocks/>
+                  <a:endCxn id="84" idx="3"/>
+                </p:cNvCxnSpPr>
+                <p:nvPr/>
+              </p:nvCxnSpPr>
+              <p:spPr>
+                <a:xfrm flipH="1">
+                  <a:off x="1434518" y="1581325"/>
+                  <a:ext cx="360000" cy="0"/>
+                </a:xfrm>
+                <a:prstGeom prst="straightConnector1">
+                  <a:avLst/>
+                </a:prstGeom>
+                <a:ln>
+                  <a:tailEnd type="triangle"/>
+                </a:ln>
+              </p:spPr>
+              <p:style>
+                <a:lnRef idx="1">
+                  <a:schemeClr val="dk1"/>
+                </a:lnRef>
+                <a:fillRef idx="0">
+                  <a:schemeClr val="dk1"/>
+                </a:fillRef>
+                <a:effectRef idx="0">
+                  <a:schemeClr val="dk1"/>
+                </a:effectRef>
+                <a:fontRef idx="minor">
+                  <a:schemeClr val="tx1"/>
+                </a:fontRef>
+              </p:style>
+            </p:cxnSp>
+          </p:grpSp>
+          <p:grpSp>
+            <p:nvGrpSpPr>
+              <p:cNvPr id="49" name="组合 48">
+                <a:extLst>
+                  <a:ext uri="{FF2B5EF4-FFF2-40B4-BE49-F238E27FC236}">
+                    <a16:creationId xmlns:a16="http://schemas.microsoft.com/office/drawing/2014/main" id="{B3E4E0A4-E526-4175-A67C-9B98CC6B8046}"/>
+                  </a:ext>
+                </a:extLst>
+              </p:cNvPr>
+              <p:cNvGrpSpPr/>
+              <p:nvPr/>
+            </p:nvGrpSpPr>
+            <p:grpSpPr>
+              <a:xfrm>
+                <a:off x="2775208" y="1426129"/>
+                <a:ext cx="411060" cy="234892"/>
+                <a:chOff x="1040235" y="1426128"/>
+                <a:chExt cx="754282" cy="310393"/>
+              </a:xfrm>
+            </p:grpSpPr>
+            <p:sp>
+              <p:nvSpPr>
+                <p:cNvPr id="82" name="矩形 81">
+                  <a:extLst>
+                    <a:ext uri="{FF2B5EF4-FFF2-40B4-BE49-F238E27FC236}">
+                      <a16:creationId xmlns:a16="http://schemas.microsoft.com/office/drawing/2014/main" id="{82D05A60-F0E2-4957-8A23-979217951DE3}"/>
+                    </a:ext>
+                  </a:extLst>
+                </p:cNvPr>
+                <p:cNvSpPr/>
+                <p:nvPr/>
+              </p:nvSpPr>
+              <p:spPr>
+                <a:xfrm>
+                  <a:off x="1040235" y="1426128"/>
+                  <a:ext cx="394282" cy="310393"/>
+                </a:xfrm>
+                <a:prstGeom prst="rect">
+                  <a:avLst/>
+                </a:prstGeom>
+              </p:spPr>
+              <p:style>
+                <a:lnRef idx="1">
+                  <a:schemeClr val="accent1"/>
+                </a:lnRef>
+                <a:fillRef idx="2">
+                  <a:schemeClr val="accent1"/>
+                </a:fillRef>
+                <a:effectRef idx="1">
+                  <a:schemeClr val="accent1"/>
+                </a:effectRef>
+                <a:fontRef idx="minor">
+                  <a:schemeClr val="dk1"/>
+                </a:fontRef>
+              </p:style>
+              <p:txBody>
+                <a:bodyPr rtlCol="0" anchor="ctr"/>
+                <a:lstStyle/>
+                <a:p>
+                  <a:pPr algn="ctr"/>
+                  <a:endParaRPr lang="zh-CN" altLang="en-US"/>
+                </a:p>
+              </p:txBody>
+            </p:sp>
+            <p:cxnSp>
+              <p:nvCxnSpPr>
+                <p:cNvPr id="83" name="直接箭头连接符 82">
+                  <a:extLst>
+                    <a:ext uri="{FF2B5EF4-FFF2-40B4-BE49-F238E27FC236}">
+                      <a16:creationId xmlns:a16="http://schemas.microsoft.com/office/drawing/2014/main" id="{4792A30C-5C63-4E19-92C2-D286852809D0}"/>
+                    </a:ext>
+                  </a:extLst>
+                </p:cNvPr>
+                <p:cNvCxnSpPr>
+                  <a:cxnSpLocks/>
+                  <a:endCxn id="82" idx="3"/>
+                </p:cNvCxnSpPr>
+                <p:nvPr/>
+              </p:nvCxnSpPr>
+              <p:spPr>
+                <a:xfrm flipH="1">
+                  <a:off x="1434517" y="1581325"/>
+                  <a:ext cx="360000" cy="0"/>
+                </a:xfrm>
+                <a:prstGeom prst="straightConnector1">
+                  <a:avLst/>
+                </a:prstGeom>
+                <a:ln>
+                  <a:tailEnd type="triangle"/>
+                </a:ln>
+              </p:spPr>
+              <p:style>
+                <a:lnRef idx="1">
+                  <a:schemeClr val="dk1"/>
+                </a:lnRef>
+                <a:fillRef idx="0">
+                  <a:schemeClr val="dk1"/>
+                </a:fillRef>
+                <a:effectRef idx="0">
+                  <a:schemeClr val="dk1"/>
+                </a:effectRef>
+                <a:fontRef idx="minor">
+                  <a:schemeClr val="tx1"/>
+                </a:fontRef>
+              </p:style>
+            </p:cxnSp>
+          </p:grpSp>
+          <p:grpSp>
+            <p:nvGrpSpPr>
+              <p:cNvPr id="50" name="组合 49">
+                <a:extLst>
+                  <a:ext uri="{FF2B5EF4-FFF2-40B4-BE49-F238E27FC236}">
+                    <a16:creationId xmlns:a16="http://schemas.microsoft.com/office/drawing/2014/main" id="{0BC7F5FF-8A74-4ECB-A0B8-D0E3B088173C}"/>
+                  </a:ext>
+                </a:extLst>
+              </p:cNvPr>
+              <p:cNvGrpSpPr/>
+              <p:nvPr/>
+            </p:nvGrpSpPr>
+            <p:grpSpPr>
+              <a:xfrm>
+                <a:off x="3204950" y="1426129"/>
+                <a:ext cx="411060" cy="234892"/>
+                <a:chOff x="1040235" y="1426128"/>
+                <a:chExt cx="754282" cy="310393"/>
+              </a:xfrm>
+            </p:grpSpPr>
+            <p:sp>
+              <p:nvSpPr>
+                <p:cNvPr id="80" name="矩形 79">
+                  <a:extLst>
+                    <a:ext uri="{FF2B5EF4-FFF2-40B4-BE49-F238E27FC236}">
+                      <a16:creationId xmlns:a16="http://schemas.microsoft.com/office/drawing/2014/main" id="{6420D5BF-843A-4F40-BC06-5CAC5DC6AF4F}"/>
+                    </a:ext>
+                  </a:extLst>
+                </p:cNvPr>
+                <p:cNvSpPr/>
+                <p:nvPr/>
+              </p:nvSpPr>
+              <p:spPr>
+                <a:xfrm>
+                  <a:off x="1040235" y="1426128"/>
+                  <a:ext cx="394282" cy="310393"/>
+                </a:xfrm>
+                <a:prstGeom prst="rect">
+                  <a:avLst/>
+                </a:prstGeom>
+              </p:spPr>
+              <p:style>
+                <a:lnRef idx="1">
+                  <a:schemeClr val="accent1"/>
+                </a:lnRef>
+                <a:fillRef idx="2">
+                  <a:schemeClr val="accent1"/>
+                </a:fillRef>
+                <a:effectRef idx="1">
+                  <a:schemeClr val="accent1"/>
+                </a:effectRef>
+                <a:fontRef idx="minor">
+                  <a:schemeClr val="dk1"/>
+                </a:fontRef>
+              </p:style>
+              <p:txBody>
+                <a:bodyPr rtlCol="0" anchor="ctr"/>
+                <a:lstStyle/>
+                <a:p>
+                  <a:pPr algn="ctr"/>
+                  <a:endParaRPr lang="zh-CN" altLang="en-US"/>
+                </a:p>
+              </p:txBody>
+            </p:sp>
+            <p:cxnSp>
+              <p:nvCxnSpPr>
+                <p:cNvPr id="81" name="直接箭头连接符 80">
+                  <a:extLst>
+                    <a:ext uri="{FF2B5EF4-FFF2-40B4-BE49-F238E27FC236}">
+                      <a16:creationId xmlns:a16="http://schemas.microsoft.com/office/drawing/2014/main" id="{3ECEE5C4-A3B2-49AB-B382-2CB484AF0176}"/>
+                    </a:ext>
+                  </a:extLst>
+                </p:cNvPr>
+                <p:cNvCxnSpPr>
+                  <a:cxnSpLocks/>
+                  <a:endCxn id="80" idx="3"/>
+                </p:cNvCxnSpPr>
+                <p:nvPr/>
+              </p:nvCxnSpPr>
+              <p:spPr>
+                <a:xfrm flipH="1">
+                  <a:off x="1434517" y="1581325"/>
+                  <a:ext cx="360000" cy="0"/>
+                </a:xfrm>
+                <a:prstGeom prst="straightConnector1">
+                  <a:avLst/>
+                </a:prstGeom>
+                <a:ln>
+                  <a:tailEnd type="triangle"/>
+                </a:ln>
+              </p:spPr>
+              <p:style>
+                <a:lnRef idx="1">
+                  <a:schemeClr val="dk1"/>
+                </a:lnRef>
+                <a:fillRef idx="0">
+                  <a:schemeClr val="dk1"/>
+                </a:fillRef>
+                <a:effectRef idx="0">
+                  <a:schemeClr val="dk1"/>
+                </a:effectRef>
+                <a:fontRef idx="minor">
+                  <a:schemeClr val="tx1"/>
+                </a:fontRef>
+              </p:style>
+            </p:cxnSp>
+          </p:grpSp>
+          <p:grpSp>
+            <p:nvGrpSpPr>
+              <p:cNvPr id="51" name="组合 50">
+                <a:extLst>
+                  <a:ext uri="{FF2B5EF4-FFF2-40B4-BE49-F238E27FC236}">
+                    <a16:creationId xmlns:a16="http://schemas.microsoft.com/office/drawing/2014/main" id="{BCD7326C-171D-400F-84C9-21F86B4555DD}"/>
+                  </a:ext>
+                </a:extLst>
+              </p:cNvPr>
+              <p:cNvGrpSpPr/>
+              <p:nvPr/>
+            </p:nvGrpSpPr>
+            <p:grpSpPr>
+              <a:xfrm>
+                <a:off x="3634692" y="1895770"/>
+                <a:ext cx="411060" cy="234892"/>
+                <a:chOff x="1040235" y="1426128"/>
+                <a:chExt cx="754282" cy="310393"/>
+              </a:xfrm>
+            </p:grpSpPr>
+            <p:sp>
+              <p:nvSpPr>
+                <p:cNvPr id="78" name="矩形 77">
+                  <a:extLst>
+                    <a:ext uri="{FF2B5EF4-FFF2-40B4-BE49-F238E27FC236}">
+                      <a16:creationId xmlns:a16="http://schemas.microsoft.com/office/drawing/2014/main" id="{6CF48583-21AC-4C9C-A06E-00AADA113B81}"/>
+                    </a:ext>
+                  </a:extLst>
+                </p:cNvPr>
+                <p:cNvSpPr/>
+                <p:nvPr/>
+              </p:nvSpPr>
+              <p:spPr>
+                <a:xfrm>
+                  <a:off x="1040235" y="1426128"/>
+                  <a:ext cx="394282" cy="310393"/>
+                </a:xfrm>
+                <a:prstGeom prst="rect">
+                  <a:avLst/>
+                </a:prstGeom>
+              </p:spPr>
+              <p:style>
+                <a:lnRef idx="1">
+                  <a:schemeClr val="accent2"/>
+                </a:lnRef>
+                <a:fillRef idx="2">
+                  <a:schemeClr val="accent2"/>
+                </a:fillRef>
+                <a:effectRef idx="1">
+                  <a:schemeClr val="accent2"/>
+                </a:effectRef>
+                <a:fontRef idx="minor">
+                  <a:schemeClr val="dk1"/>
+                </a:fontRef>
+              </p:style>
+              <p:txBody>
+                <a:bodyPr rtlCol="0" anchor="ctr"/>
+                <a:lstStyle/>
+                <a:p>
+                  <a:pPr algn="ctr"/>
+                  <a:r>
+                    <a:rPr lang="en-US" altLang="zh-CN" dirty="0"/>
+                    <a:t>a</a:t>
+                  </a:r>
+                  <a:endParaRPr lang="zh-CN" altLang="en-US" dirty="0"/>
+                </a:p>
+              </p:txBody>
+            </p:sp>
+            <p:cxnSp>
+              <p:nvCxnSpPr>
+                <p:cNvPr id="79" name="直接箭头连接符 78">
+                  <a:extLst>
+                    <a:ext uri="{FF2B5EF4-FFF2-40B4-BE49-F238E27FC236}">
+                      <a16:creationId xmlns:a16="http://schemas.microsoft.com/office/drawing/2014/main" id="{2266BBF8-27C6-4CB1-B832-253E5BE45986}"/>
+                    </a:ext>
+                  </a:extLst>
+                </p:cNvPr>
+                <p:cNvCxnSpPr>
+                  <a:cxnSpLocks/>
+                  <a:endCxn id="78" idx="3"/>
+                </p:cNvCxnSpPr>
+                <p:nvPr/>
+              </p:nvCxnSpPr>
+              <p:spPr>
+                <a:xfrm flipH="1">
+                  <a:off x="1434517" y="1581325"/>
+                  <a:ext cx="360000" cy="0"/>
+                </a:xfrm>
+                <a:prstGeom prst="straightConnector1">
+                  <a:avLst/>
+                </a:prstGeom>
+                <a:ln>
+                  <a:tailEnd type="triangle"/>
+                </a:ln>
+              </p:spPr>
+              <p:style>
+                <a:lnRef idx="1">
+                  <a:schemeClr val="dk1"/>
+                </a:lnRef>
+                <a:fillRef idx="0">
+                  <a:schemeClr val="dk1"/>
+                </a:fillRef>
+                <a:effectRef idx="0">
+                  <a:schemeClr val="dk1"/>
+                </a:effectRef>
+                <a:fontRef idx="minor">
+                  <a:schemeClr val="tx1"/>
+                </a:fontRef>
+              </p:style>
+            </p:cxnSp>
+          </p:grpSp>
+          <p:grpSp>
+            <p:nvGrpSpPr>
+              <p:cNvPr id="52" name="组合 51">
+                <a:extLst>
+                  <a:ext uri="{FF2B5EF4-FFF2-40B4-BE49-F238E27FC236}">
+                    <a16:creationId xmlns:a16="http://schemas.microsoft.com/office/drawing/2014/main" id="{632ABBA4-7DFF-4AB2-8BD9-87A302121749}"/>
+                  </a:ext>
+                </a:extLst>
+              </p:cNvPr>
+              <p:cNvGrpSpPr/>
+              <p:nvPr/>
+            </p:nvGrpSpPr>
+            <p:grpSpPr>
+              <a:xfrm>
+                <a:off x="3634692" y="1426129"/>
+                <a:ext cx="411060" cy="234892"/>
+                <a:chOff x="1040235" y="1426128"/>
+                <a:chExt cx="754282" cy="310393"/>
+              </a:xfrm>
+            </p:grpSpPr>
+            <p:sp>
+              <p:nvSpPr>
+                <p:cNvPr id="76" name="矩形 75">
+                  <a:extLst>
+                    <a:ext uri="{FF2B5EF4-FFF2-40B4-BE49-F238E27FC236}">
+                      <a16:creationId xmlns:a16="http://schemas.microsoft.com/office/drawing/2014/main" id="{410F1DBA-DD23-4AC2-8185-4AD86BDBDB58}"/>
+                    </a:ext>
+                  </a:extLst>
+                </p:cNvPr>
+                <p:cNvSpPr/>
+                <p:nvPr/>
+              </p:nvSpPr>
+              <p:spPr>
+                <a:xfrm>
+                  <a:off x="1040235" y="1426128"/>
+                  <a:ext cx="394282" cy="310393"/>
+                </a:xfrm>
+                <a:prstGeom prst="rect">
+                  <a:avLst/>
+                </a:prstGeom>
+              </p:spPr>
+              <p:style>
+                <a:lnRef idx="1">
+                  <a:schemeClr val="accent1"/>
+                </a:lnRef>
+                <a:fillRef idx="2">
+                  <a:schemeClr val="accent1"/>
+                </a:fillRef>
+                <a:effectRef idx="1">
+                  <a:schemeClr val="accent1"/>
+                </a:effectRef>
+                <a:fontRef idx="minor">
+                  <a:schemeClr val="dk1"/>
+                </a:fontRef>
+              </p:style>
+              <p:txBody>
+                <a:bodyPr rtlCol="0" anchor="ctr"/>
+                <a:lstStyle/>
+                <a:p>
+                  <a:pPr algn="ctr"/>
+                  <a:endParaRPr lang="zh-CN" altLang="en-US" dirty="0"/>
+                </a:p>
+              </p:txBody>
+            </p:sp>
+            <p:cxnSp>
+              <p:nvCxnSpPr>
+                <p:cNvPr id="77" name="直接箭头连接符 76">
+                  <a:extLst>
+                    <a:ext uri="{FF2B5EF4-FFF2-40B4-BE49-F238E27FC236}">
+                      <a16:creationId xmlns:a16="http://schemas.microsoft.com/office/drawing/2014/main" id="{1648467E-C31D-4105-8C7E-7D90F6E827F7}"/>
+                    </a:ext>
+                  </a:extLst>
+                </p:cNvPr>
+                <p:cNvCxnSpPr>
+                  <a:cxnSpLocks/>
+                  <a:endCxn id="76" idx="3"/>
+                </p:cNvCxnSpPr>
+                <p:nvPr/>
+              </p:nvCxnSpPr>
+              <p:spPr>
+                <a:xfrm flipH="1">
+                  <a:off x="1434517" y="1581325"/>
+                  <a:ext cx="360000" cy="0"/>
+                </a:xfrm>
+                <a:prstGeom prst="straightConnector1">
+                  <a:avLst/>
+                </a:prstGeom>
+                <a:ln>
+                  <a:tailEnd type="triangle"/>
+                </a:ln>
+              </p:spPr>
+              <p:style>
+                <a:lnRef idx="1">
+                  <a:schemeClr val="dk1"/>
+                </a:lnRef>
+                <a:fillRef idx="0">
+                  <a:schemeClr val="dk1"/>
+                </a:fillRef>
+                <a:effectRef idx="0">
+                  <a:schemeClr val="dk1"/>
+                </a:effectRef>
+                <a:fontRef idx="minor">
+                  <a:schemeClr val="tx1"/>
+                </a:fontRef>
+              </p:style>
+            </p:cxnSp>
+          </p:grpSp>
+          <p:cxnSp>
+            <p:nvCxnSpPr>
+              <p:cNvPr id="53" name="直接连接符 52">
+                <a:extLst>
+                  <a:ext uri="{FF2B5EF4-FFF2-40B4-BE49-F238E27FC236}">
+                    <a16:creationId xmlns:a16="http://schemas.microsoft.com/office/drawing/2014/main" id="{7E3560F8-DD55-4611-8623-5B343BF7C120}"/>
+                  </a:ext>
+                </a:extLst>
+              </p:cNvPr>
+              <p:cNvCxnSpPr>
+                <a:cxnSpLocks/>
+              </p:cNvCxnSpPr>
+              <p:nvPr/>
+            </p:nvCxnSpPr>
+            <p:spPr>
+              <a:xfrm flipH="1">
+                <a:off x="3491694" y="1040535"/>
+                <a:ext cx="35562" cy="1618689"/>
+              </a:xfrm>
+              <a:prstGeom prst="line">
+                <a:avLst/>
+              </a:prstGeom>
+              <a:ln w="25400">
+                <a:prstDash val="dash"/>
+              </a:ln>
+            </p:spPr>
+            <p:style>
+              <a:lnRef idx="1">
+                <a:schemeClr val="dk1"/>
+              </a:lnRef>
+              <a:fillRef idx="0">
+                <a:schemeClr val="dk1"/>
+              </a:fillRef>
+              <a:effectRef idx="0">
+                <a:schemeClr val="dk1"/>
+              </a:effectRef>
+              <a:fontRef idx="minor">
+                <a:schemeClr val="tx1"/>
+              </a:fontRef>
+            </p:style>
+          </p:cxnSp>
+          <p:cxnSp>
+            <p:nvCxnSpPr>
+              <p:cNvPr id="54" name="直接箭头连接符 53">
+                <a:extLst>
+                  <a:ext uri="{FF2B5EF4-FFF2-40B4-BE49-F238E27FC236}">
+                    <a16:creationId xmlns:a16="http://schemas.microsoft.com/office/drawing/2014/main" id="{F34513A2-F1ED-4BC3-8BF0-A3F7984E26DF}"/>
+                  </a:ext>
+                </a:extLst>
+              </p:cNvPr>
+              <p:cNvCxnSpPr>
+                <a:stCxn id="78" idx="1"/>
+                <a:endCxn id="80" idx="3"/>
+              </p:cNvCxnSpPr>
+              <p:nvPr/>
+            </p:nvCxnSpPr>
+            <p:spPr>
+              <a:xfrm flipH="1" flipV="1">
+                <a:off x="3419821" y="1543575"/>
+                <a:ext cx="214871" cy="469641"/>
+              </a:xfrm>
+              <a:prstGeom prst="straightConnector1">
+                <a:avLst/>
+              </a:prstGeom>
+              <a:ln>
+                <a:tailEnd type="triangle"/>
+              </a:ln>
+            </p:spPr>
+            <p:style>
+              <a:lnRef idx="1">
+                <a:schemeClr val="dk1"/>
+              </a:lnRef>
+              <a:fillRef idx="0">
+                <a:schemeClr val="dk1"/>
+              </a:fillRef>
+              <a:effectRef idx="0">
+                <a:schemeClr val="dk1"/>
+              </a:effectRef>
+              <a:fontRef idx="minor">
+                <a:schemeClr val="tx1"/>
+              </a:fontRef>
+            </p:style>
+          </p:cxnSp>
+          <p:grpSp>
+            <p:nvGrpSpPr>
+              <p:cNvPr id="55" name="组合 54">
+                <a:extLst>
+                  <a:ext uri="{FF2B5EF4-FFF2-40B4-BE49-F238E27FC236}">
+                    <a16:creationId xmlns:a16="http://schemas.microsoft.com/office/drawing/2014/main" id="{819A3850-8236-4919-BAEE-334A76A1BB11}"/>
+                  </a:ext>
+                </a:extLst>
+              </p:cNvPr>
+              <p:cNvGrpSpPr/>
+              <p:nvPr/>
+            </p:nvGrpSpPr>
+            <p:grpSpPr>
+              <a:xfrm>
+                <a:off x="4055093" y="1426129"/>
+                <a:ext cx="411060" cy="234892"/>
+                <a:chOff x="1040235" y="1426128"/>
+                <a:chExt cx="754282" cy="310393"/>
+              </a:xfrm>
+            </p:grpSpPr>
+            <p:sp>
+              <p:nvSpPr>
+                <p:cNvPr id="74" name="矩形 73">
+                  <a:extLst>
+                    <a:ext uri="{FF2B5EF4-FFF2-40B4-BE49-F238E27FC236}">
+                      <a16:creationId xmlns:a16="http://schemas.microsoft.com/office/drawing/2014/main" id="{16445D2C-3516-4A76-848C-6BDE56475B6D}"/>
+                    </a:ext>
+                  </a:extLst>
+                </p:cNvPr>
+                <p:cNvSpPr/>
+                <p:nvPr/>
+              </p:nvSpPr>
+              <p:spPr>
+                <a:xfrm>
+                  <a:off x="1040235" y="1426128"/>
+                  <a:ext cx="394282" cy="310393"/>
+                </a:xfrm>
+                <a:prstGeom prst="rect">
+                  <a:avLst/>
+                </a:prstGeom>
+              </p:spPr>
+              <p:style>
+                <a:lnRef idx="1">
+                  <a:schemeClr val="accent1"/>
+                </a:lnRef>
+                <a:fillRef idx="2">
+                  <a:schemeClr val="accent1"/>
+                </a:fillRef>
+                <a:effectRef idx="1">
+                  <a:schemeClr val="accent1"/>
+                </a:effectRef>
+                <a:fontRef idx="minor">
+                  <a:schemeClr val="dk1"/>
+                </a:fontRef>
+              </p:style>
+              <p:txBody>
+                <a:bodyPr rtlCol="0" anchor="ctr"/>
+                <a:lstStyle/>
+                <a:p>
+                  <a:pPr algn="ctr"/>
+                  <a:endParaRPr lang="zh-CN" altLang="en-US"/>
+                </a:p>
+              </p:txBody>
+            </p:sp>
+            <p:cxnSp>
+              <p:nvCxnSpPr>
+                <p:cNvPr id="75" name="直接箭头连接符 74">
+                  <a:extLst>
+                    <a:ext uri="{FF2B5EF4-FFF2-40B4-BE49-F238E27FC236}">
+                      <a16:creationId xmlns:a16="http://schemas.microsoft.com/office/drawing/2014/main" id="{42C93911-B22D-4288-8A21-AC19488E9C6C}"/>
+                    </a:ext>
+                  </a:extLst>
+                </p:cNvPr>
+                <p:cNvCxnSpPr>
+                  <a:cxnSpLocks/>
+                  <a:endCxn id="74" idx="3"/>
+                </p:cNvCxnSpPr>
+                <p:nvPr/>
+              </p:nvCxnSpPr>
+              <p:spPr>
+                <a:xfrm flipH="1">
+                  <a:off x="1434517" y="1581325"/>
+                  <a:ext cx="360000" cy="0"/>
+                </a:xfrm>
+                <a:prstGeom prst="straightConnector1">
+                  <a:avLst/>
+                </a:prstGeom>
+                <a:ln>
+                  <a:tailEnd type="triangle"/>
+                </a:ln>
+              </p:spPr>
+              <p:style>
+                <a:lnRef idx="1">
+                  <a:schemeClr val="dk1"/>
+                </a:lnRef>
+                <a:fillRef idx="0">
+                  <a:schemeClr val="dk1"/>
+                </a:fillRef>
+                <a:effectRef idx="0">
+                  <a:schemeClr val="dk1"/>
+                </a:effectRef>
+                <a:fontRef idx="minor">
+                  <a:schemeClr val="tx1"/>
+                </a:fontRef>
+              </p:style>
+            </p:cxnSp>
+          </p:grpSp>
+          <p:grpSp>
+            <p:nvGrpSpPr>
+              <p:cNvPr id="56" name="组合 55">
+                <a:extLst>
+                  <a:ext uri="{FF2B5EF4-FFF2-40B4-BE49-F238E27FC236}">
+                    <a16:creationId xmlns:a16="http://schemas.microsoft.com/office/drawing/2014/main" id="{02E5ADD7-BC3D-426D-9D7B-3172C2064B8D}"/>
+                  </a:ext>
+                </a:extLst>
+              </p:cNvPr>
+              <p:cNvGrpSpPr/>
+              <p:nvPr/>
+            </p:nvGrpSpPr>
+            <p:grpSpPr>
+              <a:xfrm>
+                <a:off x="4079341" y="1899051"/>
+                <a:ext cx="411060" cy="234892"/>
+                <a:chOff x="1040235" y="1426128"/>
+                <a:chExt cx="754282" cy="310393"/>
+              </a:xfrm>
+            </p:grpSpPr>
+            <p:sp>
+              <p:nvSpPr>
+                <p:cNvPr id="72" name="矩形 71">
+                  <a:extLst>
+                    <a:ext uri="{FF2B5EF4-FFF2-40B4-BE49-F238E27FC236}">
+                      <a16:creationId xmlns:a16="http://schemas.microsoft.com/office/drawing/2014/main" id="{1CBA68A6-1143-4496-95D4-97A29E384A98}"/>
+                    </a:ext>
+                  </a:extLst>
+                </p:cNvPr>
+                <p:cNvSpPr/>
+                <p:nvPr/>
+              </p:nvSpPr>
+              <p:spPr>
+                <a:xfrm>
+                  <a:off x="1040235" y="1426128"/>
+                  <a:ext cx="394282" cy="310393"/>
+                </a:xfrm>
+                <a:prstGeom prst="rect">
+                  <a:avLst/>
+                </a:prstGeom>
+              </p:spPr>
+              <p:style>
+                <a:lnRef idx="1">
+                  <a:schemeClr val="accent2"/>
+                </a:lnRef>
+                <a:fillRef idx="2">
+                  <a:schemeClr val="accent2"/>
+                </a:fillRef>
+                <a:effectRef idx="1">
+                  <a:schemeClr val="accent2"/>
+                </a:effectRef>
+                <a:fontRef idx="minor">
+                  <a:schemeClr val="dk1"/>
+                </a:fontRef>
+              </p:style>
+              <p:txBody>
+                <a:bodyPr rtlCol="0" anchor="ctr"/>
+                <a:lstStyle/>
+                <a:p>
+                  <a:pPr algn="ctr"/>
+                  <a:endParaRPr lang="zh-CN" altLang="en-US"/>
+                </a:p>
+              </p:txBody>
+            </p:sp>
+            <p:cxnSp>
+              <p:nvCxnSpPr>
+                <p:cNvPr id="73" name="直接箭头连接符 72">
+                  <a:extLst>
+                    <a:ext uri="{FF2B5EF4-FFF2-40B4-BE49-F238E27FC236}">
+                      <a16:creationId xmlns:a16="http://schemas.microsoft.com/office/drawing/2014/main" id="{E5F840EF-8F35-4AB0-94C3-2A3A6C549C09}"/>
+                    </a:ext>
+                  </a:extLst>
+                </p:cNvPr>
+                <p:cNvCxnSpPr>
+                  <a:cxnSpLocks/>
+                  <a:endCxn id="72" idx="3"/>
+                </p:cNvCxnSpPr>
+                <p:nvPr/>
+              </p:nvCxnSpPr>
+              <p:spPr>
+                <a:xfrm flipH="1">
+                  <a:off x="1434517" y="1581325"/>
+                  <a:ext cx="360000" cy="0"/>
+                </a:xfrm>
+                <a:prstGeom prst="straightConnector1">
+                  <a:avLst/>
+                </a:prstGeom>
+                <a:ln>
+                  <a:tailEnd type="triangle"/>
+                </a:ln>
+              </p:spPr>
+              <p:style>
+                <a:lnRef idx="1">
+                  <a:schemeClr val="dk1"/>
+                </a:lnRef>
+                <a:fillRef idx="0">
+                  <a:schemeClr val="dk1"/>
+                </a:fillRef>
+                <a:effectRef idx="0">
+                  <a:schemeClr val="dk1"/>
+                </a:effectRef>
+                <a:fontRef idx="minor">
+                  <a:schemeClr val="tx1"/>
+                </a:fontRef>
+              </p:style>
+            </p:cxnSp>
+          </p:grpSp>
+          <p:grpSp>
+            <p:nvGrpSpPr>
+              <p:cNvPr id="57" name="组合 56">
+                <a:extLst>
+                  <a:ext uri="{FF2B5EF4-FFF2-40B4-BE49-F238E27FC236}">
+                    <a16:creationId xmlns:a16="http://schemas.microsoft.com/office/drawing/2014/main" id="{09A98551-AC3E-4D5F-910C-961B64943ABB}"/>
+                  </a:ext>
+                </a:extLst>
+              </p:cNvPr>
+              <p:cNvGrpSpPr/>
+              <p:nvPr/>
+            </p:nvGrpSpPr>
+            <p:grpSpPr>
+              <a:xfrm>
+                <a:off x="4959506" y="1895770"/>
+                <a:ext cx="411060" cy="234892"/>
+                <a:chOff x="1040235" y="1426128"/>
+                <a:chExt cx="754282" cy="310393"/>
+              </a:xfrm>
+            </p:grpSpPr>
+            <p:sp>
+              <p:nvSpPr>
+                <p:cNvPr id="70" name="矩形 69">
+                  <a:extLst>
+                    <a:ext uri="{FF2B5EF4-FFF2-40B4-BE49-F238E27FC236}">
+                      <a16:creationId xmlns:a16="http://schemas.microsoft.com/office/drawing/2014/main" id="{B1C37C20-3041-4283-9A51-481461565F1B}"/>
+                    </a:ext>
+                  </a:extLst>
+                </p:cNvPr>
+                <p:cNvSpPr/>
+                <p:nvPr/>
+              </p:nvSpPr>
+              <p:spPr>
+                <a:xfrm>
+                  <a:off x="1040235" y="1426128"/>
+                  <a:ext cx="394282" cy="310393"/>
+                </a:xfrm>
+                <a:prstGeom prst="rect">
+                  <a:avLst/>
+                </a:prstGeom>
+              </p:spPr>
+              <p:style>
+                <a:lnRef idx="1">
+                  <a:schemeClr val="accent2"/>
+                </a:lnRef>
+                <a:fillRef idx="2">
+                  <a:schemeClr val="accent2"/>
+                </a:fillRef>
+                <a:effectRef idx="1">
+                  <a:schemeClr val="accent2"/>
+                </a:effectRef>
+                <a:fontRef idx="minor">
+                  <a:schemeClr val="dk1"/>
+                </a:fontRef>
+              </p:style>
+              <p:txBody>
+                <a:bodyPr rtlCol="0" anchor="ctr"/>
+                <a:lstStyle/>
+                <a:p>
+                  <a:pPr algn="ctr"/>
+                  <a:endParaRPr lang="zh-CN" altLang="en-US"/>
+                </a:p>
+              </p:txBody>
+            </p:sp>
+            <p:cxnSp>
+              <p:nvCxnSpPr>
+                <p:cNvPr id="71" name="直接箭头连接符 70">
+                  <a:extLst>
+                    <a:ext uri="{FF2B5EF4-FFF2-40B4-BE49-F238E27FC236}">
+                      <a16:creationId xmlns:a16="http://schemas.microsoft.com/office/drawing/2014/main" id="{1E62E18E-30A7-4EC6-94C3-1EEC8399EB58}"/>
+                    </a:ext>
+                  </a:extLst>
+                </p:cNvPr>
+                <p:cNvCxnSpPr>
+                  <a:cxnSpLocks/>
+                  <a:endCxn id="70" idx="3"/>
+                </p:cNvCxnSpPr>
+                <p:nvPr/>
+              </p:nvCxnSpPr>
+              <p:spPr>
+                <a:xfrm flipH="1">
+                  <a:off x="1434517" y="1581325"/>
+                  <a:ext cx="360000" cy="0"/>
+                </a:xfrm>
+                <a:prstGeom prst="straightConnector1">
+                  <a:avLst/>
+                </a:prstGeom>
+                <a:ln>
+                  <a:tailEnd type="triangle"/>
+                </a:ln>
+              </p:spPr>
+              <p:style>
+                <a:lnRef idx="1">
+                  <a:schemeClr val="dk1"/>
+                </a:lnRef>
+                <a:fillRef idx="0">
+                  <a:schemeClr val="dk1"/>
+                </a:fillRef>
+                <a:effectRef idx="0">
+                  <a:schemeClr val="dk1"/>
+                </a:effectRef>
+                <a:fontRef idx="minor">
+                  <a:schemeClr val="tx1"/>
+                </a:fontRef>
+              </p:style>
+            </p:cxnSp>
+          </p:grpSp>
+          <p:grpSp>
+            <p:nvGrpSpPr>
+              <p:cNvPr id="58" name="组合 57">
+                <a:extLst>
+                  <a:ext uri="{FF2B5EF4-FFF2-40B4-BE49-F238E27FC236}">
+                    <a16:creationId xmlns:a16="http://schemas.microsoft.com/office/drawing/2014/main" id="{FBB88FA5-4726-4B26-8F09-B67D127B9061}"/>
+                  </a:ext>
+                </a:extLst>
+              </p:cNvPr>
+              <p:cNvGrpSpPr/>
+              <p:nvPr/>
+            </p:nvGrpSpPr>
+            <p:grpSpPr>
+              <a:xfrm>
+                <a:off x="4568495" y="1421136"/>
+                <a:ext cx="411061" cy="234892"/>
+                <a:chOff x="1040235" y="1426128"/>
+                <a:chExt cx="754283" cy="310393"/>
+              </a:xfrm>
+            </p:grpSpPr>
+            <p:sp>
+              <p:nvSpPr>
+                <p:cNvPr id="68" name="矩形 67">
+                  <a:extLst>
+                    <a:ext uri="{FF2B5EF4-FFF2-40B4-BE49-F238E27FC236}">
+                      <a16:creationId xmlns:a16="http://schemas.microsoft.com/office/drawing/2014/main" id="{7D02F06F-75FF-484D-AEF3-B6C9C81B360A}"/>
+                    </a:ext>
+                  </a:extLst>
+                </p:cNvPr>
+                <p:cNvSpPr/>
+                <p:nvPr/>
+              </p:nvSpPr>
+              <p:spPr>
+                <a:xfrm>
+                  <a:off x="1040235" y="1426128"/>
+                  <a:ext cx="394283" cy="310393"/>
+                </a:xfrm>
+                <a:prstGeom prst="rect">
+                  <a:avLst/>
+                </a:prstGeom>
+                <a:ln>
+                  <a:noFill/>
+                </a:ln>
+              </p:spPr>
+              <p:style>
+                <a:lnRef idx="2">
+                  <a:schemeClr val="accent1"/>
+                </a:lnRef>
+                <a:fillRef idx="1">
+                  <a:schemeClr val="lt1"/>
+                </a:fillRef>
+                <a:effectRef idx="0">
+                  <a:schemeClr val="accent1"/>
+                </a:effectRef>
+                <a:fontRef idx="minor">
+                  <a:schemeClr val="dk1"/>
+                </a:fontRef>
+              </p:style>
+              <p:txBody>
+                <a:bodyPr rtlCol="0" anchor="ctr"/>
+                <a:lstStyle/>
+                <a:p>
+                  <a:pPr algn="ctr"/>
+                  <a:r>
+                    <a:rPr lang="en-US" altLang="zh-CN" dirty="0"/>
+                    <a:t>…</a:t>
+                  </a:r>
+                </a:p>
+                <a:p>
+                  <a:pPr algn="ctr"/>
+                  <a:endParaRPr lang="zh-CN" altLang="en-US" dirty="0"/>
+                </a:p>
+              </p:txBody>
+            </p:sp>
+            <p:cxnSp>
+              <p:nvCxnSpPr>
+                <p:cNvPr id="69" name="直接箭头连接符 68">
+                  <a:extLst>
+                    <a:ext uri="{FF2B5EF4-FFF2-40B4-BE49-F238E27FC236}">
+                      <a16:creationId xmlns:a16="http://schemas.microsoft.com/office/drawing/2014/main" id="{08A08FE8-DC7A-4E27-A3A2-1D72424F9C2D}"/>
+                    </a:ext>
+                  </a:extLst>
+                </p:cNvPr>
+                <p:cNvCxnSpPr>
+                  <a:cxnSpLocks/>
+                  <a:endCxn id="68" idx="3"/>
+                </p:cNvCxnSpPr>
+                <p:nvPr/>
+              </p:nvCxnSpPr>
+              <p:spPr>
+                <a:xfrm flipH="1">
+                  <a:off x="1434518" y="1581325"/>
+                  <a:ext cx="360000" cy="0"/>
+                </a:xfrm>
+                <a:prstGeom prst="straightConnector1">
+                  <a:avLst/>
+                </a:prstGeom>
+                <a:ln>
+                  <a:tailEnd type="triangle"/>
+                </a:ln>
+              </p:spPr>
+              <p:style>
+                <a:lnRef idx="1">
+                  <a:schemeClr val="dk1"/>
+                </a:lnRef>
+                <a:fillRef idx="0">
+                  <a:schemeClr val="dk1"/>
+                </a:fillRef>
+                <a:effectRef idx="0">
+                  <a:schemeClr val="dk1"/>
+                </a:effectRef>
+                <a:fontRef idx="minor">
+                  <a:schemeClr val="tx1"/>
+                </a:fontRef>
+              </p:style>
+            </p:cxnSp>
+          </p:grpSp>
+          <p:grpSp>
+            <p:nvGrpSpPr>
+              <p:cNvPr id="59" name="组合 58">
+                <a:extLst>
+                  <a:ext uri="{FF2B5EF4-FFF2-40B4-BE49-F238E27FC236}">
+                    <a16:creationId xmlns:a16="http://schemas.microsoft.com/office/drawing/2014/main" id="{9E490B28-AD21-4EBA-9BD2-497E3D3658DF}"/>
+                  </a:ext>
+                </a:extLst>
+              </p:cNvPr>
+              <p:cNvGrpSpPr/>
+              <p:nvPr/>
+            </p:nvGrpSpPr>
+            <p:grpSpPr>
+              <a:xfrm>
+                <a:off x="4547988" y="1895770"/>
+                <a:ext cx="411061" cy="234892"/>
+                <a:chOff x="1040235" y="1426128"/>
+                <a:chExt cx="754283" cy="310393"/>
+              </a:xfrm>
+            </p:grpSpPr>
+            <p:sp>
+              <p:nvSpPr>
+                <p:cNvPr id="66" name="矩形 65">
+                  <a:extLst>
+                    <a:ext uri="{FF2B5EF4-FFF2-40B4-BE49-F238E27FC236}">
+                      <a16:creationId xmlns:a16="http://schemas.microsoft.com/office/drawing/2014/main" id="{BA73B61A-1B4A-46E5-A470-2D193DCE990C}"/>
+                    </a:ext>
+                  </a:extLst>
+                </p:cNvPr>
+                <p:cNvSpPr/>
+                <p:nvPr/>
+              </p:nvSpPr>
+              <p:spPr>
+                <a:xfrm>
+                  <a:off x="1040235" y="1426128"/>
+                  <a:ext cx="394283" cy="310393"/>
+                </a:xfrm>
+                <a:prstGeom prst="rect">
+                  <a:avLst/>
+                </a:prstGeom>
+                <a:ln>
+                  <a:noFill/>
+                </a:ln>
+              </p:spPr>
+              <p:style>
+                <a:lnRef idx="2">
+                  <a:schemeClr val="accent1"/>
+                </a:lnRef>
+                <a:fillRef idx="1">
+                  <a:schemeClr val="lt1"/>
+                </a:fillRef>
+                <a:effectRef idx="0">
+                  <a:schemeClr val="accent1"/>
+                </a:effectRef>
+                <a:fontRef idx="minor">
+                  <a:schemeClr val="dk1"/>
+                </a:fontRef>
+              </p:style>
+              <p:txBody>
+                <a:bodyPr rtlCol="0" anchor="ctr"/>
+                <a:lstStyle/>
+                <a:p>
+                  <a:pPr algn="ctr"/>
+                  <a:r>
+                    <a:rPr lang="en-US" altLang="zh-CN" dirty="0"/>
+                    <a:t>…</a:t>
+                  </a:r>
+                </a:p>
+                <a:p>
+                  <a:pPr algn="ctr"/>
+                  <a:endParaRPr lang="zh-CN" altLang="en-US" dirty="0"/>
+                </a:p>
+              </p:txBody>
+            </p:sp>
+            <p:cxnSp>
+              <p:nvCxnSpPr>
+                <p:cNvPr id="67" name="直接箭头连接符 66">
+                  <a:extLst>
+                    <a:ext uri="{FF2B5EF4-FFF2-40B4-BE49-F238E27FC236}">
+                      <a16:creationId xmlns:a16="http://schemas.microsoft.com/office/drawing/2014/main" id="{12507876-6507-4FC1-A263-9262B595007A}"/>
+                    </a:ext>
+                  </a:extLst>
+                </p:cNvPr>
+                <p:cNvCxnSpPr>
+                  <a:cxnSpLocks/>
+                  <a:endCxn id="66" idx="3"/>
+                </p:cNvCxnSpPr>
+                <p:nvPr/>
+              </p:nvCxnSpPr>
+              <p:spPr>
+                <a:xfrm flipH="1">
+                  <a:off x="1434518" y="1581325"/>
+                  <a:ext cx="360000" cy="0"/>
+                </a:xfrm>
+                <a:prstGeom prst="straightConnector1">
+                  <a:avLst/>
+                </a:prstGeom>
+                <a:ln>
+                  <a:tailEnd type="triangle"/>
+                </a:ln>
+              </p:spPr>
+              <p:style>
+                <a:lnRef idx="1">
+                  <a:schemeClr val="dk1"/>
+                </a:lnRef>
+                <a:fillRef idx="0">
+                  <a:schemeClr val="dk1"/>
+                </a:fillRef>
+                <a:effectRef idx="0">
+                  <a:schemeClr val="dk1"/>
+                </a:effectRef>
+                <a:fontRef idx="minor">
+                  <a:schemeClr val="tx1"/>
+                </a:fontRef>
+              </p:style>
+            </p:cxnSp>
+          </p:grpSp>
+          <p:sp>
+            <p:nvSpPr>
+              <p:cNvPr id="60" name="矩形 59">
+                <a:extLst>
+                  <a:ext uri="{FF2B5EF4-FFF2-40B4-BE49-F238E27FC236}">
+                    <a16:creationId xmlns:a16="http://schemas.microsoft.com/office/drawing/2014/main" id="{1312935C-F449-4270-8875-7197608CFB11}"/>
+                  </a:ext>
+                </a:extLst>
+              </p:cNvPr>
+              <p:cNvSpPr/>
+              <p:nvPr/>
+            </p:nvSpPr>
+            <p:spPr>
+              <a:xfrm>
+                <a:off x="5366082" y="1895770"/>
+                <a:ext cx="214871" cy="234892"/>
+              </a:xfrm>
+              <a:prstGeom prst="rect">
+                <a:avLst/>
+              </a:prstGeom>
+            </p:spPr>
+            <p:style>
+              <a:lnRef idx="1">
+                <a:schemeClr val="accent2"/>
+              </a:lnRef>
+              <a:fillRef idx="2">
+                <a:schemeClr val="accent2"/>
+              </a:fillRef>
+              <a:effectRef idx="1">
+                <a:schemeClr val="accent2"/>
+              </a:effectRef>
+              <a:fontRef idx="minor">
+                <a:schemeClr val="dk1"/>
+              </a:fontRef>
+            </p:style>
+            <p:txBody>
+              <a:bodyPr rtlCol="0" anchor="ctr"/>
+              <a:lstStyle/>
+              <a:p>
+                <a:pPr algn="ctr"/>
+                <a:endParaRPr lang="zh-CN" altLang="en-US"/>
+              </a:p>
+            </p:txBody>
+          </p:sp>
+          <p:sp>
+            <p:nvSpPr>
+              <p:cNvPr id="61" name="左中括号 60">
+                <a:extLst>
+                  <a:ext uri="{FF2B5EF4-FFF2-40B4-BE49-F238E27FC236}">
+                    <a16:creationId xmlns:a16="http://schemas.microsoft.com/office/drawing/2014/main" id="{D9BA23B6-B4DC-4309-8406-DE0952960061}"/>
+                  </a:ext>
+                </a:extLst>
+              </p:cNvPr>
+              <p:cNvSpPr/>
+              <p:nvPr/>
+            </p:nvSpPr>
+            <p:spPr>
+              <a:xfrm rot="5400000">
+                <a:off x="4331128" y="680392"/>
+                <a:ext cx="73860" cy="1309940"/>
+              </a:xfrm>
+              <a:prstGeom prst="leftBracket">
+                <a:avLst/>
+              </a:prstGeom>
+              <a:ln w="25400"/>
+            </p:spPr>
+            <p:style>
+              <a:lnRef idx="1">
+                <a:schemeClr val="dk1"/>
+              </a:lnRef>
+              <a:fillRef idx="0">
+                <a:schemeClr val="dk1"/>
+              </a:fillRef>
+              <a:effectRef idx="0">
+                <a:schemeClr val="dk1"/>
+              </a:effectRef>
+              <a:fontRef idx="minor">
+                <a:schemeClr val="tx1"/>
+              </a:fontRef>
+            </p:style>
+            <p:txBody>
+              <a:bodyPr rtlCol="0" anchor="ctr"/>
+              <a:lstStyle/>
+              <a:p>
+                <a:pPr algn="ctr"/>
+                <a:endParaRPr lang="zh-CN" altLang="en-US"/>
+              </a:p>
+            </p:txBody>
+          </p:sp>
+          <mc:AlternateContent xmlns:mc="http://schemas.openxmlformats.org/markup-compatibility/2006">
+            <mc:Choice xmlns:a14="http://schemas.microsoft.com/office/drawing/2010/main" Requires="a14">
+              <p:sp>
+                <p:nvSpPr>
+                  <p:cNvPr id="62" name="矩形 61">
+                    <a:extLst>
+                      <a:ext uri="{FF2B5EF4-FFF2-40B4-BE49-F238E27FC236}">
+                        <a16:creationId xmlns:a16="http://schemas.microsoft.com/office/drawing/2014/main" id="{E568D124-118E-4BB4-9D95-6A7B675EEC68}"/>
+                      </a:ext>
+                    </a:extLst>
+                  </p:cNvPr>
+                  <p:cNvSpPr/>
+                  <p:nvPr/>
+                </p:nvSpPr>
+                <p:spPr>
+                  <a:xfrm>
+                    <a:off x="3740383" y="851690"/>
+                    <a:ext cx="1254805" cy="234884"/>
+                  </a:xfrm>
+                  <a:prstGeom prst="rect">
+                    <a:avLst/>
+                  </a:prstGeom>
+                  <a:ln>
+                    <a:noFill/>
+                  </a:ln>
+                </p:spPr>
+                <p:style>
+                  <a:lnRef idx="2">
+                    <a:schemeClr val="accent1"/>
+                  </a:lnRef>
+                  <a:fillRef idx="1">
+                    <a:schemeClr val="lt1"/>
+                  </a:fillRef>
+                  <a:effectRef idx="0">
+                    <a:schemeClr val="accent1"/>
+                  </a:effectRef>
+                  <a:fontRef idx="minor">
+                    <a:schemeClr val="dk1"/>
+                  </a:fontRef>
+                </p:style>
+                <p:txBody>
+                  <a:bodyPr rtlCol="0" anchor="ctr"/>
+                  <a:lstStyle/>
+                  <a:p>
+                    <a:pPr algn="ctr"/>
+                    <a:r>
+                      <a:rPr lang="zh-CN" altLang="en-US" sz="1200" dirty="0">
+                        <a:latin typeface="楷体" panose="02010609060101010101" pitchFamily="49" charset="-122"/>
+                        <a:ea typeface="楷体" panose="02010609060101010101" pitchFamily="49" charset="-122"/>
+                      </a:rPr>
+                      <a:t>确认区块数量</a:t>
+                    </a:r>
+                    <a14:m>
+                      <m:oMath xmlns:m="http://schemas.openxmlformats.org/officeDocument/2006/math">
+                        <m:r>
+                          <a:rPr lang="en-US" altLang="zh-CN" sz="1200" i="1" dirty="0" smtClean="0">
+                            <a:latin typeface="Cambria Math" panose="02040503050406030204" pitchFamily="18" charset="0"/>
+                            <a:ea typeface="楷体" panose="02010609060101010101" pitchFamily="49" charset="-122"/>
+                          </a:rPr>
+                          <m:t>𝑐</m:t>
+                        </m:r>
+                        <m:r>
+                          <a:rPr lang="en-US" altLang="zh-CN" sz="1200" i="1" dirty="0" smtClean="0">
+                            <a:latin typeface="Cambria Math" panose="02040503050406030204" pitchFamily="18" charset="0"/>
+                            <a:ea typeface="楷体" panose="02010609060101010101" pitchFamily="49" charset="-122"/>
+                          </a:rPr>
+                          <m:t> = 1</m:t>
+                        </m:r>
+                      </m:oMath>
+                    </a14:m>
+                    <a:r>
+                      <a:rPr lang="zh-CN" altLang="en-US" sz="1200" dirty="0">
+                        <a:latin typeface="楷体" panose="02010609060101010101" pitchFamily="49" charset="-122"/>
+                        <a:ea typeface="楷体" panose="02010609060101010101" pitchFamily="49" charset="-122"/>
+                      </a:rPr>
+                      <a:t>，等待区块数量为</a:t>
+                    </a:r>
+                    <a14:m>
+                      <m:oMath xmlns:m="http://schemas.openxmlformats.org/officeDocument/2006/math">
+                        <m:r>
+                          <a:rPr lang="en-US" altLang="zh-CN" sz="1200" b="0" i="1" smtClean="0">
+                            <a:latin typeface="Cambria Math" panose="02040503050406030204" pitchFamily="18" charset="0"/>
+                            <a:ea typeface="楷体" panose="02010609060101010101" pitchFamily="49" charset="-122"/>
+                          </a:rPr>
+                          <m:t>𝑤</m:t>
+                        </m:r>
+                      </m:oMath>
+                    </a14:m>
+                    <a:endParaRPr lang="zh-CN" altLang="en-US" sz="1200" dirty="0">
+                      <a:latin typeface="楷体" panose="02010609060101010101" pitchFamily="49" charset="-122"/>
+                      <a:ea typeface="楷体" panose="02010609060101010101" pitchFamily="49" charset="-122"/>
+                    </a:endParaRPr>
+                  </a:p>
+                </p:txBody>
+              </p:sp>
+            </mc:Choice>
+            <mc:Fallback>
+              <p:sp>
+                <p:nvSpPr>
+                  <p:cNvPr id="62" name="矩形 61">
+                    <a:extLst>
+                      <a:ext uri="{FF2B5EF4-FFF2-40B4-BE49-F238E27FC236}">
+                        <a16:creationId xmlns:a16="http://schemas.microsoft.com/office/drawing/2014/main" id="{E568D124-118E-4BB4-9D95-6A7B675EEC68}"/>
+                      </a:ext>
+                    </a:extLst>
+                  </p:cNvPr>
+                  <p:cNvSpPr>
+                    <a:spLocks noRot="1" noChangeAspect="1" noMove="1" noResize="1" noEditPoints="1" noAdjustHandles="1" noChangeArrowheads="1" noChangeShapeType="1" noTextEdit="1"/>
+                  </p:cNvSpPr>
+                  <p:nvPr/>
+                </p:nvSpPr>
+                <p:spPr>
+                  <a:xfrm>
+                    <a:off x="3740383" y="851690"/>
+                    <a:ext cx="1254805" cy="234884"/>
+                  </a:xfrm>
+                  <a:prstGeom prst="rect">
+                    <a:avLst/>
+                  </a:prstGeom>
+                  <a:blipFill>
+                    <a:blip r:embed="rId7"/>
+                    <a:stretch>
+                      <a:fillRect t="-86842" b="-110526"/>
+                    </a:stretch>
+                  </a:blipFill>
+                  <a:ln>
+                    <a:noFill/>
+                  </a:ln>
+                </p:spPr>
+                <p:txBody>
+                  <a:bodyPr/>
+                  <a:lstStyle/>
+                  <a:p>
+                    <a:r>
+                      <a:rPr lang="zh-CN" altLang="en-US">
+                        <a:noFill/>
+                      </a:rPr>
+                      <a:t> </a:t>
+                    </a:r>
+                  </a:p>
+                </p:txBody>
+              </p:sp>
+            </mc:Fallback>
+          </mc:AlternateContent>
+          <p:sp>
+            <p:nvSpPr>
+              <p:cNvPr id="63" name="左中括号 62">
+                <a:extLst>
+                  <a:ext uri="{FF2B5EF4-FFF2-40B4-BE49-F238E27FC236}">
+                    <a16:creationId xmlns:a16="http://schemas.microsoft.com/office/drawing/2014/main" id="{0625C0CC-A83B-4A39-841D-C9C6DDA739C6}"/>
+                  </a:ext>
+                </a:extLst>
+              </p:cNvPr>
+              <p:cNvSpPr/>
+              <p:nvPr/>
+            </p:nvSpPr>
+            <p:spPr>
+              <a:xfrm rot="16200000">
+                <a:off x="4560936" y="1312530"/>
+                <a:ext cx="73861" cy="1814378"/>
+              </a:xfrm>
+              <a:prstGeom prst="leftBracket">
+                <a:avLst/>
+              </a:prstGeom>
+              <a:ln w="25400"/>
+            </p:spPr>
+            <p:style>
+              <a:lnRef idx="1">
+                <a:schemeClr val="dk1"/>
+              </a:lnRef>
+              <a:fillRef idx="0">
+                <a:schemeClr val="dk1"/>
+              </a:fillRef>
+              <a:effectRef idx="0">
+                <a:schemeClr val="dk1"/>
+              </a:effectRef>
+              <a:fontRef idx="minor">
+                <a:schemeClr val="tx1"/>
+              </a:fontRef>
+            </p:style>
+            <p:txBody>
+              <a:bodyPr rtlCol="0" anchor="ctr"/>
+              <a:lstStyle/>
+              <a:p>
+                <a:pPr algn="ctr"/>
+                <a:endParaRPr lang="zh-CN" altLang="en-US"/>
+              </a:p>
+            </p:txBody>
+          </p:sp>
+          <mc:AlternateContent xmlns:mc="http://schemas.openxmlformats.org/markup-compatibility/2006">
+            <mc:Choice xmlns:a14="http://schemas.microsoft.com/office/drawing/2010/main" Requires="a14">
+              <p:sp>
+                <p:nvSpPr>
+                  <p:cNvPr id="64" name="矩形 63">
+                    <a:extLst>
+                      <a:ext uri="{FF2B5EF4-FFF2-40B4-BE49-F238E27FC236}">
+                        <a16:creationId xmlns:a16="http://schemas.microsoft.com/office/drawing/2014/main" id="{9A986DB4-AC95-46F3-8D44-2C10BA534D9C}"/>
+                      </a:ext>
+                    </a:extLst>
+                  </p:cNvPr>
+                  <p:cNvSpPr/>
+                  <p:nvPr/>
+                </p:nvSpPr>
+                <p:spPr>
+                  <a:xfrm>
+                    <a:off x="4169715" y="2315729"/>
+                    <a:ext cx="468647" cy="234884"/>
+                  </a:xfrm>
+                  <a:prstGeom prst="rect">
+                    <a:avLst/>
+                  </a:prstGeom>
+                  <a:ln>
+                    <a:noFill/>
+                  </a:ln>
+                </p:spPr>
+                <p:style>
+                  <a:lnRef idx="2">
+                    <a:schemeClr val="accent1"/>
+                  </a:lnRef>
+                  <a:fillRef idx="1">
+                    <a:schemeClr val="lt1"/>
+                  </a:fillRef>
+                  <a:effectRef idx="0">
+                    <a:schemeClr val="accent1"/>
+                  </a:effectRef>
+                  <a:fontRef idx="minor">
+                    <a:schemeClr val="dk1"/>
+                  </a:fontRef>
+                </p:style>
+                <p:txBody>
+                  <a:bodyPr rtlCol="0" anchor="ctr"/>
+                  <a:lstStyle/>
+                  <a:p>
+                    <a:pPr algn="ctr"/>
+                    <a14:m>
+                      <m:oMathPara xmlns:m="http://schemas.openxmlformats.org/officeDocument/2006/math">
+                        <m:oMathParaPr>
+                          <m:jc m:val="centerGroup"/>
+                        </m:oMathParaPr>
+                        <m:oMath xmlns:m="http://schemas.openxmlformats.org/officeDocument/2006/math">
+                          <m:r>
+                            <a:rPr lang="en-US" altLang="zh-CN" sz="1200" i="1" dirty="0" smtClean="0">
+                              <a:latin typeface="Cambria Math" panose="02040503050406030204" pitchFamily="18" charset="0"/>
+                            </a:rPr>
+                            <m:t>𝑚</m:t>
+                          </m:r>
+                        </m:oMath>
+                      </m:oMathPara>
+                    </a14:m>
+                    <a:endParaRPr lang="zh-CN" altLang="en-US" sz="1200" dirty="0"/>
+                  </a:p>
+                </p:txBody>
+              </p:sp>
+            </mc:Choice>
+            <mc:Fallback>
+              <p:sp>
+                <p:nvSpPr>
+                  <p:cNvPr id="64" name="矩形 63">
+                    <a:extLst>
+                      <a:ext uri="{FF2B5EF4-FFF2-40B4-BE49-F238E27FC236}">
+                        <a16:creationId xmlns:a16="http://schemas.microsoft.com/office/drawing/2014/main" id="{9A986DB4-AC95-46F3-8D44-2C10BA534D9C}"/>
+                      </a:ext>
+                    </a:extLst>
+                  </p:cNvPr>
+                  <p:cNvSpPr>
+                    <a:spLocks noRot="1" noChangeAspect="1" noMove="1" noResize="1" noEditPoints="1" noAdjustHandles="1" noChangeArrowheads="1" noChangeShapeType="1" noTextEdit="1"/>
+                  </p:cNvSpPr>
+                  <p:nvPr/>
+                </p:nvSpPr>
+                <p:spPr>
+                  <a:xfrm>
+                    <a:off x="4169715" y="2315729"/>
+                    <a:ext cx="468647" cy="234884"/>
+                  </a:xfrm>
+                  <a:prstGeom prst="rect">
+                    <a:avLst/>
+                  </a:prstGeom>
+                  <a:blipFill>
+                    <a:blip r:embed="rId8"/>
+                    <a:stretch>
+                      <a:fillRect/>
+                    </a:stretch>
+                  </a:blipFill>
+                  <a:ln>
+                    <a:noFill/>
+                  </a:ln>
+                </p:spPr>
+                <p:txBody>
+                  <a:bodyPr/>
+                  <a:lstStyle/>
+                  <a:p>
+                    <a:r>
+                      <a:rPr lang="zh-CN" altLang="en-US">
+                        <a:noFill/>
+                      </a:rPr>
+                      <a:t> </a:t>
+                    </a:r>
+                  </a:p>
+                </p:txBody>
+              </p:sp>
+            </mc:Fallback>
+          </mc:AlternateContent>
+          <p:cxnSp>
+            <p:nvCxnSpPr>
+              <p:cNvPr id="65" name="直接连接符 64">
+                <a:extLst>
+                  <a:ext uri="{FF2B5EF4-FFF2-40B4-BE49-F238E27FC236}">
+                    <a16:creationId xmlns:a16="http://schemas.microsoft.com/office/drawing/2014/main" id="{63494743-81F4-487B-845F-2A09765B7897}"/>
+                  </a:ext>
+                </a:extLst>
+              </p:cNvPr>
+              <p:cNvCxnSpPr>
+                <a:cxnSpLocks/>
+              </p:cNvCxnSpPr>
+              <p:nvPr/>
+            </p:nvCxnSpPr>
+            <p:spPr>
+              <a:xfrm flipH="1">
+                <a:off x="5305668" y="1015366"/>
+                <a:ext cx="15279" cy="1643858"/>
+              </a:xfrm>
+              <a:prstGeom prst="line">
+                <a:avLst/>
+              </a:prstGeom>
+              <a:ln w="25400">
+                <a:prstDash val="dash"/>
+              </a:ln>
+            </p:spPr>
+            <p:style>
+              <a:lnRef idx="1">
+                <a:schemeClr val="dk1"/>
+              </a:lnRef>
+              <a:fillRef idx="0">
+                <a:schemeClr val="dk1"/>
+              </a:fillRef>
+              <a:effectRef idx="0">
+                <a:schemeClr val="dk1"/>
+              </a:effectRef>
+              <a:fontRef idx="minor">
+                <a:schemeClr val="tx1"/>
+              </a:fontRef>
+            </p:style>
+          </p:cxnSp>
+        </p:grpSp>
+        <p:sp>
+          <p:nvSpPr>
+            <p:cNvPr id="182" name="矩形 181">
+              <a:extLst>
+                <a:ext uri="{FF2B5EF4-FFF2-40B4-BE49-F238E27FC236}">
+                  <a16:creationId xmlns:a16="http://schemas.microsoft.com/office/drawing/2014/main" id="{F2773F38-F56F-4D80-B491-60A7E7012DFC}"/>
+                </a:ext>
+              </a:extLst>
+            </p:cNvPr>
+            <p:cNvSpPr/>
+            <p:nvPr/>
+          </p:nvSpPr>
+          <p:spPr>
+            <a:xfrm>
+              <a:off x="2672627" y="2921097"/>
+              <a:ext cx="919667" cy="234884"/>
+            </a:xfrm>
+            <a:prstGeom prst="rect">
+              <a:avLst/>
+            </a:prstGeom>
+            <a:ln>
+              <a:noFill/>
+            </a:ln>
+          </p:spPr>
+          <p:style>
+            <a:lnRef idx="2">
+              <a:schemeClr val="accent1"/>
+            </a:lnRef>
+            <a:fillRef idx="1">
+              <a:schemeClr val="lt1"/>
+            </a:fillRef>
+            <a:effectRef idx="0">
+              <a:schemeClr val="accent1"/>
+            </a:effectRef>
+            <a:fontRef idx="minor">
+              <a:schemeClr val="dk1"/>
+            </a:fontRef>
+          </p:style>
+          <p:txBody>
+            <a:bodyPr rtlCol="0" anchor="ctr"/>
+            <a:lstStyle/>
+            <a:p>
+              <a:pPr algn="ctr"/>
+              <a:r>
+                <a:rPr lang="zh-CN" altLang="en-US" sz="1200" dirty="0">
+                  <a:latin typeface="楷体" panose="02010609060101010101" pitchFamily="49" charset="-122"/>
+                  <a:ea typeface="楷体" panose="02010609060101010101" pitchFamily="49" charset="-122"/>
+                </a:rPr>
+                <a:t>生成目标交易时间</a:t>
+              </a:r>
+            </a:p>
+          </p:txBody>
+        </p:sp>
+        <p:sp>
+          <p:nvSpPr>
+            <p:cNvPr id="183" name="矩形 182">
+              <a:extLst>
+                <a:ext uri="{FF2B5EF4-FFF2-40B4-BE49-F238E27FC236}">
+                  <a16:creationId xmlns:a16="http://schemas.microsoft.com/office/drawing/2014/main" id="{64B1F1EF-E662-401D-93AD-5D2649DDDFA6}"/>
+                </a:ext>
+              </a:extLst>
+            </p:cNvPr>
+            <p:cNvSpPr/>
+            <p:nvPr/>
+          </p:nvSpPr>
+          <p:spPr>
+            <a:xfrm>
+              <a:off x="4991044" y="2822538"/>
+              <a:ext cx="1420639" cy="234884"/>
+            </a:xfrm>
+            <a:prstGeom prst="rect">
+              <a:avLst/>
+            </a:prstGeom>
+            <a:ln>
+              <a:noFill/>
+            </a:ln>
+          </p:spPr>
+          <p:style>
+            <a:lnRef idx="2">
+              <a:schemeClr val="accent1"/>
+            </a:lnRef>
+            <a:fillRef idx="1">
+              <a:schemeClr val="lt1"/>
+            </a:fillRef>
+            <a:effectRef idx="0">
+              <a:schemeClr val="accent1"/>
+            </a:effectRef>
+            <a:fontRef idx="minor">
+              <a:schemeClr val="dk1"/>
+            </a:fontRef>
+          </p:style>
+          <p:txBody>
+            <a:bodyPr rtlCol="0" anchor="ctr"/>
+            <a:lstStyle/>
+            <a:p>
+              <a:pPr algn="ctr"/>
+              <a:r>
+                <a:rPr lang="zh-CN" altLang="en-US" sz="1200" dirty="0">
+                  <a:latin typeface="楷体" panose="02010609060101010101" pitchFamily="49" charset="-122"/>
+                  <a:ea typeface="楷体" panose="02010609060101010101" pitchFamily="49" charset="-122"/>
+                </a:rPr>
+                <a:t>确认区块时间（打包交易进块时间）</a:t>
+              </a:r>
+            </a:p>
+          </p:txBody>
+        </p:sp>
+      </p:grpSp>
+      <p:sp>
+        <p:nvSpPr>
+          <p:cNvPr id="184" name="矩形 183">
+            <a:extLst>
+              <a:ext uri="{FF2B5EF4-FFF2-40B4-BE49-F238E27FC236}">
+                <a16:creationId xmlns:a16="http://schemas.microsoft.com/office/drawing/2014/main" id="{38A4DDFE-3AB8-49F5-B903-22E210DBF352}"/>
+              </a:ext>
+            </a:extLst>
+          </p:cNvPr>
+          <p:cNvSpPr/>
+          <p:nvPr/>
+        </p:nvSpPr>
+        <p:spPr>
+          <a:xfrm>
+            <a:off x="2443507" y="6212283"/>
+            <a:ext cx="919667" cy="234884"/>
+          </a:xfrm>
+          <a:prstGeom prst="rect">
+            <a:avLst/>
+          </a:prstGeom>
+          <a:ln>
+            <a:noFill/>
+          </a:ln>
+        </p:spPr>
+        <p:style>
+          <a:lnRef idx="2">
+            <a:schemeClr val="accent1"/>
+          </a:lnRef>
+          <a:fillRef idx="1">
+            <a:schemeClr val="lt1"/>
+          </a:fillRef>
+          <a:effectRef idx="0">
+            <a:schemeClr val="accent1"/>
+          </a:effectRef>
+          <a:fontRef idx="minor">
+            <a:schemeClr val="dk1"/>
+          </a:fontRef>
+        </p:style>
+        <p:txBody>
+          <a:bodyPr rtlCol="0" anchor="ctr"/>
+          <a:lstStyle/>
+          <a:p>
+            <a:pPr algn="ctr"/>
+            <a:r>
+              <a:rPr lang="zh-CN" altLang="en-US" sz="1200" dirty="0">
+                <a:latin typeface="楷体" panose="02010609060101010101" pitchFamily="49" charset="-122"/>
+                <a:ea typeface="楷体" panose="02010609060101010101" pitchFamily="49" charset="-122"/>
+              </a:rPr>
+              <a:t>生成目标交易时间</a:t>
+            </a:r>
+          </a:p>
+        </p:txBody>
+      </p:sp>
+      <p:grpSp>
+        <p:nvGrpSpPr>
+          <p:cNvPr id="189" name="组合 188">
+            <a:extLst>
+              <a:ext uri="{FF2B5EF4-FFF2-40B4-BE49-F238E27FC236}">
+                <a16:creationId xmlns:a16="http://schemas.microsoft.com/office/drawing/2014/main" id="{3A637506-4B09-48A7-95D0-1E2019472221}"/>
+              </a:ext>
+            </a:extLst>
+          </p:cNvPr>
+          <p:cNvGrpSpPr/>
+          <p:nvPr/>
+        </p:nvGrpSpPr>
+        <p:grpSpPr>
+          <a:xfrm>
+            <a:off x="2167458" y="264581"/>
+            <a:ext cx="3306286" cy="2040649"/>
+            <a:chOff x="2214605" y="591046"/>
+            <a:chExt cx="3306286" cy="2040649"/>
+          </a:xfrm>
+        </p:grpSpPr>
+        <p:grpSp>
+          <p:nvGrpSpPr>
+            <p:cNvPr id="2" name="组合 1">
+              <a:extLst>
+                <a:ext uri="{FF2B5EF4-FFF2-40B4-BE49-F238E27FC236}">
+                  <a16:creationId xmlns:a16="http://schemas.microsoft.com/office/drawing/2014/main" id="{5E9D28F5-8D49-46E2-8D06-0289E7692100}"/>
+                </a:ext>
+              </a:extLst>
+            </p:cNvPr>
+            <p:cNvGrpSpPr/>
+            <p:nvPr/>
+          </p:nvGrpSpPr>
+          <p:grpSpPr>
+            <a:xfrm>
+              <a:off x="2214605" y="998684"/>
+              <a:ext cx="2987540" cy="1633011"/>
+              <a:chOff x="2337463" y="951497"/>
+              <a:chExt cx="2987540" cy="1633011"/>
+            </a:xfrm>
+          </p:grpSpPr>
+          <p:sp>
+            <p:nvSpPr>
+              <p:cNvPr id="3" name="矩形 2">
+                <a:extLst>
+                  <a:ext uri="{FF2B5EF4-FFF2-40B4-BE49-F238E27FC236}">
+                    <a16:creationId xmlns:a16="http://schemas.microsoft.com/office/drawing/2014/main" id="{EB5BA2A1-716D-4D3E-B539-F5B32110E642}"/>
+                  </a:ext>
+                </a:extLst>
+              </p:cNvPr>
+              <p:cNvSpPr/>
+              <p:nvPr/>
+            </p:nvSpPr>
+            <p:spPr>
+              <a:xfrm>
+                <a:off x="5006467" y="1438015"/>
+                <a:ext cx="214871" cy="234892"/>
+              </a:xfrm>
+              <a:prstGeom prst="rect">
+                <a:avLst/>
+              </a:prstGeom>
+            </p:spPr>
+            <p:style>
+              <a:lnRef idx="1">
+                <a:schemeClr val="accent1"/>
+              </a:lnRef>
+              <a:fillRef idx="2">
+                <a:schemeClr val="accent1"/>
+              </a:fillRef>
+              <a:effectRef idx="1">
+                <a:schemeClr val="accent1"/>
+              </a:effectRef>
+              <a:fontRef idx="minor">
+                <a:schemeClr val="dk1"/>
+              </a:fontRef>
+            </p:style>
+            <p:txBody>
+              <a:bodyPr rtlCol="0" anchor="ctr"/>
+              <a:lstStyle/>
+              <a:p>
+                <a:pPr algn="ctr"/>
+                <a:endParaRPr lang="zh-CN" altLang="en-US" dirty="0"/>
+              </a:p>
+            </p:txBody>
+          </p:sp>
+          <p:grpSp>
+            <p:nvGrpSpPr>
+              <p:cNvPr id="5" name="组合 4">
+                <a:extLst>
+                  <a:ext uri="{FF2B5EF4-FFF2-40B4-BE49-F238E27FC236}">
+                    <a16:creationId xmlns:a16="http://schemas.microsoft.com/office/drawing/2014/main" id="{BA6C76E7-AD6C-4213-8954-7250B280B57D}"/>
+                  </a:ext>
+                </a:extLst>
+              </p:cNvPr>
+              <p:cNvGrpSpPr/>
+              <p:nvPr/>
+            </p:nvGrpSpPr>
+            <p:grpSpPr>
+              <a:xfrm>
+                <a:off x="2337463" y="1426129"/>
+                <a:ext cx="411061" cy="234892"/>
+                <a:chOff x="1040235" y="1426128"/>
+                <a:chExt cx="754283" cy="310393"/>
+              </a:xfrm>
+            </p:grpSpPr>
+            <p:sp>
+              <p:nvSpPr>
+                <p:cNvPr id="41" name="矩形 40">
+                  <a:extLst>
+                    <a:ext uri="{FF2B5EF4-FFF2-40B4-BE49-F238E27FC236}">
+                      <a16:creationId xmlns:a16="http://schemas.microsoft.com/office/drawing/2014/main" id="{5E590E62-2340-4D2A-8F06-409BD004630F}"/>
+                    </a:ext>
+                  </a:extLst>
+                </p:cNvPr>
+                <p:cNvSpPr/>
+                <p:nvPr/>
+              </p:nvSpPr>
+              <p:spPr>
+                <a:xfrm>
+                  <a:off x="1040235" y="1426128"/>
+                  <a:ext cx="394283" cy="310393"/>
+                </a:xfrm>
+                <a:prstGeom prst="rect">
+                  <a:avLst/>
+                </a:prstGeom>
+                <a:ln>
+                  <a:noFill/>
+                </a:ln>
+              </p:spPr>
+              <p:style>
+                <a:lnRef idx="2">
+                  <a:schemeClr val="accent1"/>
+                </a:lnRef>
+                <a:fillRef idx="1">
+                  <a:schemeClr val="lt1"/>
+                </a:fillRef>
+                <a:effectRef idx="0">
+                  <a:schemeClr val="accent1"/>
+                </a:effectRef>
+                <a:fontRef idx="minor">
+                  <a:schemeClr val="dk1"/>
+                </a:fontRef>
+              </p:style>
+              <p:txBody>
+                <a:bodyPr rtlCol="0" anchor="ctr"/>
+                <a:lstStyle/>
+                <a:p>
+                  <a:pPr algn="ctr"/>
+                  <a:r>
+                    <a:rPr lang="en-US" altLang="zh-CN" dirty="0"/>
+                    <a:t>…</a:t>
+                  </a:r>
+                </a:p>
+                <a:p>
+                  <a:pPr algn="ctr"/>
+                  <a:endParaRPr lang="zh-CN" altLang="en-US" dirty="0"/>
+                </a:p>
+              </p:txBody>
+            </p:sp>
+            <p:cxnSp>
+              <p:nvCxnSpPr>
+                <p:cNvPr id="42" name="直接箭头连接符 41">
+                  <a:extLst>
+                    <a:ext uri="{FF2B5EF4-FFF2-40B4-BE49-F238E27FC236}">
+                      <a16:creationId xmlns:a16="http://schemas.microsoft.com/office/drawing/2014/main" id="{D08AE56D-55AB-4083-A927-7EA8E8F802AE}"/>
+                    </a:ext>
+                  </a:extLst>
+                </p:cNvPr>
+                <p:cNvCxnSpPr>
+                  <a:cxnSpLocks/>
+                  <a:endCxn id="41" idx="3"/>
+                </p:cNvCxnSpPr>
+                <p:nvPr/>
+              </p:nvCxnSpPr>
+              <p:spPr>
+                <a:xfrm flipH="1">
+                  <a:off x="1434518" y="1581325"/>
+                  <a:ext cx="360000" cy="0"/>
+                </a:xfrm>
+                <a:prstGeom prst="straightConnector1">
+                  <a:avLst/>
+                </a:prstGeom>
+                <a:ln>
+                  <a:tailEnd type="triangle"/>
+                </a:ln>
+              </p:spPr>
+              <p:style>
+                <a:lnRef idx="1">
+                  <a:schemeClr val="dk1"/>
+                </a:lnRef>
+                <a:fillRef idx="0">
+                  <a:schemeClr val="dk1"/>
+                </a:fillRef>
+                <a:effectRef idx="0">
+                  <a:schemeClr val="dk1"/>
+                </a:effectRef>
+                <a:fontRef idx="minor">
+                  <a:schemeClr val="tx1"/>
+                </a:fontRef>
+              </p:style>
+            </p:cxnSp>
+          </p:grpSp>
+          <p:grpSp>
+            <p:nvGrpSpPr>
+              <p:cNvPr id="6" name="组合 5">
+                <a:extLst>
+                  <a:ext uri="{FF2B5EF4-FFF2-40B4-BE49-F238E27FC236}">
+                    <a16:creationId xmlns:a16="http://schemas.microsoft.com/office/drawing/2014/main" id="{ADE00ECE-2C48-46CB-B640-7097B5DC0973}"/>
+                  </a:ext>
+                </a:extLst>
+              </p:cNvPr>
+              <p:cNvGrpSpPr/>
+              <p:nvPr/>
+            </p:nvGrpSpPr>
+            <p:grpSpPr>
+              <a:xfrm>
+                <a:off x="2775208" y="1426129"/>
+                <a:ext cx="411060" cy="234892"/>
+                <a:chOff x="1040235" y="1426128"/>
+                <a:chExt cx="754282" cy="310393"/>
+              </a:xfrm>
+            </p:grpSpPr>
+            <p:sp>
+              <p:nvSpPr>
+                <p:cNvPr id="39" name="矩形 38">
+                  <a:extLst>
+                    <a:ext uri="{FF2B5EF4-FFF2-40B4-BE49-F238E27FC236}">
+                      <a16:creationId xmlns:a16="http://schemas.microsoft.com/office/drawing/2014/main" id="{4AF235A0-8E8E-41B3-B221-5C1F568D12B1}"/>
+                    </a:ext>
+                  </a:extLst>
+                </p:cNvPr>
+                <p:cNvSpPr/>
+                <p:nvPr/>
+              </p:nvSpPr>
+              <p:spPr>
+                <a:xfrm>
+                  <a:off x="1040235" y="1426128"/>
+                  <a:ext cx="394282" cy="310393"/>
+                </a:xfrm>
+                <a:prstGeom prst="rect">
+                  <a:avLst/>
+                </a:prstGeom>
+              </p:spPr>
+              <p:style>
+                <a:lnRef idx="1">
+                  <a:schemeClr val="accent1"/>
+                </a:lnRef>
+                <a:fillRef idx="2">
+                  <a:schemeClr val="accent1"/>
+                </a:fillRef>
+                <a:effectRef idx="1">
+                  <a:schemeClr val="accent1"/>
+                </a:effectRef>
+                <a:fontRef idx="minor">
+                  <a:schemeClr val="dk1"/>
+                </a:fontRef>
+              </p:style>
+              <p:txBody>
+                <a:bodyPr rtlCol="0" anchor="ctr"/>
+                <a:lstStyle/>
+                <a:p>
+                  <a:pPr algn="ctr"/>
+                  <a:endParaRPr lang="zh-CN" altLang="en-US"/>
+                </a:p>
+              </p:txBody>
+            </p:sp>
+            <p:cxnSp>
+              <p:nvCxnSpPr>
+                <p:cNvPr id="40" name="直接箭头连接符 39">
+                  <a:extLst>
+                    <a:ext uri="{FF2B5EF4-FFF2-40B4-BE49-F238E27FC236}">
+                      <a16:creationId xmlns:a16="http://schemas.microsoft.com/office/drawing/2014/main" id="{6BDA2459-CD56-4BE2-B896-FEE6053D62E1}"/>
+                    </a:ext>
+                  </a:extLst>
+                </p:cNvPr>
+                <p:cNvCxnSpPr>
+                  <a:cxnSpLocks/>
+                  <a:endCxn id="39" idx="3"/>
+                </p:cNvCxnSpPr>
+                <p:nvPr/>
+              </p:nvCxnSpPr>
+              <p:spPr>
+                <a:xfrm flipH="1">
+                  <a:off x="1434517" y="1581325"/>
+                  <a:ext cx="360000" cy="0"/>
+                </a:xfrm>
+                <a:prstGeom prst="straightConnector1">
+                  <a:avLst/>
+                </a:prstGeom>
+                <a:ln>
+                  <a:tailEnd type="triangle"/>
+                </a:ln>
+              </p:spPr>
+              <p:style>
+                <a:lnRef idx="1">
+                  <a:schemeClr val="dk1"/>
+                </a:lnRef>
+                <a:fillRef idx="0">
+                  <a:schemeClr val="dk1"/>
+                </a:fillRef>
+                <a:effectRef idx="0">
+                  <a:schemeClr val="dk1"/>
+                </a:effectRef>
+                <a:fontRef idx="minor">
+                  <a:schemeClr val="tx1"/>
+                </a:fontRef>
+              </p:style>
+            </p:cxnSp>
+          </p:grpSp>
+          <p:grpSp>
+            <p:nvGrpSpPr>
+              <p:cNvPr id="7" name="组合 6">
+                <a:extLst>
+                  <a:ext uri="{FF2B5EF4-FFF2-40B4-BE49-F238E27FC236}">
+                    <a16:creationId xmlns:a16="http://schemas.microsoft.com/office/drawing/2014/main" id="{DC66CDD9-4536-411B-91AB-66EC67F8B529}"/>
+                  </a:ext>
+                </a:extLst>
+              </p:cNvPr>
+              <p:cNvGrpSpPr/>
+              <p:nvPr/>
+            </p:nvGrpSpPr>
+            <p:grpSpPr>
+              <a:xfrm>
+                <a:off x="3204950" y="1426129"/>
+                <a:ext cx="411060" cy="234892"/>
+                <a:chOff x="1040235" y="1426128"/>
+                <a:chExt cx="754282" cy="310393"/>
+              </a:xfrm>
+            </p:grpSpPr>
+            <p:sp>
+              <p:nvSpPr>
+                <p:cNvPr id="37" name="矩形 36">
+                  <a:extLst>
+                    <a:ext uri="{FF2B5EF4-FFF2-40B4-BE49-F238E27FC236}">
+                      <a16:creationId xmlns:a16="http://schemas.microsoft.com/office/drawing/2014/main" id="{94EBE99F-1219-4FB9-AC7A-29352878F93C}"/>
+                    </a:ext>
+                  </a:extLst>
+                </p:cNvPr>
+                <p:cNvSpPr/>
+                <p:nvPr/>
+              </p:nvSpPr>
+              <p:spPr>
+                <a:xfrm>
+                  <a:off x="1040235" y="1426128"/>
+                  <a:ext cx="394282" cy="310393"/>
+                </a:xfrm>
+                <a:prstGeom prst="rect">
+                  <a:avLst/>
+                </a:prstGeom>
+              </p:spPr>
+              <p:style>
+                <a:lnRef idx="1">
+                  <a:schemeClr val="accent1"/>
+                </a:lnRef>
+                <a:fillRef idx="2">
+                  <a:schemeClr val="accent1"/>
+                </a:fillRef>
+                <a:effectRef idx="1">
+                  <a:schemeClr val="accent1"/>
+                </a:effectRef>
+                <a:fontRef idx="minor">
+                  <a:schemeClr val="dk1"/>
+                </a:fontRef>
+              </p:style>
+              <p:txBody>
+                <a:bodyPr rtlCol="0" anchor="ctr"/>
+                <a:lstStyle/>
+                <a:p>
+                  <a:pPr algn="ctr"/>
+                  <a:endParaRPr lang="zh-CN" altLang="en-US"/>
+                </a:p>
+              </p:txBody>
+            </p:sp>
+            <p:cxnSp>
+              <p:nvCxnSpPr>
+                <p:cNvPr id="38" name="直接箭头连接符 37">
+                  <a:extLst>
+                    <a:ext uri="{FF2B5EF4-FFF2-40B4-BE49-F238E27FC236}">
+                      <a16:creationId xmlns:a16="http://schemas.microsoft.com/office/drawing/2014/main" id="{C1685908-9FB0-4E7C-A94E-7B63E52A7DF2}"/>
+                    </a:ext>
+                  </a:extLst>
+                </p:cNvPr>
+                <p:cNvCxnSpPr>
+                  <a:cxnSpLocks/>
+                  <a:endCxn id="37" idx="3"/>
+                </p:cNvCxnSpPr>
+                <p:nvPr/>
+              </p:nvCxnSpPr>
+              <p:spPr>
+                <a:xfrm flipH="1">
+                  <a:off x="1434517" y="1581325"/>
+                  <a:ext cx="360000" cy="0"/>
+                </a:xfrm>
+                <a:prstGeom prst="straightConnector1">
+                  <a:avLst/>
+                </a:prstGeom>
+                <a:ln>
+                  <a:tailEnd type="triangle"/>
+                </a:ln>
+              </p:spPr>
+              <p:style>
+                <a:lnRef idx="1">
+                  <a:schemeClr val="dk1"/>
+                </a:lnRef>
+                <a:fillRef idx="0">
+                  <a:schemeClr val="dk1"/>
+                </a:fillRef>
+                <a:effectRef idx="0">
+                  <a:schemeClr val="dk1"/>
+                </a:effectRef>
+                <a:fontRef idx="minor">
+                  <a:schemeClr val="tx1"/>
+                </a:fontRef>
+              </p:style>
+            </p:cxnSp>
+          </p:grpSp>
+          <p:grpSp>
+            <p:nvGrpSpPr>
+              <p:cNvPr id="8" name="组合 7">
+                <a:extLst>
+                  <a:ext uri="{FF2B5EF4-FFF2-40B4-BE49-F238E27FC236}">
+                    <a16:creationId xmlns:a16="http://schemas.microsoft.com/office/drawing/2014/main" id="{02005C83-303B-452F-ADE8-E8C67F1C4A3D}"/>
+                  </a:ext>
+                </a:extLst>
+              </p:cNvPr>
+              <p:cNvGrpSpPr/>
+              <p:nvPr/>
+            </p:nvGrpSpPr>
+            <p:grpSpPr>
+              <a:xfrm>
+                <a:off x="3634692" y="1895770"/>
+                <a:ext cx="411060" cy="234892"/>
+                <a:chOff x="1040235" y="1426128"/>
+                <a:chExt cx="754282" cy="310393"/>
+              </a:xfrm>
+            </p:grpSpPr>
+            <p:sp>
+              <p:nvSpPr>
+                <p:cNvPr id="35" name="矩形 34">
+                  <a:extLst>
+                    <a:ext uri="{FF2B5EF4-FFF2-40B4-BE49-F238E27FC236}">
+                      <a16:creationId xmlns:a16="http://schemas.microsoft.com/office/drawing/2014/main" id="{1DC3A79A-6A71-4353-8E89-EA4846DE1B06}"/>
+                    </a:ext>
+                  </a:extLst>
+                </p:cNvPr>
+                <p:cNvSpPr/>
+                <p:nvPr/>
+              </p:nvSpPr>
+              <p:spPr>
+                <a:xfrm>
+                  <a:off x="1040235" y="1426128"/>
+                  <a:ext cx="394282" cy="310393"/>
+                </a:xfrm>
+                <a:prstGeom prst="rect">
+                  <a:avLst/>
+                </a:prstGeom>
+              </p:spPr>
+              <p:style>
+                <a:lnRef idx="1">
+                  <a:schemeClr val="accent2"/>
+                </a:lnRef>
+                <a:fillRef idx="2">
+                  <a:schemeClr val="accent2"/>
+                </a:fillRef>
+                <a:effectRef idx="1">
+                  <a:schemeClr val="accent2"/>
+                </a:effectRef>
+                <a:fontRef idx="minor">
+                  <a:schemeClr val="dk1"/>
+                </a:fontRef>
+              </p:style>
+              <p:txBody>
+                <a:bodyPr rtlCol="0" anchor="ctr"/>
+                <a:lstStyle/>
+                <a:p>
+                  <a:pPr algn="ctr"/>
+                  <a:r>
+                    <a:rPr lang="en-US" altLang="zh-CN" dirty="0"/>
+                    <a:t>a</a:t>
+                  </a:r>
+                  <a:endParaRPr lang="zh-CN" altLang="en-US" dirty="0"/>
+                </a:p>
+              </p:txBody>
+            </p:sp>
+            <p:cxnSp>
+              <p:nvCxnSpPr>
+                <p:cNvPr id="36" name="直接箭头连接符 35">
+                  <a:extLst>
+                    <a:ext uri="{FF2B5EF4-FFF2-40B4-BE49-F238E27FC236}">
+                      <a16:creationId xmlns:a16="http://schemas.microsoft.com/office/drawing/2014/main" id="{AA6ADEC1-6BF9-4A5A-81A6-D998FFFD894E}"/>
+                    </a:ext>
+                  </a:extLst>
+                </p:cNvPr>
+                <p:cNvCxnSpPr>
+                  <a:cxnSpLocks/>
+                  <a:endCxn id="35" idx="3"/>
+                </p:cNvCxnSpPr>
+                <p:nvPr/>
+              </p:nvCxnSpPr>
+              <p:spPr>
+                <a:xfrm flipH="1">
+                  <a:off x="1434517" y="1581325"/>
+                  <a:ext cx="360000" cy="0"/>
+                </a:xfrm>
+                <a:prstGeom prst="straightConnector1">
+                  <a:avLst/>
+                </a:prstGeom>
+                <a:ln>
+                  <a:tailEnd type="triangle"/>
+                </a:ln>
+              </p:spPr>
+              <p:style>
+                <a:lnRef idx="1">
+                  <a:schemeClr val="dk1"/>
+                </a:lnRef>
+                <a:fillRef idx="0">
+                  <a:schemeClr val="dk1"/>
+                </a:fillRef>
+                <a:effectRef idx="0">
+                  <a:schemeClr val="dk1"/>
+                </a:effectRef>
+                <a:fontRef idx="minor">
+                  <a:schemeClr val="tx1"/>
+                </a:fontRef>
+              </p:style>
+            </p:cxnSp>
+          </p:grpSp>
+          <p:grpSp>
+            <p:nvGrpSpPr>
+              <p:cNvPr id="9" name="组合 8">
+                <a:extLst>
+                  <a:ext uri="{FF2B5EF4-FFF2-40B4-BE49-F238E27FC236}">
+                    <a16:creationId xmlns:a16="http://schemas.microsoft.com/office/drawing/2014/main" id="{5A5306CA-6D98-41F8-91F6-E6646484132A}"/>
+                  </a:ext>
+                </a:extLst>
+              </p:cNvPr>
+              <p:cNvGrpSpPr/>
+              <p:nvPr/>
+            </p:nvGrpSpPr>
+            <p:grpSpPr>
+              <a:xfrm>
+                <a:off x="3634692" y="1426129"/>
+                <a:ext cx="411060" cy="234892"/>
+                <a:chOff x="1040235" y="1426128"/>
+                <a:chExt cx="754282" cy="310393"/>
+              </a:xfrm>
+            </p:grpSpPr>
+            <p:sp>
+              <p:nvSpPr>
+                <p:cNvPr id="33" name="矩形 32">
+                  <a:extLst>
+                    <a:ext uri="{FF2B5EF4-FFF2-40B4-BE49-F238E27FC236}">
+                      <a16:creationId xmlns:a16="http://schemas.microsoft.com/office/drawing/2014/main" id="{CBF668BA-B6F5-4F96-8D7D-11FFEFBA1550}"/>
+                    </a:ext>
+                  </a:extLst>
+                </p:cNvPr>
+                <p:cNvSpPr/>
+                <p:nvPr/>
+              </p:nvSpPr>
+              <p:spPr>
+                <a:xfrm>
+                  <a:off x="1040235" y="1426128"/>
+                  <a:ext cx="394282" cy="310393"/>
+                </a:xfrm>
+                <a:prstGeom prst="rect">
+                  <a:avLst/>
+                </a:prstGeom>
+              </p:spPr>
+              <p:style>
+                <a:lnRef idx="1">
+                  <a:schemeClr val="accent1"/>
+                </a:lnRef>
+                <a:fillRef idx="2">
+                  <a:schemeClr val="accent1"/>
+                </a:fillRef>
+                <a:effectRef idx="1">
+                  <a:schemeClr val="accent1"/>
+                </a:effectRef>
+                <a:fontRef idx="minor">
+                  <a:schemeClr val="dk1"/>
+                </a:fontRef>
+              </p:style>
+              <p:txBody>
+                <a:bodyPr rtlCol="0" anchor="ctr"/>
+                <a:lstStyle/>
+                <a:p>
+                  <a:pPr algn="ctr"/>
+                  <a:r>
+                    <a:rPr lang="en-US" altLang="zh-CN" dirty="0"/>
+                    <a:t>h</a:t>
+                  </a:r>
+                  <a:endParaRPr lang="zh-CN" altLang="en-US" dirty="0"/>
+                </a:p>
+              </p:txBody>
+            </p:sp>
+            <p:cxnSp>
+              <p:nvCxnSpPr>
+                <p:cNvPr id="34" name="直接箭头连接符 33">
+                  <a:extLst>
+                    <a:ext uri="{FF2B5EF4-FFF2-40B4-BE49-F238E27FC236}">
+                      <a16:creationId xmlns:a16="http://schemas.microsoft.com/office/drawing/2014/main" id="{4E5B31EC-30E0-42D8-ADCE-C921CF3F32C7}"/>
+                    </a:ext>
+                  </a:extLst>
+                </p:cNvPr>
+                <p:cNvCxnSpPr>
+                  <a:cxnSpLocks/>
+                  <a:endCxn id="33" idx="3"/>
+                </p:cNvCxnSpPr>
+                <p:nvPr/>
+              </p:nvCxnSpPr>
+              <p:spPr>
+                <a:xfrm flipH="1">
+                  <a:off x="1434517" y="1581325"/>
+                  <a:ext cx="360000" cy="0"/>
+                </a:xfrm>
+                <a:prstGeom prst="straightConnector1">
+                  <a:avLst/>
+                </a:prstGeom>
+                <a:ln>
+                  <a:tailEnd type="triangle"/>
+                </a:ln>
+              </p:spPr>
+              <p:style>
+                <a:lnRef idx="1">
+                  <a:schemeClr val="dk1"/>
+                </a:lnRef>
+                <a:fillRef idx="0">
+                  <a:schemeClr val="dk1"/>
+                </a:fillRef>
+                <a:effectRef idx="0">
+                  <a:schemeClr val="dk1"/>
+                </a:effectRef>
+                <a:fontRef idx="minor">
+                  <a:schemeClr val="tx1"/>
+                </a:fontRef>
+              </p:style>
+            </p:cxnSp>
+          </p:grpSp>
+          <p:cxnSp>
+            <p:nvCxnSpPr>
+              <p:cNvPr id="10" name="直接连接符 9">
+                <a:extLst>
+                  <a:ext uri="{FF2B5EF4-FFF2-40B4-BE49-F238E27FC236}">
+                    <a16:creationId xmlns:a16="http://schemas.microsoft.com/office/drawing/2014/main" id="{785730C6-DDF1-4FEB-BDDB-485A37CA24EB}"/>
+                  </a:ext>
+                </a:extLst>
+              </p:cNvPr>
+              <p:cNvCxnSpPr>
+                <a:cxnSpLocks/>
+              </p:cNvCxnSpPr>
+              <p:nvPr/>
+            </p:nvCxnSpPr>
+            <p:spPr>
+              <a:xfrm flipH="1">
+                <a:off x="3484799" y="1040535"/>
+                <a:ext cx="42457" cy="1510078"/>
+              </a:xfrm>
+              <a:prstGeom prst="line">
+                <a:avLst/>
+              </a:prstGeom>
+              <a:ln w="25400">
+                <a:prstDash val="dash"/>
+              </a:ln>
+            </p:spPr>
+            <p:style>
+              <a:lnRef idx="1">
+                <a:schemeClr val="dk1"/>
+              </a:lnRef>
+              <a:fillRef idx="0">
+                <a:schemeClr val="dk1"/>
+              </a:fillRef>
+              <a:effectRef idx="0">
+                <a:schemeClr val="dk1"/>
+              </a:effectRef>
+              <a:fontRef idx="minor">
+                <a:schemeClr val="tx1"/>
+              </a:fontRef>
+            </p:style>
+          </p:cxnSp>
+          <p:cxnSp>
+            <p:nvCxnSpPr>
+              <p:cNvPr id="11" name="直接箭头连接符 10">
+                <a:extLst>
+                  <a:ext uri="{FF2B5EF4-FFF2-40B4-BE49-F238E27FC236}">
+                    <a16:creationId xmlns:a16="http://schemas.microsoft.com/office/drawing/2014/main" id="{35C29BA8-2CD5-4004-8631-5B8D980BB036}"/>
+                  </a:ext>
+                </a:extLst>
+              </p:cNvPr>
+              <p:cNvCxnSpPr>
+                <a:stCxn id="35" idx="1"/>
+                <a:endCxn id="37" idx="3"/>
+              </p:cNvCxnSpPr>
+              <p:nvPr/>
+            </p:nvCxnSpPr>
+            <p:spPr>
+              <a:xfrm flipH="1" flipV="1">
+                <a:off x="3419821" y="1543575"/>
+                <a:ext cx="214871" cy="469641"/>
+              </a:xfrm>
+              <a:prstGeom prst="straightConnector1">
+                <a:avLst/>
+              </a:prstGeom>
+              <a:ln>
+                <a:tailEnd type="triangle"/>
+              </a:ln>
+            </p:spPr>
+            <p:style>
+              <a:lnRef idx="1">
+                <a:schemeClr val="dk1"/>
+              </a:lnRef>
+              <a:fillRef idx="0">
+                <a:schemeClr val="dk1"/>
+              </a:fillRef>
+              <a:effectRef idx="0">
+                <a:schemeClr val="dk1"/>
+              </a:effectRef>
+              <a:fontRef idx="minor">
+                <a:schemeClr val="tx1"/>
+              </a:fontRef>
+            </p:style>
+          </p:cxnSp>
+          <p:grpSp>
+            <p:nvGrpSpPr>
+              <p:cNvPr id="12" name="组合 11">
+                <a:extLst>
+                  <a:ext uri="{FF2B5EF4-FFF2-40B4-BE49-F238E27FC236}">
+                    <a16:creationId xmlns:a16="http://schemas.microsoft.com/office/drawing/2014/main" id="{8795E19F-7CB2-406C-B9C4-04BBB119793F}"/>
+                  </a:ext>
+                </a:extLst>
+              </p:cNvPr>
+              <p:cNvGrpSpPr/>
+              <p:nvPr/>
+            </p:nvGrpSpPr>
+            <p:grpSpPr>
+              <a:xfrm>
+                <a:off x="4055093" y="1426129"/>
+                <a:ext cx="411060" cy="234892"/>
+                <a:chOff x="1040235" y="1426128"/>
+                <a:chExt cx="754282" cy="310393"/>
+              </a:xfrm>
+            </p:grpSpPr>
+            <p:sp>
+              <p:nvSpPr>
+                <p:cNvPr id="31" name="矩形 30">
+                  <a:extLst>
+                    <a:ext uri="{FF2B5EF4-FFF2-40B4-BE49-F238E27FC236}">
+                      <a16:creationId xmlns:a16="http://schemas.microsoft.com/office/drawing/2014/main" id="{C0486FD4-77E8-4CD4-A720-1D92E59ADC40}"/>
+                    </a:ext>
+                  </a:extLst>
+                </p:cNvPr>
+                <p:cNvSpPr/>
+                <p:nvPr/>
+              </p:nvSpPr>
+              <p:spPr>
+                <a:xfrm>
+                  <a:off x="1040235" y="1426128"/>
+                  <a:ext cx="394282" cy="310393"/>
+                </a:xfrm>
+                <a:prstGeom prst="rect">
+                  <a:avLst/>
+                </a:prstGeom>
+              </p:spPr>
+              <p:style>
+                <a:lnRef idx="1">
+                  <a:schemeClr val="accent1"/>
+                </a:lnRef>
+                <a:fillRef idx="2">
+                  <a:schemeClr val="accent1"/>
+                </a:fillRef>
+                <a:effectRef idx="1">
+                  <a:schemeClr val="accent1"/>
+                </a:effectRef>
+                <a:fontRef idx="minor">
+                  <a:schemeClr val="dk1"/>
+                </a:fontRef>
+              </p:style>
+              <p:txBody>
+                <a:bodyPr rtlCol="0" anchor="ctr"/>
+                <a:lstStyle/>
+                <a:p>
+                  <a:pPr algn="ctr"/>
+                  <a:endParaRPr lang="zh-CN" altLang="en-US"/>
+                </a:p>
+              </p:txBody>
+            </p:sp>
+            <p:cxnSp>
+              <p:nvCxnSpPr>
+                <p:cNvPr id="32" name="直接箭头连接符 31">
+                  <a:extLst>
+                    <a:ext uri="{FF2B5EF4-FFF2-40B4-BE49-F238E27FC236}">
+                      <a16:creationId xmlns:a16="http://schemas.microsoft.com/office/drawing/2014/main" id="{E6E2A0EC-4066-494E-B973-E663A62D487E}"/>
+                    </a:ext>
+                  </a:extLst>
+                </p:cNvPr>
+                <p:cNvCxnSpPr>
+                  <a:cxnSpLocks/>
+                  <a:endCxn id="31" idx="3"/>
+                </p:cNvCxnSpPr>
+                <p:nvPr/>
+              </p:nvCxnSpPr>
+              <p:spPr>
+                <a:xfrm flipH="1">
+                  <a:off x="1434517" y="1581325"/>
+                  <a:ext cx="360000" cy="0"/>
+                </a:xfrm>
+                <a:prstGeom prst="straightConnector1">
+                  <a:avLst/>
+                </a:prstGeom>
+                <a:ln>
+                  <a:tailEnd type="triangle"/>
+                </a:ln>
+              </p:spPr>
+              <p:style>
+                <a:lnRef idx="1">
+                  <a:schemeClr val="dk1"/>
+                </a:lnRef>
+                <a:fillRef idx="0">
+                  <a:schemeClr val="dk1"/>
+                </a:fillRef>
+                <a:effectRef idx="0">
+                  <a:schemeClr val="dk1"/>
+                </a:effectRef>
+                <a:fontRef idx="minor">
+                  <a:schemeClr val="tx1"/>
+                </a:fontRef>
+              </p:style>
+            </p:cxnSp>
+          </p:grpSp>
+          <p:grpSp>
+            <p:nvGrpSpPr>
+              <p:cNvPr id="13" name="组合 12">
+                <a:extLst>
+                  <a:ext uri="{FF2B5EF4-FFF2-40B4-BE49-F238E27FC236}">
+                    <a16:creationId xmlns:a16="http://schemas.microsoft.com/office/drawing/2014/main" id="{1C1EB4FD-F42D-443B-8F15-34EA0172036C}"/>
+                  </a:ext>
+                </a:extLst>
+              </p:cNvPr>
+              <p:cNvGrpSpPr/>
+              <p:nvPr/>
+            </p:nvGrpSpPr>
+            <p:grpSpPr>
+              <a:xfrm>
+                <a:off x="4079341" y="1899051"/>
+                <a:ext cx="411060" cy="234892"/>
+                <a:chOff x="1040235" y="1426128"/>
+                <a:chExt cx="754282" cy="310393"/>
+              </a:xfrm>
+            </p:grpSpPr>
+            <p:sp>
+              <p:nvSpPr>
+                <p:cNvPr id="29" name="矩形 28">
+                  <a:extLst>
+                    <a:ext uri="{FF2B5EF4-FFF2-40B4-BE49-F238E27FC236}">
+                      <a16:creationId xmlns:a16="http://schemas.microsoft.com/office/drawing/2014/main" id="{4428A663-3238-4273-B9D3-42970F6029A6}"/>
+                    </a:ext>
+                  </a:extLst>
+                </p:cNvPr>
+                <p:cNvSpPr/>
+                <p:nvPr/>
+              </p:nvSpPr>
+              <p:spPr>
+                <a:xfrm>
+                  <a:off x="1040235" y="1426128"/>
+                  <a:ext cx="394282" cy="310393"/>
+                </a:xfrm>
+                <a:prstGeom prst="rect">
+                  <a:avLst/>
+                </a:prstGeom>
+              </p:spPr>
+              <p:style>
+                <a:lnRef idx="1">
+                  <a:schemeClr val="accent2"/>
+                </a:lnRef>
+                <a:fillRef idx="2">
+                  <a:schemeClr val="accent2"/>
+                </a:fillRef>
+                <a:effectRef idx="1">
+                  <a:schemeClr val="accent2"/>
+                </a:effectRef>
+                <a:fontRef idx="minor">
+                  <a:schemeClr val="dk1"/>
+                </a:fontRef>
+              </p:style>
+              <p:txBody>
+                <a:bodyPr rtlCol="0" anchor="ctr"/>
+                <a:lstStyle/>
+                <a:p>
+                  <a:pPr algn="ctr"/>
+                  <a:endParaRPr lang="zh-CN" altLang="en-US"/>
+                </a:p>
+              </p:txBody>
+            </p:sp>
+            <p:cxnSp>
+              <p:nvCxnSpPr>
+                <p:cNvPr id="30" name="直接箭头连接符 29">
+                  <a:extLst>
+                    <a:ext uri="{FF2B5EF4-FFF2-40B4-BE49-F238E27FC236}">
+                      <a16:creationId xmlns:a16="http://schemas.microsoft.com/office/drawing/2014/main" id="{A42E964E-2EDF-46F2-B3FD-8E4D2A6AAFDE}"/>
+                    </a:ext>
+                  </a:extLst>
+                </p:cNvPr>
+                <p:cNvCxnSpPr>
+                  <a:cxnSpLocks/>
+                  <a:endCxn id="29" idx="3"/>
+                </p:cNvCxnSpPr>
+                <p:nvPr/>
+              </p:nvCxnSpPr>
+              <p:spPr>
+                <a:xfrm flipH="1">
+                  <a:off x="1434517" y="1581325"/>
+                  <a:ext cx="360000" cy="0"/>
+                </a:xfrm>
+                <a:prstGeom prst="straightConnector1">
+                  <a:avLst/>
+                </a:prstGeom>
+                <a:ln>
+                  <a:tailEnd type="triangle"/>
+                </a:ln>
+              </p:spPr>
+              <p:style>
+                <a:lnRef idx="1">
+                  <a:schemeClr val="dk1"/>
+                </a:lnRef>
+                <a:fillRef idx="0">
+                  <a:schemeClr val="dk1"/>
+                </a:fillRef>
+                <a:effectRef idx="0">
+                  <a:schemeClr val="dk1"/>
+                </a:effectRef>
+                <a:fontRef idx="minor">
+                  <a:schemeClr val="tx1"/>
+                </a:fontRef>
+              </p:style>
+            </p:cxnSp>
+          </p:grpSp>
+          <p:sp>
+            <p:nvSpPr>
+              <p:cNvPr id="27" name="矩形 26">
+                <a:extLst>
+                  <a:ext uri="{FF2B5EF4-FFF2-40B4-BE49-F238E27FC236}">
+                    <a16:creationId xmlns:a16="http://schemas.microsoft.com/office/drawing/2014/main" id="{25761AB5-6DB0-4199-9EEE-92605E20ABBF}"/>
+                  </a:ext>
+                </a:extLst>
+              </p:cNvPr>
+              <p:cNvSpPr/>
+              <p:nvPr/>
+            </p:nvSpPr>
+            <p:spPr>
+              <a:xfrm>
+                <a:off x="4993197" y="1863286"/>
+                <a:ext cx="214871" cy="234892"/>
+              </a:xfrm>
+              <a:prstGeom prst="rect">
+                <a:avLst/>
+              </a:prstGeom>
+            </p:spPr>
+            <p:style>
+              <a:lnRef idx="1">
+                <a:schemeClr val="accent2"/>
+              </a:lnRef>
+              <a:fillRef idx="2">
+                <a:schemeClr val="accent2"/>
+              </a:fillRef>
+              <a:effectRef idx="1">
+                <a:schemeClr val="accent2"/>
+              </a:effectRef>
+              <a:fontRef idx="minor">
+                <a:schemeClr val="dk1"/>
+              </a:fontRef>
+            </p:style>
+            <p:txBody>
+              <a:bodyPr rtlCol="0" anchor="ctr"/>
+              <a:lstStyle/>
+              <a:p>
+                <a:pPr algn="ctr"/>
+                <a:endParaRPr lang="zh-CN" altLang="en-US"/>
+              </a:p>
+            </p:txBody>
+          </p:sp>
+          <p:grpSp>
+            <p:nvGrpSpPr>
+              <p:cNvPr id="15" name="组合 14">
+                <a:extLst>
+                  <a:ext uri="{FF2B5EF4-FFF2-40B4-BE49-F238E27FC236}">
+                    <a16:creationId xmlns:a16="http://schemas.microsoft.com/office/drawing/2014/main" id="{101AEE37-5A84-4EDA-95FD-847B29E5CBBF}"/>
+                  </a:ext>
+                </a:extLst>
+              </p:cNvPr>
+              <p:cNvGrpSpPr/>
+              <p:nvPr/>
+            </p:nvGrpSpPr>
+            <p:grpSpPr>
+              <a:xfrm>
+                <a:off x="4568495" y="1421136"/>
+                <a:ext cx="411061" cy="234892"/>
+                <a:chOff x="1040235" y="1426128"/>
+                <a:chExt cx="754283" cy="310393"/>
+              </a:xfrm>
+            </p:grpSpPr>
+            <p:sp>
+              <p:nvSpPr>
+                <p:cNvPr id="25" name="矩形 24">
+                  <a:extLst>
+                    <a:ext uri="{FF2B5EF4-FFF2-40B4-BE49-F238E27FC236}">
+                      <a16:creationId xmlns:a16="http://schemas.microsoft.com/office/drawing/2014/main" id="{7A4BDC32-263A-406B-8E2A-C441329D3076}"/>
+                    </a:ext>
+                  </a:extLst>
+                </p:cNvPr>
+                <p:cNvSpPr/>
+                <p:nvPr/>
+              </p:nvSpPr>
+              <p:spPr>
+                <a:xfrm>
+                  <a:off x="1040235" y="1426128"/>
+                  <a:ext cx="394283" cy="310393"/>
+                </a:xfrm>
+                <a:prstGeom prst="rect">
+                  <a:avLst/>
+                </a:prstGeom>
+                <a:ln>
+                  <a:noFill/>
+                </a:ln>
+              </p:spPr>
+              <p:style>
+                <a:lnRef idx="2">
+                  <a:schemeClr val="accent1"/>
+                </a:lnRef>
+                <a:fillRef idx="1">
+                  <a:schemeClr val="lt1"/>
+                </a:fillRef>
+                <a:effectRef idx="0">
+                  <a:schemeClr val="accent1"/>
+                </a:effectRef>
+                <a:fontRef idx="minor">
+                  <a:schemeClr val="dk1"/>
+                </a:fontRef>
+              </p:style>
+              <p:txBody>
+                <a:bodyPr rtlCol="0" anchor="ctr"/>
+                <a:lstStyle/>
+                <a:p>
+                  <a:pPr algn="ctr"/>
+                  <a:r>
+                    <a:rPr lang="en-US" altLang="zh-CN" dirty="0"/>
+                    <a:t>…</a:t>
+                  </a:r>
+                </a:p>
+                <a:p>
+                  <a:pPr algn="ctr"/>
+                  <a:endParaRPr lang="zh-CN" altLang="en-US" dirty="0"/>
+                </a:p>
+              </p:txBody>
+            </p:sp>
+            <p:cxnSp>
+              <p:nvCxnSpPr>
+                <p:cNvPr id="26" name="直接箭头连接符 25">
+                  <a:extLst>
+                    <a:ext uri="{FF2B5EF4-FFF2-40B4-BE49-F238E27FC236}">
+                      <a16:creationId xmlns:a16="http://schemas.microsoft.com/office/drawing/2014/main" id="{70A304C0-3D61-4B13-B226-F174A04EFAE6}"/>
+                    </a:ext>
+                  </a:extLst>
+                </p:cNvPr>
+                <p:cNvCxnSpPr>
+                  <a:cxnSpLocks/>
+                  <a:endCxn id="25" idx="3"/>
+                </p:cNvCxnSpPr>
+                <p:nvPr/>
+              </p:nvCxnSpPr>
+              <p:spPr>
+                <a:xfrm flipH="1">
+                  <a:off x="1434518" y="1581325"/>
+                  <a:ext cx="360000" cy="0"/>
+                </a:xfrm>
+                <a:prstGeom prst="straightConnector1">
+                  <a:avLst/>
+                </a:prstGeom>
+                <a:ln>
+                  <a:tailEnd type="triangle"/>
+                </a:ln>
+              </p:spPr>
+              <p:style>
+                <a:lnRef idx="1">
+                  <a:schemeClr val="dk1"/>
+                </a:lnRef>
+                <a:fillRef idx="0">
+                  <a:schemeClr val="dk1"/>
+                </a:fillRef>
+                <a:effectRef idx="0">
+                  <a:schemeClr val="dk1"/>
+                </a:effectRef>
+                <a:fontRef idx="minor">
+                  <a:schemeClr val="tx1"/>
+                </a:fontRef>
+              </p:style>
+            </p:cxnSp>
+          </p:grpSp>
+          <p:grpSp>
+            <p:nvGrpSpPr>
+              <p:cNvPr id="16" name="组合 15">
+                <a:extLst>
+                  <a:ext uri="{FF2B5EF4-FFF2-40B4-BE49-F238E27FC236}">
+                    <a16:creationId xmlns:a16="http://schemas.microsoft.com/office/drawing/2014/main" id="{F7CBDE80-223B-468A-A0BA-00C153744A85}"/>
+                  </a:ext>
+                </a:extLst>
+              </p:cNvPr>
+              <p:cNvGrpSpPr/>
+              <p:nvPr/>
+            </p:nvGrpSpPr>
+            <p:grpSpPr>
+              <a:xfrm>
+                <a:off x="4547988" y="1895770"/>
+                <a:ext cx="444752" cy="234892"/>
+                <a:chOff x="1040235" y="1426128"/>
+                <a:chExt cx="816105" cy="310393"/>
+              </a:xfrm>
+            </p:grpSpPr>
+            <p:sp>
+              <p:nvSpPr>
+                <p:cNvPr id="23" name="矩形 22">
+                  <a:extLst>
+                    <a:ext uri="{FF2B5EF4-FFF2-40B4-BE49-F238E27FC236}">
+                      <a16:creationId xmlns:a16="http://schemas.microsoft.com/office/drawing/2014/main" id="{BEE6F039-A64F-41F5-8BFC-ACCFBBD1F510}"/>
+                    </a:ext>
+                  </a:extLst>
+                </p:cNvPr>
+                <p:cNvSpPr/>
+                <p:nvPr/>
+              </p:nvSpPr>
+              <p:spPr>
+                <a:xfrm>
+                  <a:off x="1040235" y="1426128"/>
+                  <a:ext cx="394283" cy="310393"/>
+                </a:xfrm>
+                <a:prstGeom prst="rect">
+                  <a:avLst/>
+                </a:prstGeom>
+                <a:ln>
+                  <a:noFill/>
+                </a:ln>
+              </p:spPr>
+              <p:style>
+                <a:lnRef idx="2">
+                  <a:schemeClr val="accent1"/>
+                </a:lnRef>
+                <a:fillRef idx="1">
+                  <a:schemeClr val="lt1"/>
+                </a:fillRef>
+                <a:effectRef idx="0">
+                  <a:schemeClr val="accent1"/>
+                </a:effectRef>
+                <a:fontRef idx="minor">
+                  <a:schemeClr val="dk1"/>
+                </a:fontRef>
+              </p:style>
+              <p:txBody>
+                <a:bodyPr rtlCol="0" anchor="ctr"/>
+                <a:lstStyle/>
+                <a:p>
+                  <a:pPr algn="ctr"/>
+                  <a:r>
+                    <a:rPr lang="en-US" altLang="zh-CN" dirty="0"/>
+                    <a:t>…</a:t>
+                  </a:r>
+                </a:p>
+                <a:p>
+                  <a:pPr algn="ctr"/>
+                  <a:endParaRPr lang="zh-CN" altLang="en-US" dirty="0"/>
+                </a:p>
+              </p:txBody>
+            </p:sp>
+            <p:cxnSp>
+              <p:nvCxnSpPr>
+                <p:cNvPr id="24" name="直接箭头连接符 23">
+                  <a:extLst>
+                    <a:ext uri="{FF2B5EF4-FFF2-40B4-BE49-F238E27FC236}">
+                      <a16:creationId xmlns:a16="http://schemas.microsoft.com/office/drawing/2014/main" id="{F15EF052-793C-4053-B58B-D409CE818E3A}"/>
+                    </a:ext>
+                  </a:extLst>
+                </p:cNvPr>
+                <p:cNvCxnSpPr>
+                  <a:cxnSpLocks/>
+                </p:cNvCxnSpPr>
+                <p:nvPr/>
+              </p:nvCxnSpPr>
+              <p:spPr>
+                <a:xfrm flipH="1">
+                  <a:off x="1496340" y="1538399"/>
+                  <a:ext cx="360000" cy="0"/>
+                </a:xfrm>
+                <a:prstGeom prst="straightConnector1">
+                  <a:avLst/>
+                </a:prstGeom>
+                <a:ln>
+                  <a:tailEnd type="triangle"/>
+                </a:ln>
+              </p:spPr>
+              <p:style>
+                <a:lnRef idx="1">
+                  <a:schemeClr val="dk1"/>
+                </a:lnRef>
+                <a:fillRef idx="0">
+                  <a:schemeClr val="dk1"/>
+                </a:fillRef>
+                <a:effectRef idx="0">
+                  <a:schemeClr val="dk1"/>
+                </a:effectRef>
+                <a:fontRef idx="minor">
+                  <a:schemeClr val="tx1"/>
+                </a:fontRef>
+              </p:style>
+            </p:cxnSp>
+          </p:grpSp>
+          <p:sp>
+            <p:nvSpPr>
+              <p:cNvPr id="18" name="左中括号 17">
+                <a:extLst>
+                  <a:ext uri="{FF2B5EF4-FFF2-40B4-BE49-F238E27FC236}">
+                    <a16:creationId xmlns:a16="http://schemas.microsoft.com/office/drawing/2014/main" id="{F50E8A84-9693-459C-9D93-FD659FEC05B9}"/>
+                  </a:ext>
+                </a:extLst>
+              </p:cNvPr>
+              <p:cNvSpPr/>
+              <p:nvPr/>
+            </p:nvSpPr>
+            <p:spPr>
+              <a:xfrm rot="5400000">
+                <a:off x="4527732" y="913927"/>
+                <a:ext cx="88650" cy="901936"/>
+              </a:xfrm>
+              <a:prstGeom prst="leftBracket">
+                <a:avLst/>
+              </a:prstGeom>
+              <a:ln w="25400"/>
+            </p:spPr>
+            <p:style>
+              <a:lnRef idx="1">
+                <a:schemeClr val="dk1"/>
+              </a:lnRef>
+              <a:fillRef idx="0">
+                <a:schemeClr val="dk1"/>
+              </a:fillRef>
+              <a:effectRef idx="0">
+                <a:schemeClr val="dk1"/>
+              </a:effectRef>
+              <a:fontRef idx="minor">
+                <a:schemeClr val="tx1"/>
+              </a:fontRef>
+            </p:style>
+            <p:txBody>
+              <a:bodyPr rtlCol="0" anchor="ctr"/>
+              <a:lstStyle/>
+              <a:p>
+                <a:pPr algn="ctr"/>
+                <a:endParaRPr lang="zh-CN" altLang="en-US"/>
+              </a:p>
+            </p:txBody>
+          </p:sp>
+          <mc:AlternateContent xmlns:mc="http://schemas.openxmlformats.org/markup-compatibility/2006">
+            <mc:Choice xmlns:a14="http://schemas.microsoft.com/office/drawing/2010/main" Requires="a14">
+              <p:sp>
+                <p:nvSpPr>
+                  <p:cNvPr id="19" name="矩形 18">
+                    <a:extLst>
+                      <a:ext uri="{FF2B5EF4-FFF2-40B4-BE49-F238E27FC236}">
+                        <a16:creationId xmlns:a16="http://schemas.microsoft.com/office/drawing/2014/main" id="{F4DF36D5-C7C8-408D-89B9-4049C23634AA}"/>
+                      </a:ext>
+                    </a:extLst>
+                  </p:cNvPr>
+                  <p:cNvSpPr/>
+                  <p:nvPr/>
+                </p:nvSpPr>
+                <p:spPr>
+                  <a:xfrm>
+                    <a:off x="3924901" y="951497"/>
+                    <a:ext cx="919667" cy="234884"/>
+                  </a:xfrm>
+                  <a:prstGeom prst="rect">
+                    <a:avLst/>
+                  </a:prstGeom>
+                  <a:ln>
+                    <a:noFill/>
+                  </a:ln>
+                </p:spPr>
+                <p:style>
+                  <a:lnRef idx="2">
+                    <a:schemeClr val="accent1"/>
+                  </a:lnRef>
+                  <a:fillRef idx="1">
+                    <a:schemeClr val="lt1"/>
+                  </a:fillRef>
+                  <a:effectRef idx="0">
+                    <a:schemeClr val="accent1"/>
+                  </a:effectRef>
+                  <a:fontRef idx="minor">
+                    <a:schemeClr val="dk1"/>
+                  </a:fontRef>
+                </p:style>
+                <p:txBody>
+                  <a:bodyPr rtlCol="0" anchor="ctr"/>
+                  <a:lstStyle/>
+                  <a:p>
+                    <a:pPr algn="ctr"/>
+                    <a:r>
+                      <a:rPr lang="zh-CN" altLang="en-US" sz="1200" dirty="0">
+                        <a:latin typeface="楷体" panose="02010609060101010101" pitchFamily="49" charset="-122"/>
+                        <a:ea typeface="楷体" panose="02010609060101010101" pitchFamily="49" charset="-122"/>
+                      </a:rPr>
+                      <a:t>确认区块数量</a:t>
+                    </a:r>
+                    <a14:m>
+                      <m:oMath xmlns:m="http://schemas.openxmlformats.org/officeDocument/2006/math">
+                        <m:r>
+                          <a:rPr lang="en-US" altLang="zh-CN" sz="1200" i="1" dirty="0" smtClean="0">
+                            <a:latin typeface="Cambria Math" panose="02040503050406030204" pitchFamily="18" charset="0"/>
+                            <a:ea typeface="楷体" panose="02010609060101010101" pitchFamily="49" charset="-122"/>
+                          </a:rPr>
+                          <m:t>𝑐</m:t>
+                        </m:r>
+                        <m:r>
+                          <a:rPr lang="en-US" altLang="zh-CN" sz="1200" i="1" dirty="0" smtClean="0">
+                            <a:latin typeface="Cambria Math" panose="02040503050406030204" pitchFamily="18" charset="0"/>
+                            <a:ea typeface="楷体" panose="02010609060101010101" pitchFamily="49" charset="-122"/>
+                          </a:rPr>
+                          <m:t> &gt; </m:t>
+                        </m:r>
+                      </m:oMath>
+                    </a14:m>
+                    <a:r>
+                      <a:rPr lang="en-US" altLang="zh-CN" sz="1200" dirty="0">
+                        <a:latin typeface="楷体" panose="02010609060101010101" pitchFamily="49" charset="-122"/>
+                        <a:ea typeface="楷体" panose="02010609060101010101" pitchFamily="49" charset="-122"/>
+                      </a:rPr>
+                      <a:t>1</a:t>
+                    </a:r>
+                    <a:endParaRPr lang="zh-CN" altLang="en-US" sz="1200" dirty="0">
+                      <a:latin typeface="楷体" panose="02010609060101010101" pitchFamily="49" charset="-122"/>
+                      <a:ea typeface="楷体" panose="02010609060101010101" pitchFamily="49" charset="-122"/>
+                    </a:endParaRPr>
+                  </a:p>
+                </p:txBody>
+              </p:sp>
+            </mc:Choice>
+            <mc:Fallback>
+              <p:sp>
+                <p:nvSpPr>
+                  <p:cNvPr id="19" name="矩形 18">
+                    <a:extLst>
+                      <a:ext uri="{FF2B5EF4-FFF2-40B4-BE49-F238E27FC236}">
+                        <a16:creationId xmlns:a16="http://schemas.microsoft.com/office/drawing/2014/main" id="{F4DF36D5-C7C8-408D-89B9-4049C23634AA}"/>
+                      </a:ext>
+                    </a:extLst>
+                  </p:cNvPr>
+                  <p:cNvSpPr>
+                    <a:spLocks noRot="1" noChangeAspect="1" noMove="1" noResize="1" noEditPoints="1" noAdjustHandles="1" noChangeArrowheads="1" noChangeShapeType="1" noTextEdit="1"/>
+                  </p:cNvSpPr>
+                  <p:nvPr/>
+                </p:nvSpPr>
+                <p:spPr>
+                  <a:xfrm>
+                    <a:off x="3924901" y="951497"/>
+                    <a:ext cx="919667" cy="234884"/>
+                  </a:xfrm>
+                  <a:prstGeom prst="rect">
+                    <a:avLst/>
+                  </a:prstGeom>
+                  <a:blipFill>
+                    <a:blip r:embed="rId9"/>
+                    <a:stretch>
+                      <a:fillRect t="-43590" b="-66667"/>
+                    </a:stretch>
+                  </a:blipFill>
+                  <a:ln>
+                    <a:noFill/>
+                  </a:ln>
+                </p:spPr>
+                <p:txBody>
+                  <a:bodyPr/>
+                  <a:lstStyle/>
+                  <a:p>
+                    <a:r>
+                      <a:rPr lang="zh-CN" altLang="en-US">
+                        <a:noFill/>
+                      </a:rPr>
+                      <a:t> </a:t>
+                    </a:r>
+                  </a:p>
+                </p:txBody>
+              </p:sp>
+            </mc:Fallback>
+          </mc:AlternateContent>
+          <p:sp>
+            <p:nvSpPr>
+              <p:cNvPr id="20" name="左中括号 19">
+                <a:extLst>
+                  <a:ext uri="{FF2B5EF4-FFF2-40B4-BE49-F238E27FC236}">
+                    <a16:creationId xmlns:a16="http://schemas.microsoft.com/office/drawing/2014/main" id="{071F9B82-3CF1-4C54-90DE-8582E83BA5EC}"/>
+                  </a:ext>
+                </a:extLst>
+              </p:cNvPr>
+              <p:cNvSpPr/>
+              <p:nvPr/>
+            </p:nvSpPr>
+            <p:spPr>
+              <a:xfrm rot="16200000">
+                <a:off x="4352663" y="1520803"/>
+                <a:ext cx="45719" cy="1369689"/>
+              </a:xfrm>
+              <a:prstGeom prst="leftBracket">
+                <a:avLst/>
+              </a:prstGeom>
+              <a:ln w="25400"/>
+            </p:spPr>
+            <p:style>
+              <a:lnRef idx="1">
+                <a:schemeClr val="dk1"/>
+              </a:lnRef>
+              <a:fillRef idx="0">
+                <a:schemeClr val="dk1"/>
+              </a:fillRef>
+              <a:effectRef idx="0">
+                <a:schemeClr val="dk1"/>
+              </a:effectRef>
+              <a:fontRef idx="minor">
+                <a:schemeClr val="tx1"/>
+              </a:fontRef>
+            </p:style>
+            <p:txBody>
+              <a:bodyPr rtlCol="0" anchor="ctr"/>
+              <a:lstStyle/>
+              <a:p>
+                <a:pPr algn="ctr"/>
+                <a:endParaRPr lang="zh-CN" altLang="en-US"/>
+              </a:p>
+            </p:txBody>
+          </p:sp>
+          <mc:AlternateContent xmlns:mc="http://schemas.openxmlformats.org/markup-compatibility/2006">
+            <mc:Choice xmlns:a14="http://schemas.microsoft.com/office/drawing/2010/main" Requires="a14">
+              <p:sp>
+                <p:nvSpPr>
+                  <p:cNvPr id="21" name="矩形 20">
+                    <a:extLst>
+                      <a:ext uri="{FF2B5EF4-FFF2-40B4-BE49-F238E27FC236}">
+                        <a16:creationId xmlns:a16="http://schemas.microsoft.com/office/drawing/2014/main" id="{332C5594-64BC-4762-9EDC-0C061D2B2071}"/>
+                      </a:ext>
+                    </a:extLst>
+                  </p:cNvPr>
+                  <p:cNvSpPr/>
+                  <p:nvPr/>
+                </p:nvSpPr>
+                <p:spPr>
+                  <a:xfrm>
+                    <a:off x="4169715" y="2315729"/>
+                    <a:ext cx="468647" cy="234884"/>
+                  </a:xfrm>
+                  <a:prstGeom prst="rect">
+                    <a:avLst/>
+                  </a:prstGeom>
+                  <a:ln>
+                    <a:noFill/>
+                  </a:ln>
+                </p:spPr>
+                <p:style>
+                  <a:lnRef idx="2">
+                    <a:schemeClr val="accent1"/>
+                  </a:lnRef>
+                  <a:fillRef idx="1">
+                    <a:schemeClr val="lt1"/>
+                  </a:fillRef>
+                  <a:effectRef idx="0">
+                    <a:schemeClr val="accent1"/>
+                  </a:effectRef>
+                  <a:fontRef idx="minor">
+                    <a:schemeClr val="dk1"/>
+                  </a:fontRef>
+                </p:style>
+                <p:txBody>
+                  <a:bodyPr rtlCol="0" anchor="ctr"/>
+                  <a:lstStyle/>
+                  <a:p>
+                    <a:pPr algn="ctr"/>
+                    <a14:m>
+                      <m:oMathPara xmlns:m="http://schemas.openxmlformats.org/officeDocument/2006/math">
+                        <m:oMathParaPr>
+                          <m:jc m:val="centerGroup"/>
+                        </m:oMathParaPr>
+                        <m:oMath xmlns:m="http://schemas.openxmlformats.org/officeDocument/2006/math">
+                          <m:r>
+                            <a:rPr lang="en-US" altLang="zh-CN" sz="1200" i="1" dirty="0" smtClean="0">
+                              <a:latin typeface="Cambria Math" panose="02040503050406030204" pitchFamily="18" charset="0"/>
+                            </a:rPr>
+                            <m:t>𝑚</m:t>
+                          </m:r>
+                        </m:oMath>
+                      </m:oMathPara>
+                    </a14:m>
+                    <a:endParaRPr lang="zh-CN" altLang="en-US" sz="1200" dirty="0"/>
+                  </a:p>
+                </p:txBody>
+              </p:sp>
+            </mc:Choice>
+            <mc:Fallback>
+              <p:sp>
+                <p:nvSpPr>
+                  <p:cNvPr id="21" name="矩形 20">
+                    <a:extLst>
+                      <a:ext uri="{FF2B5EF4-FFF2-40B4-BE49-F238E27FC236}">
+                        <a16:creationId xmlns:a16="http://schemas.microsoft.com/office/drawing/2014/main" id="{332C5594-64BC-4762-9EDC-0C061D2B2071}"/>
+                      </a:ext>
+                    </a:extLst>
+                  </p:cNvPr>
+                  <p:cNvSpPr>
+                    <a:spLocks noRot="1" noChangeAspect="1" noMove="1" noResize="1" noEditPoints="1" noAdjustHandles="1" noChangeArrowheads="1" noChangeShapeType="1" noTextEdit="1"/>
+                  </p:cNvSpPr>
+                  <p:nvPr/>
+                </p:nvSpPr>
+                <p:spPr>
+                  <a:xfrm>
+                    <a:off x="4169715" y="2315729"/>
+                    <a:ext cx="468647" cy="234884"/>
+                  </a:xfrm>
+                  <a:prstGeom prst="rect">
+                    <a:avLst/>
+                  </a:prstGeom>
+                  <a:blipFill>
+                    <a:blip r:embed="rId10"/>
+                    <a:stretch>
+                      <a:fillRect/>
+                    </a:stretch>
+                  </a:blipFill>
+                  <a:ln>
+                    <a:noFill/>
+                  </a:ln>
+                </p:spPr>
+                <p:txBody>
+                  <a:bodyPr/>
+                  <a:lstStyle/>
+                  <a:p>
+                    <a:r>
+                      <a:rPr lang="zh-CN" altLang="en-US">
+                        <a:noFill/>
+                      </a:rPr>
+                      <a:t> </a:t>
+                    </a:r>
+                  </a:p>
+                </p:txBody>
+              </p:sp>
+            </mc:Fallback>
+          </mc:AlternateContent>
+          <p:cxnSp>
+            <p:nvCxnSpPr>
+              <p:cNvPr id="22" name="直接连接符 21">
+                <a:extLst>
+                  <a:ext uri="{FF2B5EF4-FFF2-40B4-BE49-F238E27FC236}">
+                    <a16:creationId xmlns:a16="http://schemas.microsoft.com/office/drawing/2014/main" id="{13862872-51AC-4E1E-8A16-5ABDE7DD8506}"/>
+                  </a:ext>
+                </a:extLst>
+              </p:cNvPr>
+              <p:cNvCxnSpPr>
+                <a:cxnSpLocks/>
+              </p:cNvCxnSpPr>
+              <p:nvPr/>
+            </p:nvCxnSpPr>
+            <p:spPr>
+              <a:xfrm flipH="1">
+                <a:off x="5294593" y="1040535"/>
+                <a:ext cx="30410" cy="1543973"/>
+              </a:xfrm>
+              <a:prstGeom prst="line">
+                <a:avLst/>
+              </a:prstGeom>
+              <a:ln w="25400">
+                <a:prstDash val="dash"/>
+              </a:ln>
+            </p:spPr>
+            <p:style>
+              <a:lnRef idx="1">
+                <a:schemeClr val="dk1"/>
+              </a:lnRef>
+              <a:fillRef idx="0">
+                <a:schemeClr val="dk1"/>
+              </a:fillRef>
+              <a:effectRef idx="0">
+                <a:schemeClr val="dk1"/>
+              </a:effectRef>
+              <a:fontRef idx="minor">
+                <a:schemeClr val="tx1"/>
+              </a:fontRef>
+            </p:style>
+          </p:cxnSp>
+        </p:grpSp>
+        <p:sp>
+          <p:nvSpPr>
+            <p:cNvPr id="175" name="矩形 174">
+              <a:extLst>
+                <a:ext uri="{FF2B5EF4-FFF2-40B4-BE49-F238E27FC236}">
+                  <a16:creationId xmlns:a16="http://schemas.microsoft.com/office/drawing/2014/main" id="{EEB26C47-FF0D-4811-8D17-99D292647C32}"/>
+                </a:ext>
+              </a:extLst>
+            </p:cNvPr>
+            <p:cNvSpPr/>
+            <p:nvPr/>
+          </p:nvSpPr>
+          <p:spPr>
+            <a:xfrm>
+              <a:off x="5272471" y="1907184"/>
+              <a:ext cx="214871" cy="234892"/>
+            </a:xfrm>
+            <a:prstGeom prst="rect">
+              <a:avLst/>
+            </a:prstGeom>
+          </p:spPr>
+          <p:style>
+            <a:lnRef idx="1">
+              <a:schemeClr val="accent2"/>
+            </a:lnRef>
+            <a:fillRef idx="2">
+              <a:schemeClr val="accent2"/>
+            </a:fillRef>
+            <a:effectRef idx="1">
+              <a:schemeClr val="accent2"/>
+            </a:effectRef>
+            <a:fontRef idx="minor">
+              <a:schemeClr val="dk1"/>
+            </a:fontRef>
+          </p:style>
+          <p:txBody>
+            <a:bodyPr rtlCol="0" anchor="ctr"/>
+            <a:lstStyle/>
+            <a:p>
+              <a:pPr algn="ctr"/>
+              <a:endParaRPr lang="zh-CN" altLang="en-US"/>
+            </a:p>
+          </p:txBody>
+        </p:sp>
+        <p:cxnSp>
+          <p:nvCxnSpPr>
+            <p:cNvPr id="176" name="直接箭头连接符 175">
+              <a:extLst>
+                <a:ext uri="{FF2B5EF4-FFF2-40B4-BE49-F238E27FC236}">
+                  <a16:creationId xmlns:a16="http://schemas.microsoft.com/office/drawing/2014/main" id="{42440A8D-3DE6-4355-8CA0-FB8E06BCAC97}"/>
+                </a:ext>
+              </a:extLst>
+            </p:cNvPr>
+            <p:cNvCxnSpPr>
+              <a:cxnSpLocks/>
+            </p:cNvCxnSpPr>
+            <p:nvPr/>
+          </p:nvCxnSpPr>
+          <p:spPr>
+            <a:xfrm flipH="1">
+              <a:off x="5075825" y="2024630"/>
+              <a:ext cx="196189" cy="0"/>
+            </a:xfrm>
+            <a:prstGeom prst="straightConnector1">
+              <a:avLst/>
+            </a:prstGeom>
+            <a:ln>
+              <a:tailEnd type="triangle"/>
+            </a:ln>
+          </p:spPr>
+          <p:style>
+            <a:lnRef idx="1">
+              <a:schemeClr val="dk1"/>
+            </a:lnRef>
+            <a:fillRef idx="0">
+              <a:schemeClr val="dk1"/>
+            </a:fillRef>
+            <a:effectRef idx="0">
+              <a:schemeClr val="dk1"/>
+            </a:effectRef>
+            <a:fontRef idx="minor">
+              <a:schemeClr val="tx1"/>
+            </a:fontRef>
+          </p:style>
+        </p:cxnSp>
+        <p:sp>
+          <p:nvSpPr>
+            <p:cNvPr id="180" name="矩形 179">
+              <a:extLst>
+                <a:ext uri="{FF2B5EF4-FFF2-40B4-BE49-F238E27FC236}">
+                  <a16:creationId xmlns:a16="http://schemas.microsoft.com/office/drawing/2014/main" id="{73C3DF50-87A3-478B-8EE0-229F1CDF32B1}"/>
+                </a:ext>
+              </a:extLst>
+            </p:cNvPr>
+            <p:cNvSpPr/>
+            <p:nvPr/>
+          </p:nvSpPr>
+          <p:spPr>
+            <a:xfrm>
+              <a:off x="2745901" y="596657"/>
+              <a:ext cx="919667" cy="234884"/>
+            </a:xfrm>
+            <a:prstGeom prst="rect">
+              <a:avLst/>
+            </a:prstGeom>
+            <a:ln>
+              <a:noFill/>
+            </a:ln>
+          </p:spPr>
+          <p:style>
+            <a:lnRef idx="2">
+              <a:schemeClr val="accent1"/>
+            </a:lnRef>
+            <a:fillRef idx="1">
+              <a:schemeClr val="lt1"/>
+            </a:fillRef>
+            <a:effectRef idx="0">
+              <a:schemeClr val="accent1"/>
+            </a:effectRef>
+            <a:fontRef idx="minor">
+              <a:schemeClr val="dk1"/>
+            </a:fontRef>
+          </p:style>
+          <p:txBody>
+            <a:bodyPr rtlCol="0" anchor="ctr"/>
+            <a:lstStyle/>
+            <a:p>
+              <a:pPr algn="ctr"/>
+              <a:r>
+                <a:rPr lang="zh-CN" altLang="en-US" sz="1200" dirty="0">
+                  <a:latin typeface="楷体" panose="02010609060101010101" pitchFamily="49" charset="-122"/>
+                  <a:ea typeface="楷体" panose="02010609060101010101" pitchFamily="49" charset="-122"/>
+                </a:rPr>
+                <a:t>生成目标交易时间</a:t>
+              </a:r>
+            </a:p>
+          </p:txBody>
+        </p:sp>
+        <p:sp>
+          <p:nvSpPr>
+            <p:cNvPr id="181" name="矩形 180">
+              <a:extLst>
+                <a:ext uri="{FF2B5EF4-FFF2-40B4-BE49-F238E27FC236}">
+                  <a16:creationId xmlns:a16="http://schemas.microsoft.com/office/drawing/2014/main" id="{C62AE288-9413-42F0-9128-77663BF4D4A3}"/>
+                </a:ext>
+              </a:extLst>
+            </p:cNvPr>
+            <p:cNvSpPr/>
+            <p:nvPr/>
+          </p:nvSpPr>
+          <p:spPr>
+            <a:xfrm>
+              <a:off x="4781536" y="614261"/>
+              <a:ext cx="739355" cy="234884"/>
+            </a:xfrm>
+            <a:prstGeom prst="rect">
+              <a:avLst/>
+            </a:prstGeom>
+            <a:ln>
+              <a:noFill/>
+            </a:ln>
+          </p:spPr>
+          <p:style>
+            <a:lnRef idx="2">
+              <a:schemeClr val="accent1"/>
+            </a:lnRef>
+            <a:fillRef idx="1">
+              <a:schemeClr val="lt1"/>
+            </a:fillRef>
+            <a:effectRef idx="0">
+              <a:schemeClr val="accent1"/>
+            </a:effectRef>
+            <a:fontRef idx="minor">
+              <a:schemeClr val="dk1"/>
+            </a:fontRef>
+          </p:style>
+          <p:txBody>
+            <a:bodyPr rtlCol="0" anchor="ctr"/>
+            <a:lstStyle/>
+            <a:p>
+              <a:pPr algn="ctr"/>
+              <a:r>
+                <a:rPr lang="zh-CN" altLang="en-US" sz="1200" dirty="0">
+                  <a:latin typeface="楷体" panose="02010609060101010101" pitchFamily="49" charset="-122"/>
+                  <a:ea typeface="楷体" panose="02010609060101010101" pitchFamily="49" charset="-122"/>
+                </a:rPr>
+                <a:t>确认区块时间</a:t>
+              </a:r>
+            </a:p>
+          </p:txBody>
+        </p:sp>
+        <p:cxnSp>
+          <p:nvCxnSpPr>
+            <p:cNvPr id="185" name="直接连接符 184">
+              <a:extLst>
+                <a:ext uri="{FF2B5EF4-FFF2-40B4-BE49-F238E27FC236}">
+                  <a16:creationId xmlns:a16="http://schemas.microsoft.com/office/drawing/2014/main" id="{21D320C3-D502-4D36-B9FB-5212FE284A3C}"/>
+                </a:ext>
+              </a:extLst>
+            </p:cNvPr>
+            <p:cNvCxnSpPr>
+              <a:cxnSpLocks/>
+            </p:cNvCxnSpPr>
+            <p:nvPr/>
+          </p:nvCxnSpPr>
+          <p:spPr>
+            <a:xfrm flipH="1">
+              <a:off x="3806500" y="1080221"/>
+              <a:ext cx="30410" cy="1543973"/>
+            </a:xfrm>
+            <a:prstGeom prst="line">
+              <a:avLst/>
+            </a:prstGeom>
+            <a:ln w="25400">
+              <a:prstDash val="dash"/>
+            </a:ln>
+          </p:spPr>
+          <p:style>
+            <a:lnRef idx="1">
+              <a:schemeClr val="dk1"/>
+            </a:lnRef>
+            <a:fillRef idx="0">
+              <a:schemeClr val="dk1"/>
+            </a:fillRef>
+            <a:effectRef idx="0">
+              <a:schemeClr val="dk1"/>
+            </a:effectRef>
+            <a:fontRef idx="minor">
+              <a:schemeClr val="tx1"/>
+            </a:fontRef>
+          </p:style>
+        </p:cxnSp>
+        <p:sp>
+          <p:nvSpPr>
+            <p:cNvPr id="186" name="矩形 185">
+              <a:extLst>
+                <a:ext uri="{FF2B5EF4-FFF2-40B4-BE49-F238E27FC236}">
+                  <a16:creationId xmlns:a16="http://schemas.microsoft.com/office/drawing/2014/main" id="{554675D5-ED23-4252-A832-F0A3EB2FF8A7}"/>
+                </a:ext>
+              </a:extLst>
+            </p:cNvPr>
+            <p:cNvSpPr/>
+            <p:nvPr/>
+          </p:nvSpPr>
+          <p:spPr>
+            <a:xfrm>
+              <a:off x="3523566" y="591046"/>
+              <a:ext cx="817337" cy="234884"/>
+            </a:xfrm>
+            <a:prstGeom prst="rect">
+              <a:avLst/>
+            </a:prstGeom>
+            <a:ln>
+              <a:noFill/>
+            </a:ln>
+          </p:spPr>
+          <p:style>
+            <a:lnRef idx="2">
+              <a:schemeClr val="accent1"/>
+            </a:lnRef>
+            <a:fillRef idx="1">
+              <a:schemeClr val="lt1"/>
+            </a:fillRef>
+            <a:effectRef idx="0">
+              <a:schemeClr val="accent1"/>
+            </a:effectRef>
+            <a:fontRef idx="minor">
+              <a:schemeClr val="dk1"/>
+            </a:fontRef>
+          </p:style>
+          <p:txBody>
+            <a:bodyPr rtlCol="0" anchor="ctr"/>
+            <a:lstStyle/>
+            <a:p>
+              <a:pPr algn="ctr"/>
+              <a:r>
+                <a:rPr lang="zh-CN" altLang="en-US" sz="1200" dirty="0">
+                  <a:latin typeface="楷体" panose="02010609060101010101" pitchFamily="49" charset="-122"/>
+                  <a:ea typeface="楷体" panose="02010609060101010101" pitchFamily="49" charset="-122"/>
+                </a:rPr>
+                <a:t>打包交易进块时间</a:t>
+              </a:r>
+            </a:p>
+          </p:txBody>
+        </p:sp>
+      </p:grpSp>
+      <p:sp>
+        <p:nvSpPr>
+          <p:cNvPr id="187" name="矩形 186">
+            <a:extLst>
+              <a:ext uri="{FF2B5EF4-FFF2-40B4-BE49-F238E27FC236}">
+                <a16:creationId xmlns:a16="http://schemas.microsoft.com/office/drawing/2014/main" id="{C04E3F1C-943D-4953-BD8B-1533AF285BE0}"/>
+              </a:ext>
+            </a:extLst>
+          </p:cNvPr>
+          <p:cNvSpPr/>
+          <p:nvPr/>
+        </p:nvSpPr>
+        <p:spPr>
+          <a:xfrm>
+            <a:off x="4491498" y="6432855"/>
+            <a:ext cx="817337" cy="234884"/>
+          </a:xfrm>
+          <a:prstGeom prst="rect">
+            <a:avLst/>
+          </a:prstGeom>
+          <a:ln>
+            <a:noFill/>
+          </a:ln>
+        </p:spPr>
+        <p:style>
+          <a:lnRef idx="2">
+            <a:schemeClr val="accent1"/>
+          </a:lnRef>
+          <a:fillRef idx="1">
+            <a:schemeClr val="lt1"/>
+          </a:fillRef>
+          <a:effectRef idx="0">
+            <a:schemeClr val="accent1"/>
+          </a:effectRef>
+          <a:fontRef idx="minor">
+            <a:schemeClr val="dk1"/>
+          </a:fontRef>
+        </p:style>
+        <p:txBody>
+          <a:bodyPr rtlCol="0" anchor="ctr"/>
+          <a:lstStyle/>
+          <a:p>
+            <a:pPr algn="ctr"/>
+            <a:r>
+              <a:rPr lang="zh-CN" altLang="en-US" sz="1200" dirty="0">
+                <a:latin typeface="楷体" panose="02010609060101010101" pitchFamily="49" charset="-122"/>
+                <a:ea typeface="楷体" panose="02010609060101010101" pitchFamily="49" charset="-122"/>
+              </a:rPr>
+              <a:t>打包交易进块时间</a:t>
+            </a:r>
+          </a:p>
+        </p:txBody>
+      </p:sp>
+      <p:sp>
+        <p:nvSpPr>
+          <p:cNvPr id="188" name="矩形 187">
+            <a:extLst>
+              <a:ext uri="{FF2B5EF4-FFF2-40B4-BE49-F238E27FC236}">
+                <a16:creationId xmlns:a16="http://schemas.microsoft.com/office/drawing/2014/main" id="{08B82E43-A3B7-42E6-9DBF-6AD33C4073C4}"/>
+              </a:ext>
+            </a:extLst>
+          </p:cNvPr>
+          <p:cNvSpPr/>
+          <p:nvPr/>
+        </p:nvSpPr>
+        <p:spPr>
+          <a:xfrm>
+            <a:off x="6175292" y="6413592"/>
+            <a:ext cx="739355" cy="234884"/>
+          </a:xfrm>
+          <a:prstGeom prst="rect">
+            <a:avLst/>
+          </a:prstGeom>
+          <a:ln>
+            <a:noFill/>
+          </a:ln>
+        </p:spPr>
+        <p:style>
+          <a:lnRef idx="2">
+            <a:schemeClr val="accent1"/>
+          </a:lnRef>
+          <a:fillRef idx="1">
+            <a:schemeClr val="lt1"/>
+          </a:fillRef>
+          <a:effectRef idx="0">
+            <a:schemeClr val="accent1"/>
+          </a:effectRef>
+          <a:fontRef idx="minor">
+            <a:schemeClr val="dk1"/>
+          </a:fontRef>
+        </p:style>
+        <p:txBody>
+          <a:bodyPr rtlCol="0" anchor="ctr"/>
+          <a:lstStyle/>
+          <a:p>
+            <a:pPr algn="ctr"/>
+            <a:r>
+              <a:rPr lang="zh-CN" altLang="en-US" sz="1200" dirty="0">
+                <a:latin typeface="楷体" panose="02010609060101010101" pitchFamily="49" charset="-122"/>
+                <a:ea typeface="楷体" panose="02010609060101010101" pitchFamily="49" charset="-122"/>
+              </a:rPr>
+              <a:t>确认区块时间</a:t>
+            </a:r>
+          </a:p>
+        </p:txBody>
+      </p:sp>
+      <mc:AlternateContent xmlns:mc="http://schemas.openxmlformats.org/markup-compatibility/2006">
+        <mc:Choice xmlns:a14="http://schemas.microsoft.com/office/drawing/2010/main" Requires="a14">
+          <p:sp>
+            <p:nvSpPr>
+              <p:cNvPr id="191" name="矩形 190">
+                <a:extLst>
+                  <a:ext uri="{FF2B5EF4-FFF2-40B4-BE49-F238E27FC236}">
+                    <a16:creationId xmlns:a16="http://schemas.microsoft.com/office/drawing/2014/main" id="{3970F636-2CCC-4998-B294-4B55BF26BF22}"/>
+                  </a:ext>
+                </a:extLst>
+              </p:cNvPr>
+              <p:cNvSpPr/>
+              <p:nvPr/>
+            </p:nvSpPr>
+            <p:spPr>
+              <a:xfrm>
+                <a:off x="5912510" y="1391348"/>
+                <a:ext cx="1272846" cy="234884"/>
+              </a:xfrm>
+              <a:prstGeom prst="rect">
+                <a:avLst/>
+              </a:prstGeom>
+              <a:ln>
+                <a:noFill/>
+              </a:ln>
+            </p:spPr>
+            <p:style>
+              <a:lnRef idx="2">
+                <a:schemeClr val="accent1"/>
+              </a:lnRef>
+              <a:fillRef idx="1">
+                <a:schemeClr val="lt1"/>
+              </a:fillRef>
+              <a:effectRef idx="0">
+                <a:schemeClr val="accent1"/>
+              </a:effectRef>
+              <a:fontRef idx="minor">
+                <a:schemeClr val="dk1"/>
+              </a:fontRef>
+            </p:style>
+            <p:txBody>
+              <a:bodyPr rtlCol="0" anchor="ctr"/>
+              <a:lstStyle/>
+              <a:p>
+                <a:pPr algn="ctr"/>
+                <a14:m>
+                  <m:oMathPara xmlns:m="http://schemas.openxmlformats.org/officeDocument/2006/math">
+                    <m:oMathParaPr>
+                      <m:jc m:val="centerGroup"/>
+                    </m:oMathParaPr>
+                    <m:oMath xmlns:m="http://schemas.openxmlformats.org/officeDocument/2006/math">
+                      <m:r>
+                        <a:rPr lang="en-US" altLang="zh-CN" sz="1200" b="0" i="1" smtClean="0">
+                          <a:latin typeface="Cambria Math" panose="02040503050406030204" pitchFamily="18" charset="0"/>
+                        </a:rPr>
+                        <m:t>𝑤</m:t>
+                      </m:r>
+                      <m:r>
+                        <a:rPr lang="en-US" altLang="zh-CN" sz="1200" b="0" i="1" smtClean="0">
+                          <a:latin typeface="Cambria Math" panose="02040503050406030204" pitchFamily="18" charset="0"/>
+                        </a:rPr>
+                        <m:t>=0, </m:t>
+                      </m:r>
+                      <m:r>
+                        <a:rPr lang="en-US" altLang="zh-CN" sz="1200" b="0" i="1" smtClean="0">
+                          <a:latin typeface="Cambria Math" panose="02040503050406030204" pitchFamily="18" charset="0"/>
+                        </a:rPr>
+                        <m:t>𝑐</m:t>
+                      </m:r>
+                      <m:r>
+                        <a:rPr lang="en-US" altLang="zh-CN" sz="1200" b="0" i="1" smtClean="0">
+                          <a:latin typeface="Cambria Math" panose="02040503050406030204" pitchFamily="18" charset="0"/>
+                        </a:rPr>
+                        <m:t>&gt;1</m:t>
+                      </m:r>
+                    </m:oMath>
+                  </m:oMathPara>
+                </a14:m>
+                <a:endParaRPr lang="zh-CN" altLang="en-US" sz="1200" dirty="0"/>
+              </a:p>
+            </p:txBody>
+          </p:sp>
+        </mc:Choice>
+        <mc:Fallback>
+          <p:sp>
+            <p:nvSpPr>
+              <p:cNvPr id="191" name="矩形 190">
+                <a:extLst>
+                  <a:ext uri="{FF2B5EF4-FFF2-40B4-BE49-F238E27FC236}">
+                    <a16:creationId xmlns:a16="http://schemas.microsoft.com/office/drawing/2014/main" id="{3970F636-2CCC-4998-B294-4B55BF26BF22}"/>
+                  </a:ext>
+                </a:extLst>
+              </p:cNvPr>
+              <p:cNvSpPr>
+                <a:spLocks noRot="1" noChangeAspect="1" noMove="1" noResize="1" noEditPoints="1" noAdjustHandles="1" noChangeArrowheads="1" noChangeShapeType="1" noTextEdit="1"/>
+              </p:cNvSpPr>
+              <p:nvPr/>
+            </p:nvSpPr>
+            <p:spPr>
+              <a:xfrm>
+                <a:off x="5912510" y="1391348"/>
+                <a:ext cx="1272846" cy="234884"/>
+              </a:xfrm>
+              <a:prstGeom prst="rect">
+                <a:avLst/>
+              </a:prstGeom>
+              <a:blipFill>
+                <a:blip r:embed="rId11"/>
+                <a:stretch>
+                  <a:fillRect/>
+                </a:stretch>
+              </a:blipFill>
+              <a:ln>
+                <a:noFill/>
+              </a:ln>
+            </p:spPr>
+            <p:txBody>
+              <a:bodyPr/>
+              <a:lstStyle/>
+              <a:p>
+                <a:r>
+                  <a:rPr lang="zh-CN" altLang="en-US">
+                    <a:noFill/>
+                  </a:rPr>
+                  <a:t> </a:t>
+                </a:r>
+              </a:p>
+            </p:txBody>
+          </p:sp>
+        </mc:Fallback>
+      </mc:AlternateContent>
+      <mc:AlternateContent xmlns:mc="http://schemas.openxmlformats.org/markup-compatibility/2006">
+        <mc:Choice xmlns:a14="http://schemas.microsoft.com/office/drawing/2010/main" Requires="a14">
+          <p:sp>
+            <p:nvSpPr>
+              <p:cNvPr id="192" name="矩形 191">
+                <a:extLst>
+                  <a:ext uri="{FF2B5EF4-FFF2-40B4-BE49-F238E27FC236}">
+                    <a16:creationId xmlns:a16="http://schemas.microsoft.com/office/drawing/2014/main" id="{43E996AD-754F-4A96-B7CC-A0E10E706A8D}"/>
+                  </a:ext>
+                </a:extLst>
+              </p:cNvPr>
+              <p:cNvSpPr/>
+              <p:nvPr/>
+            </p:nvSpPr>
+            <p:spPr>
+              <a:xfrm>
+                <a:off x="6311355" y="3320013"/>
+                <a:ext cx="1272846" cy="234884"/>
+              </a:xfrm>
+              <a:prstGeom prst="rect">
+                <a:avLst/>
+              </a:prstGeom>
+              <a:ln>
+                <a:noFill/>
+              </a:ln>
+            </p:spPr>
+            <p:style>
+              <a:lnRef idx="2">
+                <a:schemeClr val="accent1"/>
+              </a:lnRef>
+              <a:fillRef idx="1">
+                <a:schemeClr val="lt1"/>
+              </a:fillRef>
+              <a:effectRef idx="0">
+                <a:schemeClr val="accent1"/>
+              </a:effectRef>
+              <a:fontRef idx="minor">
+                <a:schemeClr val="dk1"/>
+              </a:fontRef>
+            </p:style>
+            <p:txBody>
+              <a:bodyPr rtlCol="0" anchor="ctr"/>
+              <a:lstStyle/>
+              <a:p>
+                <a:pPr algn="ctr"/>
+                <a14:m>
+                  <m:oMathPara xmlns:m="http://schemas.openxmlformats.org/officeDocument/2006/math">
+                    <m:oMathParaPr>
+                      <m:jc m:val="centerGroup"/>
+                    </m:oMathParaPr>
+                    <m:oMath xmlns:m="http://schemas.openxmlformats.org/officeDocument/2006/math">
+                      <m:r>
+                        <a:rPr lang="en-US" altLang="zh-CN" sz="1200" b="0" i="1" smtClean="0">
+                          <a:latin typeface="Cambria Math" panose="02040503050406030204" pitchFamily="18" charset="0"/>
+                        </a:rPr>
+                        <m:t>𝑤</m:t>
+                      </m:r>
+                      <m:r>
+                        <a:rPr lang="en-US" altLang="zh-CN" sz="1200" b="0" i="1" smtClean="0">
+                          <a:latin typeface="Cambria Math" panose="02040503050406030204" pitchFamily="18" charset="0"/>
+                        </a:rPr>
+                        <m:t>&gt;0, </m:t>
+                      </m:r>
+                      <m:r>
+                        <a:rPr lang="en-US" altLang="zh-CN" sz="1200" b="0" i="1" smtClean="0">
+                          <a:latin typeface="Cambria Math" panose="02040503050406030204" pitchFamily="18" charset="0"/>
+                        </a:rPr>
+                        <m:t>𝑐</m:t>
+                      </m:r>
+                      <m:r>
+                        <a:rPr lang="en-US" altLang="zh-CN" sz="1200" b="0" i="1" smtClean="0">
+                          <a:latin typeface="Cambria Math" panose="02040503050406030204" pitchFamily="18" charset="0"/>
+                        </a:rPr>
+                        <m:t>=1</m:t>
+                      </m:r>
+                    </m:oMath>
+                  </m:oMathPara>
+                </a14:m>
+                <a:endParaRPr lang="zh-CN" altLang="en-US" sz="1200" dirty="0"/>
+              </a:p>
+            </p:txBody>
+          </p:sp>
+        </mc:Choice>
+        <mc:Fallback>
+          <p:sp>
+            <p:nvSpPr>
+              <p:cNvPr id="192" name="矩形 191">
+                <a:extLst>
+                  <a:ext uri="{FF2B5EF4-FFF2-40B4-BE49-F238E27FC236}">
+                    <a16:creationId xmlns:a16="http://schemas.microsoft.com/office/drawing/2014/main" id="{43E996AD-754F-4A96-B7CC-A0E10E706A8D}"/>
+                  </a:ext>
+                </a:extLst>
+              </p:cNvPr>
+              <p:cNvSpPr>
+                <a:spLocks noRot="1" noChangeAspect="1" noMove="1" noResize="1" noEditPoints="1" noAdjustHandles="1" noChangeArrowheads="1" noChangeShapeType="1" noTextEdit="1"/>
+              </p:cNvSpPr>
+              <p:nvPr/>
+            </p:nvSpPr>
+            <p:spPr>
+              <a:xfrm>
+                <a:off x="6311355" y="3320013"/>
+                <a:ext cx="1272846" cy="234884"/>
+              </a:xfrm>
+              <a:prstGeom prst="rect">
+                <a:avLst/>
+              </a:prstGeom>
+              <a:blipFill>
+                <a:blip r:embed="rId12"/>
+                <a:stretch>
+                  <a:fillRect/>
+                </a:stretch>
+              </a:blipFill>
+              <a:ln>
+                <a:noFill/>
+              </a:ln>
+            </p:spPr>
+            <p:txBody>
+              <a:bodyPr/>
+              <a:lstStyle/>
+              <a:p>
+                <a:r>
+                  <a:rPr lang="zh-CN" altLang="en-US">
+                    <a:noFill/>
+                  </a:rPr>
+                  <a:t> </a:t>
+                </a:r>
+              </a:p>
+            </p:txBody>
+          </p:sp>
+        </mc:Fallback>
+      </mc:AlternateContent>
+      <mc:AlternateContent xmlns:mc="http://schemas.openxmlformats.org/markup-compatibility/2006">
+        <mc:Choice xmlns:a14="http://schemas.microsoft.com/office/drawing/2010/main" Requires="a14">
+          <p:sp>
+            <p:nvSpPr>
+              <p:cNvPr id="193" name="矩形 192">
+                <a:extLst>
+                  <a:ext uri="{FF2B5EF4-FFF2-40B4-BE49-F238E27FC236}">
+                    <a16:creationId xmlns:a16="http://schemas.microsoft.com/office/drawing/2014/main" id="{75C17D75-DC4E-41A4-91BC-2C8401578137}"/>
+                  </a:ext>
+                </a:extLst>
+              </p:cNvPr>
+              <p:cNvSpPr/>
+              <p:nvPr/>
+            </p:nvSpPr>
+            <p:spPr>
+              <a:xfrm>
+                <a:off x="6976258" y="5370845"/>
+                <a:ext cx="1272846" cy="234884"/>
+              </a:xfrm>
+              <a:prstGeom prst="rect">
+                <a:avLst/>
+              </a:prstGeom>
+              <a:ln>
+                <a:noFill/>
+              </a:ln>
+            </p:spPr>
+            <p:style>
+              <a:lnRef idx="2">
+                <a:schemeClr val="accent1"/>
+              </a:lnRef>
+              <a:fillRef idx="1">
+                <a:schemeClr val="lt1"/>
+              </a:fillRef>
+              <a:effectRef idx="0">
+                <a:schemeClr val="accent1"/>
+              </a:effectRef>
+              <a:fontRef idx="minor">
+                <a:schemeClr val="dk1"/>
+              </a:fontRef>
+            </p:style>
+            <p:txBody>
+              <a:bodyPr rtlCol="0" anchor="ctr"/>
+              <a:lstStyle/>
+              <a:p>
+                <a:pPr algn="ctr"/>
+                <a14:m>
+                  <m:oMathPara xmlns:m="http://schemas.openxmlformats.org/officeDocument/2006/math">
+                    <m:oMathParaPr>
+                      <m:jc m:val="centerGroup"/>
+                    </m:oMathParaPr>
+                    <m:oMath xmlns:m="http://schemas.openxmlformats.org/officeDocument/2006/math">
+                      <m:r>
+                        <a:rPr lang="en-US" altLang="zh-CN" sz="1200" b="0" i="1" smtClean="0">
+                          <a:latin typeface="Cambria Math" panose="02040503050406030204" pitchFamily="18" charset="0"/>
+                        </a:rPr>
+                        <m:t>𝑤</m:t>
+                      </m:r>
+                      <m:r>
+                        <a:rPr lang="en-US" altLang="zh-CN" sz="1200" b="0" i="1" smtClean="0">
+                          <a:latin typeface="Cambria Math" panose="02040503050406030204" pitchFamily="18" charset="0"/>
+                        </a:rPr>
+                        <m:t>&gt;0, </m:t>
+                      </m:r>
+                      <m:r>
+                        <a:rPr lang="en-US" altLang="zh-CN" sz="1200" b="0" i="1" smtClean="0">
+                          <a:latin typeface="Cambria Math" panose="02040503050406030204" pitchFamily="18" charset="0"/>
+                        </a:rPr>
+                        <m:t>𝑐</m:t>
+                      </m:r>
+                      <m:r>
+                        <a:rPr lang="en-US" altLang="zh-CN" sz="1200" b="0" i="1" smtClean="0">
+                          <a:latin typeface="Cambria Math" panose="02040503050406030204" pitchFamily="18" charset="0"/>
+                        </a:rPr>
+                        <m:t>&gt;1</m:t>
+                      </m:r>
+                    </m:oMath>
+                  </m:oMathPara>
+                </a14:m>
+                <a:endParaRPr lang="zh-CN" altLang="en-US" sz="1200" dirty="0"/>
+              </a:p>
+            </p:txBody>
+          </p:sp>
+        </mc:Choice>
+        <mc:Fallback>
+          <p:sp>
+            <p:nvSpPr>
+              <p:cNvPr id="193" name="矩形 192">
+                <a:extLst>
+                  <a:ext uri="{FF2B5EF4-FFF2-40B4-BE49-F238E27FC236}">
+                    <a16:creationId xmlns:a16="http://schemas.microsoft.com/office/drawing/2014/main" id="{75C17D75-DC4E-41A4-91BC-2C8401578137}"/>
+                  </a:ext>
+                </a:extLst>
+              </p:cNvPr>
+              <p:cNvSpPr>
+                <a:spLocks noRot="1" noChangeAspect="1" noMove="1" noResize="1" noEditPoints="1" noAdjustHandles="1" noChangeArrowheads="1" noChangeShapeType="1" noTextEdit="1"/>
+              </p:cNvSpPr>
+              <p:nvPr/>
+            </p:nvSpPr>
+            <p:spPr>
+              <a:xfrm>
+                <a:off x="6976258" y="5370845"/>
+                <a:ext cx="1272846" cy="234884"/>
+              </a:xfrm>
+              <a:prstGeom prst="rect">
+                <a:avLst/>
+              </a:prstGeom>
+              <a:blipFill>
+                <a:blip r:embed="rId13"/>
+                <a:stretch>
+                  <a:fillRect/>
+                </a:stretch>
+              </a:blipFill>
+              <a:ln>
+                <a:noFill/>
+              </a:ln>
+            </p:spPr>
+            <p:txBody>
+              <a:bodyPr/>
+              <a:lstStyle/>
+              <a:p>
+                <a:r>
+                  <a:rPr lang="zh-CN" altLang="en-US">
+                    <a:noFill/>
+                  </a:rPr>
+                  <a:t> </a:t>
+                </a:r>
+              </a:p>
+            </p:txBody>
+          </p:sp>
+        </mc:Fallback>
+      </mc:AlternateContent>
+    </p:spTree>
+    <p:extLst>
+      <p:ext uri="{BB962C8B-B14F-4D97-AF65-F5344CB8AC3E}">
+        <p14:creationId xmlns:p14="http://schemas.microsoft.com/office/powerpoint/2010/main" val="3643600882"/>
+      </p:ext>
+    </p:extLst>
+  </p:cSld>
+  <p:clrMapOvr>
+    <a:masterClrMapping/>
+  </p:clrMapOvr>
+</p:sld>
+</file>
+
 <file path=ppt/theme/theme1.xml><?xml version="1.0" encoding="utf-8"?>
 <a:theme xmlns:a="http://schemas.openxmlformats.org/drawingml/2006/main" name="Office 主题">
   <a:themeElements>
